--- a/presentation/Alpha Epsilon meets Zühlke.pptx
+++ b/presentation/Alpha Epsilon meets Zühlke.pptx
@@ -23,6 +23,7 @@
     <p:sldId id="270" r:id="rId18"/>
     <p:sldId id="271" r:id="rId19"/>
     <p:sldId id="272" r:id="rId20"/>
+    <p:sldId id="273" r:id="rId21"/>
   </p:sldIdLst>
   <p:sldSz cx="10080625" cy="7559675"/>
   <p:notesSz cx="7559675" cy="10691812"/>
@@ -70,7 +71,7 @@
       </p:grpSpPr>
       <p:sp>
         <p:nvSpPr>
-          <p:cNvPr id="27" name="PlaceHolder 1"/>
+          <p:cNvPr id="24" name="PlaceHolder 1"/>
           <p:cNvSpPr>
             <a:spLocks noGrp="1"/>
           </p:cNvSpPr>
@@ -81,7 +82,7 @@
         <p:spPr>
           <a:xfrm>
             <a:off x="720000" y="300960"/>
-            <a:ext cx="8855640" cy="1262520"/>
+            <a:ext cx="8855280" cy="1262160"/>
           </a:xfrm>
           <a:prstGeom prst="rect">
             <a:avLst/>
@@ -92,18 +93,16 @@
             <a:noAutofit/>
           </a:bodyPr>
           <a:p>
-            <a:endParaRPr b="1" lang="en-US" sz="4400" spc="-1" strike="noStrike">
-              <a:solidFill>
-                <a:srgbClr val="333333"/>
-              </a:solidFill>
-              <a:latin typeface="Noto Sans"/>
-            </a:endParaRPr>
-          </a:p>
-        </p:txBody>
-      </p:sp>
-      <p:sp>
-        <p:nvSpPr>
-          <p:cNvPr id="28" name="PlaceHolder 2"/>
+            <a:pPr algn="ctr"/>
+            <a:endParaRPr b="0" lang="en-US" sz="4400" spc="-1" strike="noStrike">
+              <a:latin typeface="Arial"/>
+            </a:endParaRPr>
+          </a:p>
+        </p:txBody>
+      </p:sp>
+      <p:sp>
+        <p:nvSpPr>
+          <p:cNvPr id="25" name="PlaceHolder 2"/>
           <p:cNvSpPr>
             <a:spLocks noGrp="1"/>
           </p:cNvSpPr>
@@ -114,7 +113,7 @@
         <p:spPr>
           <a:xfrm>
             <a:off x="720000" y="2160000"/>
-            <a:ext cx="8640000" cy="2091240"/>
+            <a:ext cx="8639640" cy="2091240"/>
           </a:xfrm>
           <a:prstGeom prst="rect">
             <a:avLst/>
@@ -122,21 +121,18 @@
         </p:spPr>
         <p:txBody>
           <a:bodyPr lIns="0" rIns="0" tIns="0" bIns="0">
-            <a:noAutofit/>
-          </a:bodyPr>
-          <a:p>
-            <a:endParaRPr b="0" lang="en-US" sz="2800" spc="-1" strike="noStrike">
-              <a:solidFill>
-                <a:srgbClr val="333333"/>
-              </a:solidFill>
-              <a:latin typeface="Noto Sans"/>
-            </a:endParaRPr>
-          </a:p>
-        </p:txBody>
-      </p:sp>
-      <p:sp>
-        <p:nvSpPr>
-          <p:cNvPr id="29" name="PlaceHolder 3"/>
+            <a:normAutofit/>
+          </a:bodyPr>
+          <a:p>
+            <a:endParaRPr b="0" lang="en-US" sz="3200" spc="-1" strike="noStrike">
+              <a:latin typeface="Arial"/>
+            </a:endParaRPr>
+          </a:p>
+        </p:txBody>
+      </p:sp>
+      <p:sp>
+        <p:nvSpPr>
+          <p:cNvPr id="26" name="PlaceHolder 3"/>
           <p:cNvSpPr>
             <a:spLocks noGrp="1"/>
           </p:cNvSpPr>
@@ -147,7 +143,7 @@
         <p:spPr>
           <a:xfrm>
             <a:off x="720000" y="4450320"/>
-            <a:ext cx="8640000" cy="2091240"/>
+            <a:ext cx="8639640" cy="2091240"/>
           </a:xfrm>
           <a:prstGeom prst="rect">
             <a:avLst/>
@@ -155,14 +151,11 @@
         </p:spPr>
         <p:txBody>
           <a:bodyPr lIns="0" rIns="0" tIns="0" bIns="0">
-            <a:noAutofit/>
-          </a:bodyPr>
-          <a:p>
-            <a:endParaRPr b="0" lang="en-US" sz="2800" spc="-1" strike="noStrike">
-              <a:solidFill>
-                <a:srgbClr val="333333"/>
-              </a:solidFill>
-              <a:latin typeface="Noto Sans"/>
+            <a:normAutofit/>
+          </a:bodyPr>
+          <a:p>
+            <a:endParaRPr b="0" lang="en-US" sz="3200" spc="-1" strike="noStrike">
+              <a:latin typeface="Arial"/>
             </a:endParaRPr>
           </a:p>
         </p:txBody>
@@ -191,7 +184,7 @@
       </p:grpSpPr>
       <p:sp>
         <p:nvSpPr>
-          <p:cNvPr id="30" name="PlaceHolder 1"/>
+          <p:cNvPr id="27" name="PlaceHolder 1"/>
           <p:cNvSpPr>
             <a:spLocks noGrp="1"/>
           </p:cNvSpPr>
@@ -202,7 +195,7 @@
         <p:spPr>
           <a:xfrm>
             <a:off x="720000" y="300960"/>
-            <a:ext cx="8855640" cy="1262520"/>
+            <a:ext cx="8855280" cy="1262160"/>
           </a:xfrm>
           <a:prstGeom prst="rect">
             <a:avLst/>
@@ -213,18 +206,16 @@
             <a:noAutofit/>
           </a:bodyPr>
           <a:p>
-            <a:endParaRPr b="1" lang="en-US" sz="4400" spc="-1" strike="noStrike">
-              <a:solidFill>
-                <a:srgbClr val="333333"/>
-              </a:solidFill>
-              <a:latin typeface="Noto Sans"/>
-            </a:endParaRPr>
-          </a:p>
-        </p:txBody>
-      </p:sp>
-      <p:sp>
-        <p:nvSpPr>
-          <p:cNvPr id="31" name="PlaceHolder 2"/>
+            <a:pPr algn="ctr"/>
+            <a:endParaRPr b="0" lang="en-US" sz="4400" spc="-1" strike="noStrike">
+              <a:latin typeface="Arial"/>
+            </a:endParaRPr>
+          </a:p>
+        </p:txBody>
+      </p:sp>
+      <p:sp>
+        <p:nvSpPr>
+          <p:cNvPr id="28" name="PlaceHolder 2"/>
           <p:cNvSpPr>
             <a:spLocks noGrp="1"/>
           </p:cNvSpPr>
@@ -243,21 +234,18 @@
         </p:spPr>
         <p:txBody>
           <a:bodyPr lIns="0" rIns="0" tIns="0" bIns="0">
-            <a:noAutofit/>
-          </a:bodyPr>
-          <a:p>
-            <a:endParaRPr b="0" lang="en-US" sz="2800" spc="-1" strike="noStrike">
-              <a:solidFill>
-                <a:srgbClr val="333333"/>
-              </a:solidFill>
-              <a:latin typeface="Noto Sans"/>
-            </a:endParaRPr>
-          </a:p>
-        </p:txBody>
-      </p:sp>
-      <p:sp>
-        <p:nvSpPr>
-          <p:cNvPr id="32" name="PlaceHolder 3"/>
+            <a:normAutofit/>
+          </a:bodyPr>
+          <a:p>
+            <a:endParaRPr b="0" lang="en-US" sz="3200" spc="-1" strike="noStrike">
+              <a:latin typeface="Arial"/>
+            </a:endParaRPr>
+          </a:p>
+        </p:txBody>
+      </p:sp>
+      <p:sp>
+        <p:nvSpPr>
+          <p:cNvPr id="29" name="PlaceHolder 3"/>
           <p:cNvSpPr>
             <a:spLocks noGrp="1"/>
           </p:cNvSpPr>
@@ -276,21 +264,18 @@
         </p:spPr>
         <p:txBody>
           <a:bodyPr lIns="0" rIns="0" tIns="0" bIns="0">
-            <a:noAutofit/>
-          </a:bodyPr>
-          <a:p>
-            <a:endParaRPr b="0" lang="en-US" sz="2800" spc="-1" strike="noStrike">
-              <a:solidFill>
-                <a:srgbClr val="333333"/>
-              </a:solidFill>
-              <a:latin typeface="Noto Sans"/>
-            </a:endParaRPr>
-          </a:p>
-        </p:txBody>
-      </p:sp>
-      <p:sp>
-        <p:nvSpPr>
-          <p:cNvPr id="33" name="PlaceHolder 4"/>
+            <a:normAutofit/>
+          </a:bodyPr>
+          <a:p>
+            <a:endParaRPr b="0" lang="en-US" sz="3200" spc="-1" strike="noStrike">
+              <a:latin typeface="Arial"/>
+            </a:endParaRPr>
+          </a:p>
+        </p:txBody>
+      </p:sp>
+      <p:sp>
+        <p:nvSpPr>
+          <p:cNvPr id="30" name="PlaceHolder 4"/>
           <p:cNvSpPr>
             <a:spLocks noGrp="1"/>
           </p:cNvSpPr>
@@ -309,21 +294,18 @@
         </p:spPr>
         <p:txBody>
           <a:bodyPr lIns="0" rIns="0" tIns="0" bIns="0">
-            <a:noAutofit/>
-          </a:bodyPr>
-          <a:p>
-            <a:endParaRPr b="0" lang="en-US" sz="2800" spc="-1" strike="noStrike">
-              <a:solidFill>
-                <a:srgbClr val="333333"/>
-              </a:solidFill>
-              <a:latin typeface="Noto Sans"/>
-            </a:endParaRPr>
-          </a:p>
-        </p:txBody>
-      </p:sp>
-      <p:sp>
-        <p:nvSpPr>
-          <p:cNvPr id="34" name="PlaceHolder 5"/>
+            <a:normAutofit/>
+          </a:bodyPr>
+          <a:p>
+            <a:endParaRPr b="0" lang="en-US" sz="3200" spc="-1" strike="noStrike">
+              <a:latin typeface="Arial"/>
+            </a:endParaRPr>
+          </a:p>
+        </p:txBody>
+      </p:sp>
+      <p:sp>
+        <p:nvSpPr>
+          <p:cNvPr id="31" name="PlaceHolder 5"/>
           <p:cNvSpPr>
             <a:spLocks noGrp="1"/>
           </p:cNvSpPr>
@@ -342,14 +324,11 @@
         </p:spPr>
         <p:txBody>
           <a:bodyPr lIns="0" rIns="0" tIns="0" bIns="0">
-            <a:noAutofit/>
-          </a:bodyPr>
-          <a:p>
-            <a:endParaRPr b="0" lang="en-US" sz="2800" spc="-1" strike="noStrike">
-              <a:solidFill>
-                <a:srgbClr val="333333"/>
-              </a:solidFill>
-              <a:latin typeface="Noto Sans"/>
+            <a:normAutofit/>
+          </a:bodyPr>
+          <a:p>
+            <a:endParaRPr b="0" lang="en-US" sz="3200" spc="-1" strike="noStrike">
+              <a:latin typeface="Arial"/>
             </a:endParaRPr>
           </a:p>
         </p:txBody>
@@ -378,7 +357,7 @@
       </p:grpSpPr>
       <p:sp>
         <p:nvSpPr>
-          <p:cNvPr id="35" name="PlaceHolder 1"/>
+          <p:cNvPr id="32" name="PlaceHolder 1"/>
           <p:cNvSpPr>
             <a:spLocks noGrp="1"/>
           </p:cNvSpPr>
@@ -389,7 +368,7 @@
         <p:spPr>
           <a:xfrm>
             <a:off x="720000" y="300960"/>
-            <a:ext cx="8855640" cy="1262520"/>
+            <a:ext cx="8855280" cy="1262160"/>
           </a:xfrm>
           <a:prstGeom prst="rect">
             <a:avLst/>
@@ -400,18 +379,16 @@
             <a:noAutofit/>
           </a:bodyPr>
           <a:p>
-            <a:endParaRPr b="1" lang="en-US" sz="4400" spc="-1" strike="noStrike">
-              <a:solidFill>
-                <a:srgbClr val="333333"/>
-              </a:solidFill>
-              <a:latin typeface="Noto Sans"/>
-            </a:endParaRPr>
-          </a:p>
-        </p:txBody>
-      </p:sp>
-      <p:sp>
-        <p:nvSpPr>
-          <p:cNvPr id="36" name="PlaceHolder 2"/>
+            <a:pPr algn="ctr"/>
+            <a:endParaRPr b="0" lang="en-US" sz="4400" spc="-1" strike="noStrike">
+              <a:latin typeface="Arial"/>
+            </a:endParaRPr>
+          </a:p>
+        </p:txBody>
+      </p:sp>
+      <p:sp>
+        <p:nvSpPr>
+          <p:cNvPr id="33" name="PlaceHolder 2"/>
           <p:cNvSpPr>
             <a:spLocks noGrp="1"/>
           </p:cNvSpPr>
@@ -430,21 +407,18 @@
         </p:spPr>
         <p:txBody>
           <a:bodyPr lIns="0" rIns="0" tIns="0" bIns="0">
-            <a:noAutofit/>
-          </a:bodyPr>
-          <a:p>
-            <a:endParaRPr b="0" lang="en-US" sz="2800" spc="-1" strike="noStrike">
-              <a:solidFill>
-                <a:srgbClr val="333333"/>
-              </a:solidFill>
-              <a:latin typeface="Noto Sans"/>
-            </a:endParaRPr>
-          </a:p>
-        </p:txBody>
-      </p:sp>
-      <p:sp>
-        <p:nvSpPr>
-          <p:cNvPr id="37" name="PlaceHolder 3"/>
+            <a:normAutofit/>
+          </a:bodyPr>
+          <a:p>
+            <a:endParaRPr b="0" lang="en-US" sz="3200" spc="-1" strike="noStrike">
+              <a:latin typeface="Arial"/>
+            </a:endParaRPr>
+          </a:p>
+        </p:txBody>
+      </p:sp>
+      <p:sp>
+        <p:nvSpPr>
+          <p:cNvPr id="34" name="PlaceHolder 3"/>
           <p:cNvSpPr>
             <a:spLocks noGrp="1"/>
           </p:cNvSpPr>
@@ -463,21 +437,18 @@
         </p:spPr>
         <p:txBody>
           <a:bodyPr lIns="0" rIns="0" tIns="0" bIns="0">
-            <a:noAutofit/>
-          </a:bodyPr>
-          <a:p>
-            <a:endParaRPr b="0" lang="en-US" sz="2800" spc="-1" strike="noStrike">
-              <a:solidFill>
-                <a:srgbClr val="333333"/>
-              </a:solidFill>
-              <a:latin typeface="Noto Sans"/>
-            </a:endParaRPr>
-          </a:p>
-        </p:txBody>
-      </p:sp>
-      <p:sp>
-        <p:nvSpPr>
-          <p:cNvPr id="38" name="PlaceHolder 4"/>
+            <a:normAutofit/>
+          </a:bodyPr>
+          <a:p>
+            <a:endParaRPr b="0" lang="en-US" sz="3200" spc="-1" strike="noStrike">
+              <a:latin typeface="Arial"/>
+            </a:endParaRPr>
+          </a:p>
+        </p:txBody>
+      </p:sp>
+      <p:sp>
+        <p:nvSpPr>
+          <p:cNvPr id="35" name="PlaceHolder 4"/>
           <p:cNvSpPr>
             <a:spLocks noGrp="1"/>
           </p:cNvSpPr>
@@ -496,21 +467,18 @@
         </p:spPr>
         <p:txBody>
           <a:bodyPr lIns="0" rIns="0" tIns="0" bIns="0">
-            <a:noAutofit/>
-          </a:bodyPr>
-          <a:p>
-            <a:endParaRPr b="0" lang="en-US" sz="2800" spc="-1" strike="noStrike">
-              <a:solidFill>
-                <a:srgbClr val="333333"/>
-              </a:solidFill>
-              <a:latin typeface="Noto Sans"/>
-            </a:endParaRPr>
-          </a:p>
-        </p:txBody>
-      </p:sp>
-      <p:sp>
-        <p:nvSpPr>
-          <p:cNvPr id="39" name="PlaceHolder 5"/>
+            <a:normAutofit/>
+          </a:bodyPr>
+          <a:p>
+            <a:endParaRPr b="0" lang="en-US" sz="3200" spc="-1" strike="noStrike">
+              <a:latin typeface="Arial"/>
+            </a:endParaRPr>
+          </a:p>
+        </p:txBody>
+      </p:sp>
+      <p:sp>
+        <p:nvSpPr>
+          <p:cNvPr id="36" name="PlaceHolder 5"/>
           <p:cNvSpPr>
             <a:spLocks noGrp="1"/>
           </p:cNvSpPr>
@@ -529,21 +497,18 @@
         </p:spPr>
         <p:txBody>
           <a:bodyPr lIns="0" rIns="0" tIns="0" bIns="0">
-            <a:noAutofit/>
-          </a:bodyPr>
-          <a:p>
-            <a:endParaRPr b="0" lang="en-US" sz="2800" spc="-1" strike="noStrike">
-              <a:solidFill>
-                <a:srgbClr val="333333"/>
-              </a:solidFill>
-              <a:latin typeface="Noto Sans"/>
-            </a:endParaRPr>
-          </a:p>
-        </p:txBody>
-      </p:sp>
-      <p:sp>
-        <p:nvSpPr>
-          <p:cNvPr id="40" name="PlaceHolder 6"/>
+            <a:normAutofit/>
+          </a:bodyPr>
+          <a:p>
+            <a:endParaRPr b="0" lang="en-US" sz="3200" spc="-1" strike="noStrike">
+              <a:latin typeface="Arial"/>
+            </a:endParaRPr>
+          </a:p>
+        </p:txBody>
+      </p:sp>
+      <p:sp>
+        <p:nvSpPr>
+          <p:cNvPr id="37" name="PlaceHolder 6"/>
           <p:cNvSpPr>
             <a:spLocks noGrp="1"/>
           </p:cNvSpPr>
@@ -562,21 +527,18 @@
         </p:spPr>
         <p:txBody>
           <a:bodyPr lIns="0" rIns="0" tIns="0" bIns="0">
-            <a:noAutofit/>
-          </a:bodyPr>
-          <a:p>
-            <a:endParaRPr b="0" lang="en-US" sz="2800" spc="-1" strike="noStrike">
-              <a:solidFill>
-                <a:srgbClr val="333333"/>
-              </a:solidFill>
-              <a:latin typeface="Noto Sans"/>
-            </a:endParaRPr>
-          </a:p>
-        </p:txBody>
-      </p:sp>
-      <p:sp>
-        <p:nvSpPr>
-          <p:cNvPr id="41" name="PlaceHolder 7"/>
+            <a:normAutofit/>
+          </a:bodyPr>
+          <a:p>
+            <a:endParaRPr b="0" lang="en-US" sz="3200" spc="-1" strike="noStrike">
+              <a:latin typeface="Arial"/>
+            </a:endParaRPr>
+          </a:p>
+        </p:txBody>
+      </p:sp>
+      <p:sp>
+        <p:nvSpPr>
+          <p:cNvPr id="38" name="PlaceHolder 7"/>
           <p:cNvSpPr>
             <a:spLocks noGrp="1"/>
           </p:cNvSpPr>
@@ -595,14 +557,11 @@
         </p:spPr>
         <p:txBody>
           <a:bodyPr lIns="0" rIns="0" tIns="0" bIns="0">
-            <a:noAutofit/>
-          </a:bodyPr>
-          <a:p>
-            <a:endParaRPr b="0" lang="en-US" sz="2800" spc="-1" strike="noStrike">
-              <a:solidFill>
-                <a:srgbClr val="333333"/>
-              </a:solidFill>
-              <a:latin typeface="Noto Sans"/>
+            <a:normAutofit/>
+          </a:bodyPr>
+          <a:p>
+            <a:endParaRPr b="0" lang="en-US" sz="3200" spc="-1" strike="noStrike">
+              <a:latin typeface="Arial"/>
             </a:endParaRPr>
           </a:p>
         </p:txBody>
@@ -653,7 +612,7 @@
       </p:grpSpPr>
       <p:sp>
         <p:nvSpPr>
-          <p:cNvPr id="48" name="PlaceHolder 1"/>
+          <p:cNvPr id="42" name="PlaceHolder 1"/>
           <p:cNvSpPr>
             <a:spLocks noGrp="1"/>
           </p:cNvSpPr>
@@ -664,7 +623,7 @@
         <p:spPr>
           <a:xfrm>
             <a:off x="720000" y="300960"/>
-            <a:ext cx="8855640" cy="1262520"/>
+            <a:ext cx="8855280" cy="1262160"/>
           </a:xfrm>
           <a:prstGeom prst="rect">
             <a:avLst/>
@@ -675,18 +634,16 @@
             <a:noAutofit/>
           </a:bodyPr>
           <a:p>
-            <a:endParaRPr b="1" lang="en-US" sz="4400" spc="-1" strike="noStrike">
-              <a:solidFill>
-                <a:srgbClr val="333333"/>
-              </a:solidFill>
-              <a:latin typeface="Noto Sans"/>
-            </a:endParaRPr>
-          </a:p>
-        </p:txBody>
-      </p:sp>
-      <p:sp>
-        <p:nvSpPr>
-          <p:cNvPr id="49" name="PlaceHolder 2"/>
+            <a:pPr algn="ctr"/>
+            <a:endParaRPr b="0" lang="en-US" sz="4400" spc="-1" strike="noStrike">
+              <a:latin typeface="Arial"/>
+            </a:endParaRPr>
+          </a:p>
+        </p:txBody>
+      </p:sp>
+      <p:sp>
+        <p:nvSpPr>
+          <p:cNvPr id="43" name="PlaceHolder 2"/>
           <p:cNvSpPr>
             <a:spLocks noGrp="1"/>
           </p:cNvSpPr>
@@ -697,7 +654,7 @@
         <p:spPr>
           <a:xfrm>
             <a:off x="720000" y="2160000"/>
-            <a:ext cx="8640000" cy="4384800"/>
+            <a:ext cx="8639640" cy="4384440"/>
           </a:xfrm>
           <a:prstGeom prst="rect">
             <a:avLst/>
@@ -739,7 +696,7 @@
       </p:grpSpPr>
       <p:sp>
         <p:nvSpPr>
-          <p:cNvPr id="50" name="PlaceHolder 1"/>
+          <p:cNvPr id="44" name="PlaceHolder 1"/>
           <p:cNvSpPr>
             <a:spLocks noGrp="1"/>
           </p:cNvSpPr>
@@ -750,7 +707,7 @@
         <p:spPr>
           <a:xfrm>
             <a:off x="720000" y="300960"/>
-            <a:ext cx="8855640" cy="1262520"/>
+            <a:ext cx="8855280" cy="1262160"/>
           </a:xfrm>
           <a:prstGeom prst="rect">
             <a:avLst/>
@@ -761,18 +718,16 @@
             <a:noAutofit/>
           </a:bodyPr>
           <a:p>
-            <a:endParaRPr b="1" lang="en-US" sz="4400" spc="-1" strike="noStrike">
-              <a:solidFill>
-                <a:srgbClr val="333333"/>
-              </a:solidFill>
-              <a:latin typeface="Noto Sans"/>
-            </a:endParaRPr>
-          </a:p>
-        </p:txBody>
-      </p:sp>
-      <p:sp>
-        <p:nvSpPr>
-          <p:cNvPr id="51" name="PlaceHolder 2"/>
+            <a:pPr algn="ctr"/>
+            <a:endParaRPr b="0" lang="en-US" sz="4400" spc="-1" strike="noStrike">
+              <a:latin typeface="Arial"/>
+            </a:endParaRPr>
+          </a:p>
+        </p:txBody>
+      </p:sp>
+      <p:sp>
+        <p:nvSpPr>
+          <p:cNvPr id="45" name="PlaceHolder 2"/>
           <p:cNvSpPr>
             <a:spLocks noGrp="1"/>
           </p:cNvSpPr>
@@ -783,7 +738,7 @@
         <p:spPr>
           <a:xfrm>
             <a:off x="720000" y="2160000"/>
-            <a:ext cx="8640000" cy="4384800"/>
+            <a:ext cx="8639640" cy="4384440"/>
           </a:xfrm>
           <a:prstGeom prst="rect">
             <a:avLst/>
@@ -791,14 +746,11 @@
         </p:spPr>
         <p:txBody>
           <a:bodyPr lIns="0" rIns="0" tIns="0" bIns="0">
-            <a:noAutofit/>
-          </a:bodyPr>
-          <a:p>
-            <a:endParaRPr b="0" lang="en-US" sz="2800" spc="-1" strike="noStrike">
-              <a:solidFill>
-                <a:srgbClr val="333333"/>
-              </a:solidFill>
-              <a:latin typeface="Noto Sans"/>
+            <a:normAutofit/>
+          </a:bodyPr>
+          <a:p>
+            <a:endParaRPr b="0" lang="en-US" sz="3200" spc="-1" strike="noStrike">
+              <a:latin typeface="Arial"/>
             </a:endParaRPr>
           </a:p>
         </p:txBody>
@@ -827,7 +779,7 @@
       </p:grpSpPr>
       <p:sp>
         <p:nvSpPr>
-          <p:cNvPr id="52" name="PlaceHolder 1"/>
+          <p:cNvPr id="46" name="PlaceHolder 1"/>
           <p:cNvSpPr>
             <a:spLocks noGrp="1"/>
           </p:cNvSpPr>
@@ -838,7 +790,7 @@
         <p:spPr>
           <a:xfrm>
             <a:off x="720000" y="300960"/>
-            <a:ext cx="8855640" cy="1262520"/>
+            <a:ext cx="8855280" cy="1262160"/>
           </a:xfrm>
           <a:prstGeom prst="rect">
             <a:avLst/>
@@ -849,18 +801,16 @@
             <a:noAutofit/>
           </a:bodyPr>
           <a:p>
-            <a:endParaRPr b="1" lang="en-US" sz="4400" spc="-1" strike="noStrike">
-              <a:solidFill>
-                <a:srgbClr val="333333"/>
-              </a:solidFill>
-              <a:latin typeface="Noto Sans"/>
-            </a:endParaRPr>
-          </a:p>
-        </p:txBody>
-      </p:sp>
-      <p:sp>
-        <p:nvSpPr>
-          <p:cNvPr id="53" name="PlaceHolder 2"/>
+            <a:pPr algn="ctr"/>
+            <a:endParaRPr b="0" lang="en-US" sz="4400" spc="-1" strike="noStrike">
+              <a:latin typeface="Arial"/>
+            </a:endParaRPr>
+          </a:p>
+        </p:txBody>
+      </p:sp>
+      <p:sp>
+        <p:nvSpPr>
+          <p:cNvPr id="47" name="PlaceHolder 2"/>
           <p:cNvSpPr>
             <a:spLocks noGrp="1"/>
           </p:cNvSpPr>
@@ -871,7 +821,7 @@
         <p:spPr>
           <a:xfrm>
             <a:off x="720000" y="2160000"/>
-            <a:ext cx="4215960" cy="4384800"/>
+            <a:ext cx="4215960" cy="4384440"/>
           </a:xfrm>
           <a:prstGeom prst="rect">
             <a:avLst/>
@@ -879,21 +829,18 @@
         </p:spPr>
         <p:txBody>
           <a:bodyPr lIns="0" rIns="0" tIns="0" bIns="0">
-            <a:noAutofit/>
-          </a:bodyPr>
-          <a:p>
-            <a:endParaRPr b="0" lang="en-US" sz="2800" spc="-1" strike="noStrike">
-              <a:solidFill>
-                <a:srgbClr val="333333"/>
-              </a:solidFill>
-              <a:latin typeface="Noto Sans"/>
-            </a:endParaRPr>
-          </a:p>
-        </p:txBody>
-      </p:sp>
-      <p:sp>
-        <p:nvSpPr>
-          <p:cNvPr id="54" name="PlaceHolder 3"/>
+            <a:normAutofit/>
+          </a:bodyPr>
+          <a:p>
+            <a:endParaRPr b="0" lang="en-US" sz="3200" spc="-1" strike="noStrike">
+              <a:latin typeface="Arial"/>
+            </a:endParaRPr>
+          </a:p>
+        </p:txBody>
+      </p:sp>
+      <p:sp>
+        <p:nvSpPr>
+          <p:cNvPr id="48" name="PlaceHolder 3"/>
           <p:cNvSpPr>
             <a:spLocks noGrp="1"/>
           </p:cNvSpPr>
@@ -904,7 +851,7 @@
         <p:spPr>
           <a:xfrm>
             <a:off x="5147280" y="2160000"/>
-            <a:ext cx="4215960" cy="4384800"/>
+            <a:ext cx="4215960" cy="4384440"/>
           </a:xfrm>
           <a:prstGeom prst="rect">
             <a:avLst/>
@@ -912,14 +859,11 @@
         </p:spPr>
         <p:txBody>
           <a:bodyPr lIns="0" rIns="0" tIns="0" bIns="0">
-            <a:noAutofit/>
-          </a:bodyPr>
-          <a:p>
-            <a:endParaRPr b="0" lang="en-US" sz="2800" spc="-1" strike="noStrike">
-              <a:solidFill>
-                <a:srgbClr val="333333"/>
-              </a:solidFill>
-              <a:latin typeface="Noto Sans"/>
+            <a:normAutofit/>
+          </a:bodyPr>
+          <a:p>
+            <a:endParaRPr b="0" lang="en-US" sz="3200" spc="-1" strike="noStrike">
+              <a:latin typeface="Arial"/>
             </a:endParaRPr>
           </a:p>
         </p:txBody>
@@ -948,7 +892,7 @@
       </p:grpSpPr>
       <p:sp>
         <p:nvSpPr>
-          <p:cNvPr id="55" name="PlaceHolder 1"/>
+          <p:cNvPr id="49" name="PlaceHolder 1"/>
           <p:cNvSpPr>
             <a:spLocks noGrp="1"/>
           </p:cNvSpPr>
@@ -959,7 +903,7 @@
         <p:spPr>
           <a:xfrm>
             <a:off x="720000" y="300960"/>
-            <a:ext cx="8855640" cy="1262520"/>
+            <a:ext cx="8855280" cy="1262160"/>
           </a:xfrm>
           <a:prstGeom prst="rect">
             <a:avLst/>
@@ -970,11 +914,9 @@
             <a:noAutofit/>
           </a:bodyPr>
           <a:p>
-            <a:endParaRPr b="1" lang="en-US" sz="4400" spc="-1" strike="noStrike">
-              <a:solidFill>
-                <a:srgbClr val="333333"/>
-              </a:solidFill>
-              <a:latin typeface="Noto Sans"/>
+            <a:pPr algn="ctr"/>
+            <a:endParaRPr b="0" lang="en-US" sz="4400" spc="-1" strike="noStrike">
+              <a:latin typeface="Arial"/>
             </a:endParaRPr>
           </a:p>
         </p:txBody>
@@ -1003,7 +945,7 @@
       </p:grpSpPr>
       <p:sp>
         <p:nvSpPr>
-          <p:cNvPr id="56" name="PlaceHolder 1"/>
+          <p:cNvPr id="50" name="PlaceHolder 1"/>
           <p:cNvSpPr>
             <a:spLocks noGrp="1"/>
           </p:cNvSpPr>
@@ -1014,7 +956,7 @@
         <p:spPr>
           <a:xfrm>
             <a:off x="720000" y="300960"/>
-            <a:ext cx="8855640" cy="5853600"/>
+            <a:ext cx="8855280" cy="5851800"/>
           </a:xfrm>
           <a:prstGeom prst="rect">
             <a:avLst/>
@@ -1056,7 +998,7 @@
       </p:grpSpPr>
       <p:sp>
         <p:nvSpPr>
-          <p:cNvPr id="57" name="PlaceHolder 1"/>
+          <p:cNvPr id="51" name="PlaceHolder 1"/>
           <p:cNvSpPr>
             <a:spLocks noGrp="1"/>
           </p:cNvSpPr>
@@ -1067,7 +1009,7 @@
         <p:spPr>
           <a:xfrm>
             <a:off x="720000" y="300960"/>
-            <a:ext cx="8855640" cy="1262520"/>
+            <a:ext cx="8855280" cy="1262160"/>
           </a:xfrm>
           <a:prstGeom prst="rect">
             <a:avLst/>
@@ -1078,18 +1020,16 @@
             <a:noAutofit/>
           </a:bodyPr>
           <a:p>
-            <a:endParaRPr b="1" lang="en-US" sz="4400" spc="-1" strike="noStrike">
-              <a:solidFill>
-                <a:srgbClr val="333333"/>
-              </a:solidFill>
-              <a:latin typeface="Noto Sans"/>
-            </a:endParaRPr>
-          </a:p>
-        </p:txBody>
-      </p:sp>
-      <p:sp>
-        <p:nvSpPr>
-          <p:cNvPr id="58" name="PlaceHolder 2"/>
+            <a:pPr algn="ctr"/>
+            <a:endParaRPr b="0" lang="en-US" sz="4400" spc="-1" strike="noStrike">
+              <a:latin typeface="Arial"/>
+            </a:endParaRPr>
+          </a:p>
+        </p:txBody>
+      </p:sp>
+      <p:sp>
+        <p:nvSpPr>
+          <p:cNvPr id="52" name="PlaceHolder 2"/>
           <p:cNvSpPr>
             <a:spLocks noGrp="1"/>
           </p:cNvSpPr>
@@ -1108,21 +1048,18 @@
         </p:spPr>
         <p:txBody>
           <a:bodyPr lIns="0" rIns="0" tIns="0" bIns="0">
-            <a:noAutofit/>
-          </a:bodyPr>
-          <a:p>
-            <a:endParaRPr b="0" lang="en-US" sz="2800" spc="-1" strike="noStrike">
-              <a:solidFill>
-                <a:srgbClr val="333333"/>
-              </a:solidFill>
-              <a:latin typeface="Noto Sans"/>
-            </a:endParaRPr>
-          </a:p>
-        </p:txBody>
-      </p:sp>
-      <p:sp>
-        <p:nvSpPr>
-          <p:cNvPr id="59" name="PlaceHolder 3"/>
+            <a:normAutofit/>
+          </a:bodyPr>
+          <a:p>
+            <a:endParaRPr b="0" lang="en-US" sz="3200" spc="-1" strike="noStrike">
+              <a:latin typeface="Arial"/>
+            </a:endParaRPr>
+          </a:p>
+        </p:txBody>
+      </p:sp>
+      <p:sp>
+        <p:nvSpPr>
+          <p:cNvPr id="53" name="PlaceHolder 3"/>
           <p:cNvSpPr>
             <a:spLocks noGrp="1"/>
           </p:cNvSpPr>
@@ -1133,7 +1070,7 @@
         <p:spPr>
           <a:xfrm>
             <a:off x="5147280" y="2160000"/>
-            <a:ext cx="4215960" cy="4384800"/>
+            <a:ext cx="4215960" cy="4384440"/>
           </a:xfrm>
           <a:prstGeom prst="rect">
             <a:avLst/>
@@ -1141,21 +1078,18 @@
         </p:spPr>
         <p:txBody>
           <a:bodyPr lIns="0" rIns="0" tIns="0" bIns="0">
-            <a:noAutofit/>
-          </a:bodyPr>
-          <a:p>
-            <a:endParaRPr b="0" lang="en-US" sz="2800" spc="-1" strike="noStrike">
-              <a:solidFill>
-                <a:srgbClr val="333333"/>
-              </a:solidFill>
-              <a:latin typeface="Noto Sans"/>
-            </a:endParaRPr>
-          </a:p>
-        </p:txBody>
-      </p:sp>
-      <p:sp>
-        <p:nvSpPr>
-          <p:cNvPr id="60" name="PlaceHolder 4"/>
+            <a:normAutofit/>
+          </a:bodyPr>
+          <a:p>
+            <a:endParaRPr b="0" lang="en-US" sz="3200" spc="-1" strike="noStrike">
+              <a:latin typeface="Arial"/>
+            </a:endParaRPr>
+          </a:p>
+        </p:txBody>
+      </p:sp>
+      <p:sp>
+        <p:nvSpPr>
+          <p:cNvPr id="54" name="PlaceHolder 4"/>
           <p:cNvSpPr>
             <a:spLocks noGrp="1"/>
           </p:cNvSpPr>
@@ -1174,14 +1108,11 @@
         </p:spPr>
         <p:txBody>
           <a:bodyPr lIns="0" rIns="0" tIns="0" bIns="0">
-            <a:noAutofit/>
-          </a:bodyPr>
-          <a:p>
-            <a:endParaRPr b="0" lang="en-US" sz="2800" spc="-1" strike="noStrike">
-              <a:solidFill>
-                <a:srgbClr val="333333"/>
-              </a:solidFill>
-              <a:latin typeface="Noto Sans"/>
+            <a:normAutofit/>
+          </a:bodyPr>
+          <a:p>
+            <a:endParaRPr b="0" lang="en-US" sz="3200" spc="-1" strike="noStrike">
+              <a:latin typeface="Arial"/>
             </a:endParaRPr>
           </a:p>
         </p:txBody>
@@ -1210,7 +1141,7 @@
       </p:grpSpPr>
       <p:sp>
         <p:nvSpPr>
-          <p:cNvPr id="6" name="PlaceHolder 1"/>
+          <p:cNvPr id="3" name="PlaceHolder 1"/>
           <p:cNvSpPr>
             <a:spLocks noGrp="1"/>
           </p:cNvSpPr>
@@ -1221,7 +1152,7 @@
         <p:spPr>
           <a:xfrm>
             <a:off x="720000" y="300960"/>
-            <a:ext cx="8855640" cy="1262520"/>
+            <a:ext cx="8855280" cy="1262160"/>
           </a:xfrm>
           <a:prstGeom prst="rect">
             <a:avLst/>
@@ -1232,18 +1163,16 @@
             <a:noAutofit/>
           </a:bodyPr>
           <a:p>
-            <a:endParaRPr b="1" lang="en-US" sz="4400" spc="-1" strike="noStrike">
-              <a:solidFill>
-                <a:srgbClr val="333333"/>
-              </a:solidFill>
-              <a:latin typeface="Noto Sans"/>
-            </a:endParaRPr>
-          </a:p>
-        </p:txBody>
-      </p:sp>
-      <p:sp>
-        <p:nvSpPr>
-          <p:cNvPr id="7" name="PlaceHolder 2"/>
+            <a:pPr algn="ctr"/>
+            <a:endParaRPr b="0" lang="en-US" sz="4400" spc="-1" strike="noStrike">
+              <a:latin typeface="Arial"/>
+            </a:endParaRPr>
+          </a:p>
+        </p:txBody>
+      </p:sp>
+      <p:sp>
+        <p:nvSpPr>
+          <p:cNvPr id="4" name="PlaceHolder 2"/>
           <p:cNvSpPr>
             <a:spLocks noGrp="1"/>
           </p:cNvSpPr>
@@ -1254,7 +1183,7 @@
         <p:spPr>
           <a:xfrm>
             <a:off x="720000" y="2160000"/>
-            <a:ext cx="8640000" cy="4384800"/>
+            <a:ext cx="8639640" cy="4384440"/>
           </a:xfrm>
           <a:prstGeom prst="rect">
             <a:avLst/>
@@ -1296,7 +1225,7 @@
       </p:grpSpPr>
       <p:sp>
         <p:nvSpPr>
-          <p:cNvPr id="61" name="PlaceHolder 1"/>
+          <p:cNvPr id="55" name="PlaceHolder 1"/>
           <p:cNvSpPr>
             <a:spLocks noGrp="1"/>
           </p:cNvSpPr>
@@ -1307,7 +1236,7 @@
         <p:spPr>
           <a:xfrm>
             <a:off x="720000" y="300960"/>
-            <a:ext cx="8855640" cy="1262520"/>
+            <a:ext cx="8855280" cy="1262160"/>
           </a:xfrm>
           <a:prstGeom prst="rect">
             <a:avLst/>
@@ -1318,18 +1247,16 @@
             <a:noAutofit/>
           </a:bodyPr>
           <a:p>
-            <a:endParaRPr b="1" lang="en-US" sz="4400" spc="-1" strike="noStrike">
-              <a:solidFill>
-                <a:srgbClr val="333333"/>
-              </a:solidFill>
-              <a:latin typeface="Noto Sans"/>
-            </a:endParaRPr>
-          </a:p>
-        </p:txBody>
-      </p:sp>
-      <p:sp>
-        <p:nvSpPr>
-          <p:cNvPr id="62" name="PlaceHolder 2"/>
+            <a:pPr algn="ctr"/>
+            <a:endParaRPr b="0" lang="en-US" sz="4400" spc="-1" strike="noStrike">
+              <a:latin typeface="Arial"/>
+            </a:endParaRPr>
+          </a:p>
+        </p:txBody>
+      </p:sp>
+      <p:sp>
+        <p:nvSpPr>
+          <p:cNvPr id="56" name="PlaceHolder 2"/>
           <p:cNvSpPr>
             <a:spLocks noGrp="1"/>
           </p:cNvSpPr>
@@ -1340,7 +1267,7 @@
         <p:spPr>
           <a:xfrm>
             <a:off x="720000" y="2160000"/>
-            <a:ext cx="4215960" cy="4384800"/>
+            <a:ext cx="4215960" cy="4384440"/>
           </a:xfrm>
           <a:prstGeom prst="rect">
             <a:avLst/>
@@ -1348,21 +1275,18 @@
         </p:spPr>
         <p:txBody>
           <a:bodyPr lIns="0" rIns="0" tIns="0" bIns="0">
-            <a:noAutofit/>
-          </a:bodyPr>
-          <a:p>
-            <a:endParaRPr b="0" lang="en-US" sz="2800" spc="-1" strike="noStrike">
-              <a:solidFill>
-                <a:srgbClr val="333333"/>
-              </a:solidFill>
-              <a:latin typeface="Noto Sans"/>
-            </a:endParaRPr>
-          </a:p>
-        </p:txBody>
-      </p:sp>
-      <p:sp>
-        <p:nvSpPr>
-          <p:cNvPr id="63" name="PlaceHolder 3"/>
+            <a:normAutofit/>
+          </a:bodyPr>
+          <a:p>
+            <a:endParaRPr b="0" lang="en-US" sz="3200" spc="-1" strike="noStrike">
+              <a:latin typeface="Arial"/>
+            </a:endParaRPr>
+          </a:p>
+        </p:txBody>
+      </p:sp>
+      <p:sp>
+        <p:nvSpPr>
+          <p:cNvPr id="57" name="PlaceHolder 3"/>
           <p:cNvSpPr>
             <a:spLocks noGrp="1"/>
           </p:cNvSpPr>
@@ -1381,21 +1305,18 @@
         </p:spPr>
         <p:txBody>
           <a:bodyPr lIns="0" rIns="0" tIns="0" bIns="0">
-            <a:noAutofit/>
-          </a:bodyPr>
-          <a:p>
-            <a:endParaRPr b="0" lang="en-US" sz="2800" spc="-1" strike="noStrike">
-              <a:solidFill>
-                <a:srgbClr val="333333"/>
-              </a:solidFill>
-              <a:latin typeface="Noto Sans"/>
-            </a:endParaRPr>
-          </a:p>
-        </p:txBody>
-      </p:sp>
-      <p:sp>
-        <p:nvSpPr>
-          <p:cNvPr id="64" name="PlaceHolder 4"/>
+            <a:normAutofit/>
+          </a:bodyPr>
+          <a:p>
+            <a:endParaRPr b="0" lang="en-US" sz="3200" spc="-1" strike="noStrike">
+              <a:latin typeface="Arial"/>
+            </a:endParaRPr>
+          </a:p>
+        </p:txBody>
+      </p:sp>
+      <p:sp>
+        <p:nvSpPr>
+          <p:cNvPr id="58" name="PlaceHolder 4"/>
           <p:cNvSpPr>
             <a:spLocks noGrp="1"/>
           </p:cNvSpPr>
@@ -1414,14 +1335,11 @@
         </p:spPr>
         <p:txBody>
           <a:bodyPr lIns="0" rIns="0" tIns="0" bIns="0">
-            <a:noAutofit/>
-          </a:bodyPr>
-          <a:p>
-            <a:endParaRPr b="0" lang="en-US" sz="2800" spc="-1" strike="noStrike">
-              <a:solidFill>
-                <a:srgbClr val="333333"/>
-              </a:solidFill>
-              <a:latin typeface="Noto Sans"/>
+            <a:normAutofit/>
+          </a:bodyPr>
+          <a:p>
+            <a:endParaRPr b="0" lang="en-US" sz="3200" spc="-1" strike="noStrike">
+              <a:latin typeface="Arial"/>
             </a:endParaRPr>
           </a:p>
         </p:txBody>
@@ -1450,7 +1368,7 @@
       </p:grpSpPr>
       <p:sp>
         <p:nvSpPr>
-          <p:cNvPr id="65" name="PlaceHolder 1"/>
+          <p:cNvPr id="59" name="PlaceHolder 1"/>
           <p:cNvSpPr>
             <a:spLocks noGrp="1"/>
           </p:cNvSpPr>
@@ -1461,7 +1379,7 @@
         <p:spPr>
           <a:xfrm>
             <a:off x="720000" y="300960"/>
-            <a:ext cx="8855640" cy="1262520"/>
+            <a:ext cx="8855280" cy="1262160"/>
           </a:xfrm>
           <a:prstGeom prst="rect">
             <a:avLst/>
@@ -1472,18 +1390,16 @@
             <a:noAutofit/>
           </a:bodyPr>
           <a:p>
-            <a:endParaRPr b="1" lang="en-US" sz="4400" spc="-1" strike="noStrike">
-              <a:solidFill>
-                <a:srgbClr val="333333"/>
-              </a:solidFill>
-              <a:latin typeface="Noto Sans"/>
-            </a:endParaRPr>
-          </a:p>
-        </p:txBody>
-      </p:sp>
-      <p:sp>
-        <p:nvSpPr>
-          <p:cNvPr id="66" name="PlaceHolder 2"/>
+            <a:pPr algn="ctr"/>
+            <a:endParaRPr b="0" lang="en-US" sz="4400" spc="-1" strike="noStrike">
+              <a:latin typeface="Arial"/>
+            </a:endParaRPr>
+          </a:p>
+        </p:txBody>
+      </p:sp>
+      <p:sp>
+        <p:nvSpPr>
+          <p:cNvPr id="60" name="PlaceHolder 2"/>
           <p:cNvSpPr>
             <a:spLocks noGrp="1"/>
           </p:cNvSpPr>
@@ -1502,21 +1418,18 @@
         </p:spPr>
         <p:txBody>
           <a:bodyPr lIns="0" rIns="0" tIns="0" bIns="0">
-            <a:noAutofit/>
-          </a:bodyPr>
-          <a:p>
-            <a:endParaRPr b="0" lang="en-US" sz="2800" spc="-1" strike="noStrike">
-              <a:solidFill>
-                <a:srgbClr val="333333"/>
-              </a:solidFill>
-              <a:latin typeface="Noto Sans"/>
-            </a:endParaRPr>
-          </a:p>
-        </p:txBody>
-      </p:sp>
-      <p:sp>
-        <p:nvSpPr>
-          <p:cNvPr id="67" name="PlaceHolder 3"/>
+            <a:normAutofit/>
+          </a:bodyPr>
+          <a:p>
+            <a:endParaRPr b="0" lang="en-US" sz="3200" spc="-1" strike="noStrike">
+              <a:latin typeface="Arial"/>
+            </a:endParaRPr>
+          </a:p>
+        </p:txBody>
+      </p:sp>
+      <p:sp>
+        <p:nvSpPr>
+          <p:cNvPr id="61" name="PlaceHolder 3"/>
           <p:cNvSpPr>
             <a:spLocks noGrp="1"/>
           </p:cNvSpPr>
@@ -1535,21 +1448,18 @@
         </p:spPr>
         <p:txBody>
           <a:bodyPr lIns="0" rIns="0" tIns="0" bIns="0">
-            <a:noAutofit/>
-          </a:bodyPr>
-          <a:p>
-            <a:endParaRPr b="0" lang="en-US" sz="2800" spc="-1" strike="noStrike">
-              <a:solidFill>
-                <a:srgbClr val="333333"/>
-              </a:solidFill>
-              <a:latin typeface="Noto Sans"/>
-            </a:endParaRPr>
-          </a:p>
-        </p:txBody>
-      </p:sp>
-      <p:sp>
-        <p:nvSpPr>
-          <p:cNvPr id="68" name="PlaceHolder 4"/>
+            <a:normAutofit/>
+          </a:bodyPr>
+          <a:p>
+            <a:endParaRPr b="0" lang="en-US" sz="3200" spc="-1" strike="noStrike">
+              <a:latin typeface="Arial"/>
+            </a:endParaRPr>
+          </a:p>
+        </p:txBody>
+      </p:sp>
+      <p:sp>
+        <p:nvSpPr>
+          <p:cNvPr id="62" name="PlaceHolder 4"/>
           <p:cNvSpPr>
             <a:spLocks noGrp="1"/>
           </p:cNvSpPr>
@@ -1560,7 +1470,7 @@
         <p:spPr>
           <a:xfrm>
             <a:off x="720000" y="4450320"/>
-            <a:ext cx="8640000" cy="2091240"/>
+            <a:ext cx="8639640" cy="2091240"/>
           </a:xfrm>
           <a:prstGeom prst="rect">
             <a:avLst/>
@@ -1568,14 +1478,11 @@
         </p:spPr>
         <p:txBody>
           <a:bodyPr lIns="0" rIns="0" tIns="0" bIns="0">
-            <a:noAutofit/>
-          </a:bodyPr>
-          <a:p>
-            <a:endParaRPr b="0" lang="en-US" sz="2800" spc="-1" strike="noStrike">
-              <a:solidFill>
-                <a:srgbClr val="333333"/>
-              </a:solidFill>
-              <a:latin typeface="Noto Sans"/>
+            <a:normAutofit/>
+          </a:bodyPr>
+          <a:p>
+            <a:endParaRPr b="0" lang="en-US" sz="3200" spc="-1" strike="noStrike">
+              <a:latin typeface="Arial"/>
             </a:endParaRPr>
           </a:p>
         </p:txBody>
@@ -1604,7 +1511,7 @@
       </p:grpSpPr>
       <p:sp>
         <p:nvSpPr>
-          <p:cNvPr id="69" name="PlaceHolder 1"/>
+          <p:cNvPr id="63" name="PlaceHolder 1"/>
           <p:cNvSpPr>
             <a:spLocks noGrp="1"/>
           </p:cNvSpPr>
@@ -1615,7 +1522,7 @@
         <p:spPr>
           <a:xfrm>
             <a:off x="720000" y="300960"/>
-            <a:ext cx="8855640" cy="1262520"/>
+            <a:ext cx="8855280" cy="1262160"/>
           </a:xfrm>
           <a:prstGeom prst="rect">
             <a:avLst/>
@@ -1626,18 +1533,16 @@
             <a:noAutofit/>
           </a:bodyPr>
           <a:p>
-            <a:endParaRPr b="1" lang="en-US" sz="4400" spc="-1" strike="noStrike">
-              <a:solidFill>
-                <a:srgbClr val="333333"/>
-              </a:solidFill>
-              <a:latin typeface="Noto Sans"/>
-            </a:endParaRPr>
-          </a:p>
-        </p:txBody>
-      </p:sp>
-      <p:sp>
-        <p:nvSpPr>
-          <p:cNvPr id="70" name="PlaceHolder 2"/>
+            <a:pPr algn="ctr"/>
+            <a:endParaRPr b="0" lang="en-US" sz="4400" spc="-1" strike="noStrike">
+              <a:latin typeface="Arial"/>
+            </a:endParaRPr>
+          </a:p>
+        </p:txBody>
+      </p:sp>
+      <p:sp>
+        <p:nvSpPr>
+          <p:cNvPr id="64" name="PlaceHolder 2"/>
           <p:cNvSpPr>
             <a:spLocks noGrp="1"/>
           </p:cNvSpPr>
@@ -1648,7 +1553,7 @@
         <p:spPr>
           <a:xfrm>
             <a:off x="720000" y="2160000"/>
-            <a:ext cx="8640000" cy="2091240"/>
+            <a:ext cx="8639640" cy="2091240"/>
           </a:xfrm>
           <a:prstGeom prst="rect">
             <a:avLst/>
@@ -1656,21 +1561,18 @@
         </p:spPr>
         <p:txBody>
           <a:bodyPr lIns="0" rIns="0" tIns="0" bIns="0">
-            <a:noAutofit/>
-          </a:bodyPr>
-          <a:p>
-            <a:endParaRPr b="0" lang="en-US" sz="2800" spc="-1" strike="noStrike">
-              <a:solidFill>
-                <a:srgbClr val="333333"/>
-              </a:solidFill>
-              <a:latin typeface="Noto Sans"/>
-            </a:endParaRPr>
-          </a:p>
-        </p:txBody>
-      </p:sp>
-      <p:sp>
-        <p:nvSpPr>
-          <p:cNvPr id="71" name="PlaceHolder 3"/>
+            <a:normAutofit/>
+          </a:bodyPr>
+          <a:p>
+            <a:endParaRPr b="0" lang="en-US" sz="3200" spc="-1" strike="noStrike">
+              <a:latin typeface="Arial"/>
+            </a:endParaRPr>
+          </a:p>
+        </p:txBody>
+      </p:sp>
+      <p:sp>
+        <p:nvSpPr>
+          <p:cNvPr id="65" name="PlaceHolder 3"/>
           <p:cNvSpPr>
             <a:spLocks noGrp="1"/>
           </p:cNvSpPr>
@@ -1681,7 +1583,7 @@
         <p:spPr>
           <a:xfrm>
             <a:off x="720000" y="4450320"/>
-            <a:ext cx="8640000" cy="2091240"/>
+            <a:ext cx="8639640" cy="2091240"/>
           </a:xfrm>
           <a:prstGeom prst="rect">
             <a:avLst/>
@@ -1689,14 +1591,11 @@
         </p:spPr>
         <p:txBody>
           <a:bodyPr lIns="0" rIns="0" tIns="0" bIns="0">
-            <a:noAutofit/>
-          </a:bodyPr>
-          <a:p>
-            <a:endParaRPr b="0" lang="en-US" sz="2800" spc="-1" strike="noStrike">
-              <a:solidFill>
-                <a:srgbClr val="333333"/>
-              </a:solidFill>
-              <a:latin typeface="Noto Sans"/>
+            <a:normAutofit/>
+          </a:bodyPr>
+          <a:p>
+            <a:endParaRPr b="0" lang="en-US" sz="3200" spc="-1" strike="noStrike">
+              <a:latin typeface="Arial"/>
             </a:endParaRPr>
           </a:p>
         </p:txBody>
@@ -1725,7 +1624,7 @@
       </p:grpSpPr>
       <p:sp>
         <p:nvSpPr>
-          <p:cNvPr id="72" name="PlaceHolder 1"/>
+          <p:cNvPr id="66" name="PlaceHolder 1"/>
           <p:cNvSpPr>
             <a:spLocks noGrp="1"/>
           </p:cNvSpPr>
@@ -1736,7 +1635,7 @@
         <p:spPr>
           <a:xfrm>
             <a:off x="720000" y="300960"/>
-            <a:ext cx="8855640" cy="1262520"/>
+            <a:ext cx="8855280" cy="1262160"/>
           </a:xfrm>
           <a:prstGeom prst="rect">
             <a:avLst/>
@@ -1747,18 +1646,16 @@
             <a:noAutofit/>
           </a:bodyPr>
           <a:p>
-            <a:endParaRPr b="1" lang="en-US" sz="4400" spc="-1" strike="noStrike">
-              <a:solidFill>
-                <a:srgbClr val="333333"/>
-              </a:solidFill>
-              <a:latin typeface="Noto Sans"/>
-            </a:endParaRPr>
-          </a:p>
-        </p:txBody>
-      </p:sp>
-      <p:sp>
-        <p:nvSpPr>
-          <p:cNvPr id="73" name="PlaceHolder 2"/>
+            <a:pPr algn="ctr"/>
+            <a:endParaRPr b="0" lang="en-US" sz="4400" spc="-1" strike="noStrike">
+              <a:latin typeface="Arial"/>
+            </a:endParaRPr>
+          </a:p>
+        </p:txBody>
+      </p:sp>
+      <p:sp>
+        <p:nvSpPr>
+          <p:cNvPr id="67" name="PlaceHolder 2"/>
           <p:cNvSpPr>
             <a:spLocks noGrp="1"/>
           </p:cNvSpPr>
@@ -1777,21 +1674,18 @@
         </p:spPr>
         <p:txBody>
           <a:bodyPr lIns="0" rIns="0" tIns="0" bIns="0">
-            <a:noAutofit/>
-          </a:bodyPr>
-          <a:p>
-            <a:endParaRPr b="0" lang="en-US" sz="2800" spc="-1" strike="noStrike">
-              <a:solidFill>
-                <a:srgbClr val="333333"/>
-              </a:solidFill>
-              <a:latin typeface="Noto Sans"/>
-            </a:endParaRPr>
-          </a:p>
-        </p:txBody>
-      </p:sp>
-      <p:sp>
-        <p:nvSpPr>
-          <p:cNvPr id="74" name="PlaceHolder 3"/>
+            <a:normAutofit/>
+          </a:bodyPr>
+          <a:p>
+            <a:endParaRPr b="0" lang="en-US" sz="3200" spc="-1" strike="noStrike">
+              <a:latin typeface="Arial"/>
+            </a:endParaRPr>
+          </a:p>
+        </p:txBody>
+      </p:sp>
+      <p:sp>
+        <p:nvSpPr>
+          <p:cNvPr id="68" name="PlaceHolder 3"/>
           <p:cNvSpPr>
             <a:spLocks noGrp="1"/>
           </p:cNvSpPr>
@@ -1810,21 +1704,18 @@
         </p:spPr>
         <p:txBody>
           <a:bodyPr lIns="0" rIns="0" tIns="0" bIns="0">
-            <a:noAutofit/>
-          </a:bodyPr>
-          <a:p>
-            <a:endParaRPr b="0" lang="en-US" sz="2800" spc="-1" strike="noStrike">
-              <a:solidFill>
-                <a:srgbClr val="333333"/>
-              </a:solidFill>
-              <a:latin typeface="Noto Sans"/>
-            </a:endParaRPr>
-          </a:p>
-        </p:txBody>
-      </p:sp>
-      <p:sp>
-        <p:nvSpPr>
-          <p:cNvPr id="75" name="PlaceHolder 4"/>
+            <a:normAutofit/>
+          </a:bodyPr>
+          <a:p>
+            <a:endParaRPr b="0" lang="en-US" sz="3200" spc="-1" strike="noStrike">
+              <a:latin typeface="Arial"/>
+            </a:endParaRPr>
+          </a:p>
+        </p:txBody>
+      </p:sp>
+      <p:sp>
+        <p:nvSpPr>
+          <p:cNvPr id="69" name="PlaceHolder 4"/>
           <p:cNvSpPr>
             <a:spLocks noGrp="1"/>
           </p:cNvSpPr>
@@ -1843,21 +1734,18 @@
         </p:spPr>
         <p:txBody>
           <a:bodyPr lIns="0" rIns="0" tIns="0" bIns="0">
-            <a:noAutofit/>
-          </a:bodyPr>
-          <a:p>
-            <a:endParaRPr b="0" lang="en-US" sz="2800" spc="-1" strike="noStrike">
-              <a:solidFill>
-                <a:srgbClr val="333333"/>
-              </a:solidFill>
-              <a:latin typeface="Noto Sans"/>
-            </a:endParaRPr>
-          </a:p>
-        </p:txBody>
-      </p:sp>
-      <p:sp>
-        <p:nvSpPr>
-          <p:cNvPr id="76" name="PlaceHolder 5"/>
+            <a:normAutofit/>
+          </a:bodyPr>
+          <a:p>
+            <a:endParaRPr b="0" lang="en-US" sz="3200" spc="-1" strike="noStrike">
+              <a:latin typeface="Arial"/>
+            </a:endParaRPr>
+          </a:p>
+        </p:txBody>
+      </p:sp>
+      <p:sp>
+        <p:nvSpPr>
+          <p:cNvPr id="70" name="PlaceHolder 5"/>
           <p:cNvSpPr>
             <a:spLocks noGrp="1"/>
           </p:cNvSpPr>
@@ -1876,14 +1764,11 @@
         </p:spPr>
         <p:txBody>
           <a:bodyPr lIns="0" rIns="0" tIns="0" bIns="0">
-            <a:noAutofit/>
-          </a:bodyPr>
-          <a:p>
-            <a:endParaRPr b="0" lang="en-US" sz="2800" spc="-1" strike="noStrike">
-              <a:solidFill>
-                <a:srgbClr val="333333"/>
-              </a:solidFill>
-              <a:latin typeface="Noto Sans"/>
+            <a:normAutofit/>
+          </a:bodyPr>
+          <a:p>
+            <a:endParaRPr b="0" lang="en-US" sz="3200" spc="-1" strike="noStrike">
+              <a:latin typeface="Arial"/>
             </a:endParaRPr>
           </a:p>
         </p:txBody>
@@ -1912,7 +1797,7 @@
       </p:grpSpPr>
       <p:sp>
         <p:nvSpPr>
-          <p:cNvPr id="77" name="PlaceHolder 1"/>
+          <p:cNvPr id="71" name="PlaceHolder 1"/>
           <p:cNvSpPr>
             <a:spLocks noGrp="1"/>
           </p:cNvSpPr>
@@ -1923,7 +1808,7 @@
         <p:spPr>
           <a:xfrm>
             <a:off x="720000" y="300960"/>
-            <a:ext cx="8855640" cy="1262520"/>
+            <a:ext cx="8855280" cy="1262160"/>
           </a:xfrm>
           <a:prstGeom prst="rect">
             <a:avLst/>
@@ -1934,18 +1819,16 @@
             <a:noAutofit/>
           </a:bodyPr>
           <a:p>
-            <a:endParaRPr b="1" lang="en-US" sz="4400" spc="-1" strike="noStrike">
-              <a:solidFill>
-                <a:srgbClr val="333333"/>
-              </a:solidFill>
-              <a:latin typeface="Noto Sans"/>
-            </a:endParaRPr>
-          </a:p>
-        </p:txBody>
-      </p:sp>
-      <p:sp>
-        <p:nvSpPr>
-          <p:cNvPr id="78" name="PlaceHolder 2"/>
+            <a:pPr algn="ctr"/>
+            <a:endParaRPr b="0" lang="en-US" sz="4400" spc="-1" strike="noStrike">
+              <a:latin typeface="Arial"/>
+            </a:endParaRPr>
+          </a:p>
+        </p:txBody>
+      </p:sp>
+      <p:sp>
+        <p:nvSpPr>
+          <p:cNvPr id="72" name="PlaceHolder 2"/>
           <p:cNvSpPr>
             <a:spLocks noGrp="1"/>
           </p:cNvSpPr>
@@ -1964,21 +1847,18 @@
         </p:spPr>
         <p:txBody>
           <a:bodyPr lIns="0" rIns="0" tIns="0" bIns="0">
-            <a:noAutofit/>
-          </a:bodyPr>
-          <a:p>
-            <a:endParaRPr b="0" lang="en-US" sz="2800" spc="-1" strike="noStrike">
-              <a:solidFill>
-                <a:srgbClr val="333333"/>
-              </a:solidFill>
-              <a:latin typeface="Noto Sans"/>
-            </a:endParaRPr>
-          </a:p>
-        </p:txBody>
-      </p:sp>
-      <p:sp>
-        <p:nvSpPr>
-          <p:cNvPr id="79" name="PlaceHolder 3"/>
+            <a:normAutofit/>
+          </a:bodyPr>
+          <a:p>
+            <a:endParaRPr b="0" lang="en-US" sz="3200" spc="-1" strike="noStrike">
+              <a:latin typeface="Arial"/>
+            </a:endParaRPr>
+          </a:p>
+        </p:txBody>
+      </p:sp>
+      <p:sp>
+        <p:nvSpPr>
+          <p:cNvPr id="73" name="PlaceHolder 3"/>
           <p:cNvSpPr>
             <a:spLocks noGrp="1"/>
           </p:cNvSpPr>
@@ -1997,21 +1877,18 @@
         </p:spPr>
         <p:txBody>
           <a:bodyPr lIns="0" rIns="0" tIns="0" bIns="0">
-            <a:noAutofit/>
-          </a:bodyPr>
-          <a:p>
-            <a:endParaRPr b="0" lang="en-US" sz="2800" spc="-1" strike="noStrike">
-              <a:solidFill>
-                <a:srgbClr val="333333"/>
-              </a:solidFill>
-              <a:latin typeface="Noto Sans"/>
-            </a:endParaRPr>
-          </a:p>
-        </p:txBody>
-      </p:sp>
-      <p:sp>
-        <p:nvSpPr>
-          <p:cNvPr id="80" name="PlaceHolder 4"/>
+            <a:normAutofit/>
+          </a:bodyPr>
+          <a:p>
+            <a:endParaRPr b="0" lang="en-US" sz="3200" spc="-1" strike="noStrike">
+              <a:latin typeface="Arial"/>
+            </a:endParaRPr>
+          </a:p>
+        </p:txBody>
+      </p:sp>
+      <p:sp>
+        <p:nvSpPr>
+          <p:cNvPr id="74" name="PlaceHolder 4"/>
           <p:cNvSpPr>
             <a:spLocks noGrp="1"/>
           </p:cNvSpPr>
@@ -2030,21 +1907,18 @@
         </p:spPr>
         <p:txBody>
           <a:bodyPr lIns="0" rIns="0" tIns="0" bIns="0">
-            <a:noAutofit/>
-          </a:bodyPr>
-          <a:p>
-            <a:endParaRPr b="0" lang="en-US" sz="2800" spc="-1" strike="noStrike">
-              <a:solidFill>
-                <a:srgbClr val="333333"/>
-              </a:solidFill>
-              <a:latin typeface="Noto Sans"/>
-            </a:endParaRPr>
-          </a:p>
-        </p:txBody>
-      </p:sp>
-      <p:sp>
-        <p:nvSpPr>
-          <p:cNvPr id="81" name="PlaceHolder 5"/>
+            <a:normAutofit/>
+          </a:bodyPr>
+          <a:p>
+            <a:endParaRPr b="0" lang="en-US" sz="3200" spc="-1" strike="noStrike">
+              <a:latin typeface="Arial"/>
+            </a:endParaRPr>
+          </a:p>
+        </p:txBody>
+      </p:sp>
+      <p:sp>
+        <p:nvSpPr>
+          <p:cNvPr id="75" name="PlaceHolder 5"/>
           <p:cNvSpPr>
             <a:spLocks noGrp="1"/>
           </p:cNvSpPr>
@@ -2063,21 +1937,18 @@
         </p:spPr>
         <p:txBody>
           <a:bodyPr lIns="0" rIns="0" tIns="0" bIns="0">
-            <a:noAutofit/>
-          </a:bodyPr>
-          <a:p>
-            <a:endParaRPr b="0" lang="en-US" sz="2800" spc="-1" strike="noStrike">
-              <a:solidFill>
-                <a:srgbClr val="333333"/>
-              </a:solidFill>
-              <a:latin typeface="Noto Sans"/>
-            </a:endParaRPr>
-          </a:p>
-        </p:txBody>
-      </p:sp>
-      <p:sp>
-        <p:nvSpPr>
-          <p:cNvPr id="82" name="PlaceHolder 6"/>
+            <a:normAutofit/>
+          </a:bodyPr>
+          <a:p>
+            <a:endParaRPr b="0" lang="en-US" sz="3200" spc="-1" strike="noStrike">
+              <a:latin typeface="Arial"/>
+            </a:endParaRPr>
+          </a:p>
+        </p:txBody>
+      </p:sp>
+      <p:sp>
+        <p:nvSpPr>
+          <p:cNvPr id="76" name="PlaceHolder 6"/>
           <p:cNvSpPr>
             <a:spLocks noGrp="1"/>
           </p:cNvSpPr>
@@ -2096,21 +1967,18 @@
         </p:spPr>
         <p:txBody>
           <a:bodyPr lIns="0" rIns="0" tIns="0" bIns="0">
-            <a:noAutofit/>
-          </a:bodyPr>
-          <a:p>
-            <a:endParaRPr b="0" lang="en-US" sz="2800" spc="-1" strike="noStrike">
-              <a:solidFill>
-                <a:srgbClr val="333333"/>
-              </a:solidFill>
-              <a:latin typeface="Noto Sans"/>
-            </a:endParaRPr>
-          </a:p>
-        </p:txBody>
-      </p:sp>
-      <p:sp>
-        <p:nvSpPr>
-          <p:cNvPr id="83" name="PlaceHolder 7"/>
+            <a:normAutofit/>
+          </a:bodyPr>
+          <a:p>
+            <a:endParaRPr b="0" lang="en-US" sz="3200" spc="-1" strike="noStrike">
+              <a:latin typeface="Arial"/>
+            </a:endParaRPr>
+          </a:p>
+        </p:txBody>
+      </p:sp>
+      <p:sp>
+        <p:nvSpPr>
+          <p:cNvPr id="77" name="PlaceHolder 7"/>
           <p:cNvSpPr>
             <a:spLocks noGrp="1"/>
           </p:cNvSpPr>
@@ -2129,14 +1997,11 @@
         </p:spPr>
         <p:txBody>
           <a:bodyPr lIns="0" rIns="0" tIns="0" bIns="0">
-            <a:noAutofit/>
-          </a:bodyPr>
-          <a:p>
-            <a:endParaRPr b="0" lang="en-US" sz="2800" spc="-1" strike="noStrike">
-              <a:solidFill>
-                <a:srgbClr val="333333"/>
-              </a:solidFill>
-              <a:latin typeface="Noto Sans"/>
+            <a:normAutofit/>
+          </a:bodyPr>
+          <a:p>
+            <a:endParaRPr b="0" lang="en-US" sz="3200" spc="-1" strike="noStrike">
+              <a:latin typeface="Arial"/>
             </a:endParaRPr>
           </a:p>
         </p:txBody>
@@ -2165,7 +2030,7 @@
       </p:grpSpPr>
       <p:sp>
         <p:nvSpPr>
-          <p:cNvPr id="8" name="PlaceHolder 1"/>
+          <p:cNvPr id="5" name="PlaceHolder 1"/>
           <p:cNvSpPr>
             <a:spLocks noGrp="1"/>
           </p:cNvSpPr>
@@ -2176,7 +2041,7 @@
         <p:spPr>
           <a:xfrm>
             <a:off x="720000" y="300960"/>
-            <a:ext cx="8855640" cy="1262520"/>
+            <a:ext cx="8855280" cy="1262160"/>
           </a:xfrm>
           <a:prstGeom prst="rect">
             <a:avLst/>
@@ -2187,18 +2052,16 @@
             <a:noAutofit/>
           </a:bodyPr>
           <a:p>
-            <a:endParaRPr b="1" lang="en-US" sz="4400" spc="-1" strike="noStrike">
-              <a:solidFill>
-                <a:srgbClr val="333333"/>
-              </a:solidFill>
-              <a:latin typeface="Noto Sans"/>
-            </a:endParaRPr>
-          </a:p>
-        </p:txBody>
-      </p:sp>
-      <p:sp>
-        <p:nvSpPr>
-          <p:cNvPr id="9" name="PlaceHolder 2"/>
+            <a:pPr algn="ctr"/>
+            <a:endParaRPr b="0" lang="en-US" sz="4400" spc="-1" strike="noStrike">
+              <a:latin typeface="Arial"/>
+            </a:endParaRPr>
+          </a:p>
+        </p:txBody>
+      </p:sp>
+      <p:sp>
+        <p:nvSpPr>
+          <p:cNvPr id="6" name="PlaceHolder 2"/>
           <p:cNvSpPr>
             <a:spLocks noGrp="1"/>
           </p:cNvSpPr>
@@ -2209,7 +2072,7 @@
         <p:spPr>
           <a:xfrm>
             <a:off x="720000" y="2160000"/>
-            <a:ext cx="8640000" cy="4384800"/>
+            <a:ext cx="8639640" cy="4384440"/>
           </a:xfrm>
           <a:prstGeom prst="rect">
             <a:avLst/>
@@ -2217,14 +2080,11 @@
         </p:spPr>
         <p:txBody>
           <a:bodyPr lIns="0" rIns="0" tIns="0" bIns="0">
-            <a:noAutofit/>
-          </a:bodyPr>
-          <a:p>
-            <a:endParaRPr b="0" lang="en-US" sz="2800" spc="-1" strike="noStrike">
-              <a:solidFill>
-                <a:srgbClr val="333333"/>
-              </a:solidFill>
-              <a:latin typeface="Noto Sans"/>
+            <a:normAutofit/>
+          </a:bodyPr>
+          <a:p>
+            <a:endParaRPr b="0" lang="en-US" sz="3200" spc="-1" strike="noStrike">
+              <a:latin typeface="Arial"/>
             </a:endParaRPr>
           </a:p>
         </p:txBody>
@@ -2253,7 +2113,7 @@
       </p:grpSpPr>
       <p:sp>
         <p:nvSpPr>
-          <p:cNvPr id="10" name="PlaceHolder 1"/>
+          <p:cNvPr id="7" name="PlaceHolder 1"/>
           <p:cNvSpPr>
             <a:spLocks noGrp="1"/>
           </p:cNvSpPr>
@@ -2264,7 +2124,7 @@
         <p:spPr>
           <a:xfrm>
             <a:off x="720000" y="300960"/>
-            <a:ext cx="8855640" cy="1262520"/>
+            <a:ext cx="8855280" cy="1262160"/>
           </a:xfrm>
           <a:prstGeom prst="rect">
             <a:avLst/>
@@ -2275,18 +2135,16 @@
             <a:noAutofit/>
           </a:bodyPr>
           <a:p>
-            <a:endParaRPr b="1" lang="en-US" sz="4400" spc="-1" strike="noStrike">
-              <a:solidFill>
-                <a:srgbClr val="333333"/>
-              </a:solidFill>
-              <a:latin typeface="Noto Sans"/>
-            </a:endParaRPr>
-          </a:p>
-        </p:txBody>
-      </p:sp>
-      <p:sp>
-        <p:nvSpPr>
-          <p:cNvPr id="11" name="PlaceHolder 2"/>
+            <a:pPr algn="ctr"/>
+            <a:endParaRPr b="0" lang="en-US" sz="4400" spc="-1" strike="noStrike">
+              <a:latin typeface="Arial"/>
+            </a:endParaRPr>
+          </a:p>
+        </p:txBody>
+      </p:sp>
+      <p:sp>
+        <p:nvSpPr>
+          <p:cNvPr id="8" name="PlaceHolder 2"/>
           <p:cNvSpPr>
             <a:spLocks noGrp="1"/>
           </p:cNvSpPr>
@@ -2297,7 +2155,7 @@
         <p:spPr>
           <a:xfrm>
             <a:off x="720000" y="2160000"/>
-            <a:ext cx="4215960" cy="4384800"/>
+            <a:ext cx="4215960" cy="4384440"/>
           </a:xfrm>
           <a:prstGeom prst="rect">
             <a:avLst/>
@@ -2305,21 +2163,18 @@
         </p:spPr>
         <p:txBody>
           <a:bodyPr lIns="0" rIns="0" tIns="0" bIns="0">
-            <a:noAutofit/>
-          </a:bodyPr>
-          <a:p>
-            <a:endParaRPr b="0" lang="en-US" sz="2800" spc="-1" strike="noStrike">
-              <a:solidFill>
-                <a:srgbClr val="333333"/>
-              </a:solidFill>
-              <a:latin typeface="Noto Sans"/>
-            </a:endParaRPr>
-          </a:p>
-        </p:txBody>
-      </p:sp>
-      <p:sp>
-        <p:nvSpPr>
-          <p:cNvPr id="12" name="PlaceHolder 3"/>
+            <a:normAutofit/>
+          </a:bodyPr>
+          <a:p>
+            <a:endParaRPr b="0" lang="en-US" sz="3200" spc="-1" strike="noStrike">
+              <a:latin typeface="Arial"/>
+            </a:endParaRPr>
+          </a:p>
+        </p:txBody>
+      </p:sp>
+      <p:sp>
+        <p:nvSpPr>
+          <p:cNvPr id="9" name="PlaceHolder 3"/>
           <p:cNvSpPr>
             <a:spLocks noGrp="1"/>
           </p:cNvSpPr>
@@ -2330,7 +2185,7 @@
         <p:spPr>
           <a:xfrm>
             <a:off x="5147280" y="2160000"/>
-            <a:ext cx="4215960" cy="4384800"/>
+            <a:ext cx="4215960" cy="4384440"/>
           </a:xfrm>
           <a:prstGeom prst="rect">
             <a:avLst/>
@@ -2338,14 +2193,11 @@
         </p:spPr>
         <p:txBody>
           <a:bodyPr lIns="0" rIns="0" tIns="0" bIns="0">
-            <a:noAutofit/>
-          </a:bodyPr>
-          <a:p>
-            <a:endParaRPr b="0" lang="en-US" sz="2800" spc="-1" strike="noStrike">
-              <a:solidFill>
-                <a:srgbClr val="333333"/>
-              </a:solidFill>
-              <a:latin typeface="Noto Sans"/>
+            <a:normAutofit/>
+          </a:bodyPr>
+          <a:p>
+            <a:endParaRPr b="0" lang="en-US" sz="3200" spc="-1" strike="noStrike">
+              <a:latin typeface="Arial"/>
             </a:endParaRPr>
           </a:p>
         </p:txBody>
@@ -2374,7 +2226,7 @@
       </p:grpSpPr>
       <p:sp>
         <p:nvSpPr>
-          <p:cNvPr id="13" name="PlaceHolder 1"/>
+          <p:cNvPr id="10" name="PlaceHolder 1"/>
           <p:cNvSpPr>
             <a:spLocks noGrp="1"/>
           </p:cNvSpPr>
@@ -2385,7 +2237,7 @@
         <p:spPr>
           <a:xfrm>
             <a:off x="720000" y="300960"/>
-            <a:ext cx="8855640" cy="1262520"/>
+            <a:ext cx="8855280" cy="1262160"/>
           </a:xfrm>
           <a:prstGeom prst="rect">
             <a:avLst/>
@@ -2396,11 +2248,9 @@
             <a:noAutofit/>
           </a:bodyPr>
           <a:p>
-            <a:endParaRPr b="1" lang="en-US" sz="4400" spc="-1" strike="noStrike">
-              <a:solidFill>
-                <a:srgbClr val="333333"/>
-              </a:solidFill>
-              <a:latin typeface="Noto Sans"/>
+            <a:pPr algn="ctr"/>
+            <a:endParaRPr b="0" lang="en-US" sz="4400" spc="-1" strike="noStrike">
+              <a:latin typeface="Arial"/>
             </a:endParaRPr>
           </a:p>
         </p:txBody>
@@ -2429,7 +2279,7 @@
       </p:grpSpPr>
       <p:sp>
         <p:nvSpPr>
-          <p:cNvPr id="14" name="PlaceHolder 1"/>
+          <p:cNvPr id="11" name="PlaceHolder 1"/>
           <p:cNvSpPr>
             <a:spLocks noGrp="1"/>
           </p:cNvSpPr>
@@ -2440,7 +2290,7 @@
         <p:spPr>
           <a:xfrm>
             <a:off x="720000" y="300960"/>
-            <a:ext cx="8855640" cy="5853600"/>
+            <a:ext cx="8855280" cy="5851800"/>
           </a:xfrm>
           <a:prstGeom prst="rect">
             <a:avLst/>
@@ -2482,7 +2332,7 @@
       </p:grpSpPr>
       <p:sp>
         <p:nvSpPr>
-          <p:cNvPr id="15" name="PlaceHolder 1"/>
+          <p:cNvPr id="12" name="PlaceHolder 1"/>
           <p:cNvSpPr>
             <a:spLocks noGrp="1"/>
           </p:cNvSpPr>
@@ -2493,7 +2343,7 @@
         <p:spPr>
           <a:xfrm>
             <a:off x="720000" y="300960"/>
-            <a:ext cx="8855640" cy="1262520"/>
+            <a:ext cx="8855280" cy="1262160"/>
           </a:xfrm>
           <a:prstGeom prst="rect">
             <a:avLst/>
@@ -2504,18 +2354,16 @@
             <a:noAutofit/>
           </a:bodyPr>
           <a:p>
-            <a:endParaRPr b="1" lang="en-US" sz="4400" spc="-1" strike="noStrike">
-              <a:solidFill>
-                <a:srgbClr val="333333"/>
-              </a:solidFill>
-              <a:latin typeface="Noto Sans"/>
-            </a:endParaRPr>
-          </a:p>
-        </p:txBody>
-      </p:sp>
-      <p:sp>
-        <p:nvSpPr>
-          <p:cNvPr id="16" name="PlaceHolder 2"/>
+            <a:pPr algn="ctr"/>
+            <a:endParaRPr b="0" lang="en-US" sz="4400" spc="-1" strike="noStrike">
+              <a:latin typeface="Arial"/>
+            </a:endParaRPr>
+          </a:p>
+        </p:txBody>
+      </p:sp>
+      <p:sp>
+        <p:nvSpPr>
+          <p:cNvPr id="13" name="PlaceHolder 2"/>
           <p:cNvSpPr>
             <a:spLocks noGrp="1"/>
           </p:cNvSpPr>
@@ -2534,21 +2382,18 @@
         </p:spPr>
         <p:txBody>
           <a:bodyPr lIns="0" rIns="0" tIns="0" bIns="0">
-            <a:noAutofit/>
-          </a:bodyPr>
-          <a:p>
-            <a:endParaRPr b="0" lang="en-US" sz="2800" spc="-1" strike="noStrike">
-              <a:solidFill>
-                <a:srgbClr val="333333"/>
-              </a:solidFill>
-              <a:latin typeface="Noto Sans"/>
-            </a:endParaRPr>
-          </a:p>
-        </p:txBody>
-      </p:sp>
-      <p:sp>
-        <p:nvSpPr>
-          <p:cNvPr id="17" name="PlaceHolder 3"/>
+            <a:normAutofit/>
+          </a:bodyPr>
+          <a:p>
+            <a:endParaRPr b="0" lang="en-US" sz="3200" spc="-1" strike="noStrike">
+              <a:latin typeface="Arial"/>
+            </a:endParaRPr>
+          </a:p>
+        </p:txBody>
+      </p:sp>
+      <p:sp>
+        <p:nvSpPr>
+          <p:cNvPr id="14" name="PlaceHolder 3"/>
           <p:cNvSpPr>
             <a:spLocks noGrp="1"/>
           </p:cNvSpPr>
@@ -2559,7 +2404,7 @@
         <p:spPr>
           <a:xfrm>
             <a:off x="5147280" y="2160000"/>
-            <a:ext cx="4215960" cy="4384800"/>
+            <a:ext cx="4215960" cy="4384440"/>
           </a:xfrm>
           <a:prstGeom prst="rect">
             <a:avLst/>
@@ -2567,21 +2412,18 @@
         </p:spPr>
         <p:txBody>
           <a:bodyPr lIns="0" rIns="0" tIns="0" bIns="0">
-            <a:noAutofit/>
-          </a:bodyPr>
-          <a:p>
-            <a:endParaRPr b="0" lang="en-US" sz="2800" spc="-1" strike="noStrike">
-              <a:solidFill>
-                <a:srgbClr val="333333"/>
-              </a:solidFill>
-              <a:latin typeface="Noto Sans"/>
-            </a:endParaRPr>
-          </a:p>
-        </p:txBody>
-      </p:sp>
-      <p:sp>
-        <p:nvSpPr>
-          <p:cNvPr id="18" name="PlaceHolder 4"/>
+            <a:normAutofit/>
+          </a:bodyPr>
+          <a:p>
+            <a:endParaRPr b="0" lang="en-US" sz="3200" spc="-1" strike="noStrike">
+              <a:latin typeface="Arial"/>
+            </a:endParaRPr>
+          </a:p>
+        </p:txBody>
+      </p:sp>
+      <p:sp>
+        <p:nvSpPr>
+          <p:cNvPr id="15" name="PlaceHolder 4"/>
           <p:cNvSpPr>
             <a:spLocks noGrp="1"/>
           </p:cNvSpPr>
@@ -2600,14 +2442,11 @@
         </p:spPr>
         <p:txBody>
           <a:bodyPr lIns="0" rIns="0" tIns="0" bIns="0">
-            <a:noAutofit/>
-          </a:bodyPr>
-          <a:p>
-            <a:endParaRPr b="0" lang="en-US" sz="2800" spc="-1" strike="noStrike">
-              <a:solidFill>
-                <a:srgbClr val="333333"/>
-              </a:solidFill>
-              <a:latin typeface="Noto Sans"/>
+            <a:normAutofit/>
+          </a:bodyPr>
+          <a:p>
+            <a:endParaRPr b="0" lang="en-US" sz="3200" spc="-1" strike="noStrike">
+              <a:latin typeface="Arial"/>
             </a:endParaRPr>
           </a:p>
         </p:txBody>
@@ -2636,7 +2475,7 @@
       </p:grpSpPr>
       <p:sp>
         <p:nvSpPr>
-          <p:cNvPr id="19" name="PlaceHolder 1"/>
+          <p:cNvPr id="16" name="PlaceHolder 1"/>
           <p:cNvSpPr>
             <a:spLocks noGrp="1"/>
           </p:cNvSpPr>
@@ -2647,7 +2486,7 @@
         <p:spPr>
           <a:xfrm>
             <a:off x="720000" y="300960"/>
-            <a:ext cx="8855640" cy="1262520"/>
+            <a:ext cx="8855280" cy="1262160"/>
           </a:xfrm>
           <a:prstGeom prst="rect">
             <a:avLst/>
@@ -2658,18 +2497,16 @@
             <a:noAutofit/>
           </a:bodyPr>
           <a:p>
-            <a:endParaRPr b="1" lang="en-US" sz="4400" spc="-1" strike="noStrike">
-              <a:solidFill>
-                <a:srgbClr val="333333"/>
-              </a:solidFill>
-              <a:latin typeface="Noto Sans"/>
-            </a:endParaRPr>
-          </a:p>
-        </p:txBody>
-      </p:sp>
-      <p:sp>
-        <p:nvSpPr>
-          <p:cNvPr id="20" name="PlaceHolder 2"/>
+            <a:pPr algn="ctr"/>
+            <a:endParaRPr b="0" lang="en-US" sz="4400" spc="-1" strike="noStrike">
+              <a:latin typeface="Arial"/>
+            </a:endParaRPr>
+          </a:p>
+        </p:txBody>
+      </p:sp>
+      <p:sp>
+        <p:nvSpPr>
+          <p:cNvPr id="17" name="PlaceHolder 2"/>
           <p:cNvSpPr>
             <a:spLocks noGrp="1"/>
           </p:cNvSpPr>
@@ -2680,7 +2517,7 @@
         <p:spPr>
           <a:xfrm>
             <a:off x="720000" y="2160000"/>
-            <a:ext cx="4215960" cy="4384800"/>
+            <a:ext cx="4215960" cy="4384440"/>
           </a:xfrm>
           <a:prstGeom prst="rect">
             <a:avLst/>
@@ -2688,21 +2525,18 @@
         </p:spPr>
         <p:txBody>
           <a:bodyPr lIns="0" rIns="0" tIns="0" bIns="0">
-            <a:noAutofit/>
-          </a:bodyPr>
-          <a:p>
-            <a:endParaRPr b="0" lang="en-US" sz="2800" spc="-1" strike="noStrike">
-              <a:solidFill>
-                <a:srgbClr val="333333"/>
-              </a:solidFill>
-              <a:latin typeface="Noto Sans"/>
-            </a:endParaRPr>
-          </a:p>
-        </p:txBody>
-      </p:sp>
-      <p:sp>
-        <p:nvSpPr>
-          <p:cNvPr id="21" name="PlaceHolder 3"/>
+            <a:normAutofit/>
+          </a:bodyPr>
+          <a:p>
+            <a:endParaRPr b="0" lang="en-US" sz="3200" spc="-1" strike="noStrike">
+              <a:latin typeface="Arial"/>
+            </a:endParaRPr>
+          </a:p>
+        </p:txBody>
+      </p:sp>
+      <p:sp>
+        <p:nvSpPr>
+          <p:cNvPr id="18" name="PlaceHolder 3"/>
           <p:cNvSpPr>
             <a:spLocks noGrp="1"/>
           </p:cNvSpPr>
@@ -2721,21 +2555,18 @@
         </p:spPr>
         <p:txBody>
           <a:bodyPr lIns="0" rIns="0" tIns="0" bIns="0">
-            <a:noAutofit/>
-          </a:bodyPr>
-          <a:p>
-            <a:endParaRPr b="0" lang="en-US" sz="2800" spc="-1" strike="noStrike">
-              <a:solidFill>
-                <a:srgbClr val="333333"/>
-              </a:solidFill>
-              <a:latin typeface="Noto Sans"/>
-            </a:endParaRPr>
-          </a:p>
-        </p:txBody>
-      </p:sp>
-      <p:sp>
-        <p:nvSpPr>
-          <p:cNvPr id="22" name="PlaceHolder 4"/>
+            <a:normAutofit/>
+          </a:bodyPr>
+          <a:p>
+            <a:endParaRPr b="0" lang="en-US" sz="3200" spc="-1" strike="noStrike">
+              <a:latin typeface="Arial"/>
+            </a:endParaRPr>
+          </a:p>
+        </p:txBody>
+      </p:sp>
+      <p:sp>
+        <p:nvSpPr>
+          <p:cNvPr id="19" name="PlaceHolder 4"/>
           <p:cNvSpPr>
             <a:spLocks noGrp="1"/>
           </p:cNvSpPr>
@@ -2754,14 +2585,11 @@
         </p:spPr>
         <p:txBody>
           <a:bodyPr lIns="0" rIns="0" tIns="0" bIns="0">
-            <a:noAutofit/>
-          </a:bodyPr>
-          <a:p>
-            <a:endParaRPr b="0" lang="en-US" sz="2800" spc="-1" strike="noStrike">
-              <a:solidFill>
-                <a:srgbClr val="333333"/>
-              </a:solidFill>
-              <a:latin typeface="Noto Sans"/>
+            <a:normAutofit/>
+          </a:bodyPr>
+          <a:p>
+            <a:endParaRPr b="0" lang="en-US" sz="3200" spc="-1" strike="noStrike">
+              <a:latin typeface="Arial"/>
             </a:endParaRPr>
           </a:p>
         </p:txBody>
@@ -2790,7 +2618,7 @@
       </p:grpSpPr>
       <p:sp>
         <p:nvSpPr>
-          <p:cNvPr id="23" name="PlaceHolder 1"/>
+          <p:cNvPr id="20" name="PlaceHolder 1"/>
           <p:cNvSpPr>
             <a:spLocks noGrp="1"/>
           </p:cNvSpPr>
@@ -2801,7 +2629,7 @@
         <p:spPr>
           <a:xfrm>
             <a:off x="720000" y="300960"/>
-            <a:ext cx="8855640" cy="1262520"/>
+            <a:ext cx="8855280" cy="1262160"/>
           </a:xfrm>
           <a:prstGeom prst="rect">
             <a:avLst/>
@@ -2812,18 +2640,16 @@
             <a:noAutofit/>
           </a:bodyPr>
           <a:p>
-            <a:endParaRPr b="1" lang="en-US" sz="4400" spc="-1" strike="noStrike">
-              <a:solidFill>
-                <a:srgbClr val="333333"/>
-              </a:solidFill>
-              <a:latin typeface="Noto Sans"/>
-            </a:endParaRPr>
-          </a:p>
-        </p:txBody>
-      </p:sp>
-      <p:sp>
-        <p:nvSpPr>
-          <p:cNvPr id="24" name="PlaceHolder 2"/>
+            <a:pPr algn="ctr"/>
+            <a:endParaRPr b="0" lang="en-US" sz="4400" spc="-1" strike="noStrike">
+              <a:latin typeface="Arial"/>
+            </a:endParaRPr>
+          </a:p>
+        </p:txBody>
+      </p:sp>
+      <p:sp>
+        <p:nvSpPr>
+          <p:cNvPr id="21" name="PlaceHolder 2"/>
           <p:cNvSpPr>
             <a:spLocks noGrp="1"/>
           </p:cNvSpPr>
@@ -2842,21 +2668,18 @@
         </p:spPr>
         <p:txBody>
           <a:bodyPr lIns="0" rIns="0" tIns="0" bIns="0">
-            <a:noAutofit/>
-          </a:bodyPr>
-          <a:p>
-            <a:endParaRPr b="0" lang="en-US" sz="2800" spc="-1" strike="noStrike">
-              <a:solidFill>
-                <a:srgbClr val="333333"/>
-              </a:solidFill>
-              <a:latin typeface="Noto Sans"/>
-            </a:endParaRPr>
-          </a:p>
-        </p:txBody>
-      </p:sp>
-      <p:sp>
-        <p:nvSpPr>
-          <p:cNvPr id="25" name="PlaceHolder 3"/>
+            <a:normAutofit/>
+          </a:bodyPr>
+          <a:p>
+            <a:endParaRPr b="0" lang="en-US" sz="3200" spc="-1" strike="noStrike">
+              <a:latin typeface="Arial"/>
+            </a:endParaRPr>
+          </a:p>
+        </p:txBody>
+      </p:sp>
+      <p:sp>
+        <p:nvSpPr>
+          <p:cNvPr id="22" name="PlaceHolder 3"/>
           <p:cNvSpPr>
             <a:spLocks noGrp="1"/>
           </p:cNvSpPr>
@@ -2875,21 +2698,18 @@
         </p:spPr>
         <p:txBody>
           <a:bodyPr lIns="0" rIns="0" tIns="0" bIns="0">
-            <a:noAutofit/>
-          </a:bodyPr>
-          <a:p>
-            <a:endParaRPr b="0" lang="en-US" sz="2800" spc="-1" strike="noStrike">
-              <a:solidFill>
-                <a:srgbClr val="333333"/>
-              </a:solidFill>
-              <a:latin typeface="Noto Sans"/>
-            </a:endParaRPr>
-          </a:p>
-        </p:txBody>
-      </p:sp>
-      <p:sp>
-        <p:nvSpPr>
-          <p:cNvPr id="26" name="PlaceHolder 4"/>
+            <a:normAutofit/>
+          </a:bodyPr>
+          <a:p>
+            <a:endParaRPr b="0" lang="en-US" sz="3200" spc="-1" strike="noStrike">
+              <a:latin typeface="Arial"/>
+            </a:endParaRPr>
+          </a:p>
+        </p:txBody>
+      </p:sp>
+      <p:sp>
+        <p:nvSpPr>
+          <p:cNvPr id="23" name="PlaceHolder 4"/>
           <p:cNvSpPr>
             <a:spLocks noGrp="1"/>
           </p:cNvSpPr>
@@ -2900,7 +2720,7 @@
         <p:spPr>
           <a:xfrm>
             <a:off x="720000" y="4450320"/>
-            <a:ext cx="8640000" cy="2091240"/>
+            <a:ext cx="8639640" cy="2091240"/>
           </a:xfrm>
           <a:prstGeom prst="rect">
             <a:avLst/>
@@ -2908,14 +2728,11 @@
         </p:spPr>
         <p:txBody>
           <a:bodyPr lIns="0" rIns="0" tIns="0" bIns="0">
-            <a:noAutofit/>
-          </a:bodyPr>
-          <a:p>
-            <a:endParaRPr b="0" lang="en-US" sz="2800" spc="-1" strike="noStrike">
-              <a:solidFill>
-                <a:srgbClr val="333333"/>
-              </a:solidFill>
-              <a:latin typeface="Noto Sans"/>
+            <a:normAutofit/>
+          </a:bodyPr>
+          <a:p>
+            <a:endParaRPr b="0" lang="en-US" sz="3200" spc="-1" strike="noStrike">
+              <a:latin typeface="Arial"/>
             </a:endParaRPr>
           </a:p>
         </p:txBody>
@@ -2944,7 +2761,35 @@
       </p:grpSpPr>
       <p:sp>
         <p:nvSpPr>
-          <p:cNvPr id="0" name="PlaceHolder 1"/>
+          <p:cNvPr id="0" name="CustomShape 1"/>
+          <p:cNvSpPr/>
+          <p:nvPr/>
+        </p:nvSpPr>
+        <p:spPr>
+          <a:xfrm>
+            <a:off x="0" y="4320000"/>
+            <a:ext cx="503640" cy="1079640"/>
+          </a:xfrm>
+          <a:prstGeom prst="rect">
+            <a:avLst/>
+          </a:prstGeom>
+          <a:solidFill>
+            <a:srgbClr val="ef2929"/>
+          </a:solidFill>
+          <a:ln>
+            <a:noFill/>
+          </a:ln>
+        </p:spPr>
+        <p:style>
+          <a:lnRef idx="0"/>
+          <a:fillRef idx="0"/>
+          <a:effectRef idx="0"/>
+          <a:fontRef idx="minor"/>
+        </p:style>
+      </p:sp>
+      <p:sp>
+        <p:nvSpPr>
+          <p:cNvPr id="1" name="PlaceHolder 2"/>
           <p:cNvSpPr>
             <a:spLocks noGrp="1"/>
           </p:cNvSpPr>
@@ -2954,8 +2799,8 @@
         </p:nvSpPr>
         <p:spPr>
           <a:xfrm>
-            <a:off x="792000" y="4104000"/>
-            <a:ext cx="8568000" cy="1440000"/>
+            <a:off x="720000" y="300960"/>
+            <a:ext cx="8855280" cy="1262160"/>
           </a:xfrm>
           <a:prstGeom prst="rect">
             <a:avLst/>
@@ -2963,66 +2808,95 @@
         </p:spPr>
         <p:txBody>
           <a:bodyPr lIns="0" rIns="0" tIns="0" bIns="0" anchor="ctr">
+            <a:noAutofit/>
+          </a:bodyPr>
+          <a:p>
+            <a:r>
+              <a:rPr b="0" lang="en-US" sz="1800" spc="-1" strike="noStrike">
+                <a:latin typeface="Arial"/>
+              </a:rPr>
+              <a:t>Click to edit the title text format</a:t>
+            </a:r>
+            <a:endParaRPr b="0" lang="en-US" sz="1800" spc="-1" strike="noStrike">
+              <a:latin typeface="Arial"/>
+            </a:endParaRPr>
+          </a:p>
+        </p:txBody>
+      </p:sp>
+      <p:sp>
+        <p:nvSpPr>
+          <p:cNvPr id="2" name="PlaceHolder 3"/>
+          <p:cNvSpPr>
+            <a:spLocks noGrp="1"/>
+          </p:cNvSpPr>
+          <p:nvPr>
+            <p:ph type="body"/>
+          </p:nvPr>
+        </p:nvSpPr>
+        <p:spPr>
+          <a:xfrm>
+            <a:off x="504000" y="1768680"/>
+            <a:ext cx="9072000" cy="4384080"/>
+          </a:xfrm>
+          <a:prstGeom prst="rect">
+            <a:avLst/>
+          </a:prstGeom>
+        </p:spPr>
+        <p:txBody>
+          <a:bodyPr lIns="0" rIns="0" tIns="0" bIns="0">
             <a:normAutofit/>
           </a:bodyPr>
           <a:p>
+            <a:pPr marL="432000" indent="-324000">
+              <a:spcBef>
+                <a:spcPts val="1417"/>
+              </a:spcBef>
+              <a:buClr>
+                <a:srgbClr val="000000"/>
+              </a:buClr>
+              <a:buSzPct val="45000"/>
+              <a:buFont typeface="Wingdings" charset="2"/>
+              <a:buChar char=""/>
+            </a:pPr>
             <a:r>
-              <a:rPr b="1" lang="en-US" sz="4800" spc="-1" strike="noStrike">
-                <a:solidFill>
-                  <a:srgbClr val="333333"/>
-                </a:solidFill>
-                <a:latin typeface="Noto Sans"/>
+              <a:rPr b="0" lang="en-US" sz="3200" spc="-1" strike="noStrike">
+                <a:latin typeface="Arial"/>
               </a:rPr>
-              <a:t>Click to edit the title </a:t>
+              <a:t>Click to edit the outline text format</a:t>
             </a:r>
+            <a:endParaRPr b="0" lang="en-US" sz="3200" spc="-1" strike="noStrike">
+              <a:latin typeface="Arial"/>
+            </a:endParaRPr>
+          </a:p>
+          <a:p>
+            <a:pPr lvl="1" marL="864000" indent="-324000">
+              <a:spcBef>
+                <a:spcPts val="1134"/>
+              </a:spcBef>
+              <a:buClr>
+                <a:srgbClr val="000000"/>
+              </a:buClr>
+              <a:buSzPct val="75000"/>
+              <a:buFont typeface="Symbol" charset="2"/>
+              <a:buChar char=""/>
+            </a:pPr>
             <a:r>
-              <a:rPr b="1" lang="en-US" sz="4800" spc="-1" strike="noStrike">
-                <a:solidFill>
-                  <a:srgbClr val="333333"/>
-                </a:solidFill>
-                <a:latin typeface="Noto Sans"/>
+              <a:rPr b="0" lang="en-US" sz="2800" spc="-1" strike="noStrike">
+                <a:latin typeface="Arial"/>
               </a:rPr>
-              <a:t>text format</a:t>
+              <a:t>Second Outline Level</a:t>
             </a:r>
-            <a:endParaRPr b="1" lang="en-US" sz="4800" spc="-1" strike="noStrike">
-              <a:solidFill>
-                <a:srgbClr val="333333"/>
-              </a:solidFill>
-              <a:latin typeface="Noto Sans"/>
-            </a:endParaRPr>
-          </a:p>
-        </p:txBody>
-      </p:sp>
-      <p:sp>
-        <p:nvSpPr>
-          <p:cNvPr id="1" name="PlaceHolder 2"/>
-          <p:cNvSpPr>
-            <a:spLocks noGrp="1"/>
-          </p:cNvSpPr>
-          <p:nvPr>
-            <p:ph type="body"/>
-          </p:nvPr>
-        </p:nvSpPr>
-        <p:spPr>
-          <a:xfrm>
-            <a:off x="792000" y="5904000"/>
-            <a:ext cx="8568000" cy="982440"/>
-          </a:xfrm>
-          <a:prstGeom prst="rect">
-            <a:avLst/>
-          </a:prstGeom>
-        </p:spPr>
-        <p:txBody>
-          <a:bodyPr lIns="0" rIns="0" tIns="0" bIns="0">
-            <a:normAutofit fontScale="16000"/>
-          </a:bodyPr>
-          <a:p>
-            <a:pPr marL="432000" indent="-324000">
-              <a:spcAft>
-                <a:spcPts val="1879"/>
-              </a:spcAft>
+            <a:endParaRPr b="0" lang="en-US" sz="2800" spc="-1" strike="noStrike">
+              <a:latin typeface="Arial"/>
+            </a:endParaRPr>
+          </a:p>
+          <a:p>
+            <a:pPr lvl="2" marL="1296000" indent="-288000">
+              <a:spcBef>
+                <a:spcPts val="850"/>
+              </a:spcBef>
               <a:buClr>
-                <a:srgbClr val="333333"/>
+                <a:srgbClr val="000000"/>
               </a:buClr>
               <a:buSzPct val="45000"/>
               <a:buFont typeface="Wingdings" charset="2"/>
@@ -3030,339 +2904,103 @@
             </a:pPr>
             <a:r>
               <a:rPr b="0" lang="en-US" sz="2400" spc="-1" strike="noStrike">
-                <a:solidFill>
-                  <a:srgbClr val="333333"/>
-                </a:solidFill>
-                <a:latin typeface="Noto Sans"/>
+                <a:latin typeface="Arial"/>
               </a:rPr>
-              <a:t>Click to edit the outline text format</a:t>
+              <a:t>Third Outline Level</a:t>
             </a:r>
             <a:endParaRPr b="0" lang="en-US" sz="2400" spc="-1" strike="noStrike">
-              <a:solidFill>
-                <a:srgbClr val="333333"/>
-              </a:solidFill>
-              <a:latin typeface="Noto Sans"/>
-            </a:endParaRPr>
-          </a:p>
-          <a:p>
-            <a:pPr lvl="1" marL="864000" indent="-324000">
-              <a:spcAft>
-                <a:spcPts val="1497"/>
-              </a:spcAft>
+              <a:latin typeface="Arial"/>
+            </a:endParaRPr>
+          </a:p>
+          <a:p>
+            <a:pPr lvl="3" marL="1728000" indent="-216000">
+              <a:spcBef>
+                <a:spcPts val="567"/>
+              </a:spcBef>
               <a:buClr>
-                <a:srgbClr val="ffffff"/>
+                <a:srgbClr val="000000"/>
               </a:buClr>
               <a:buSzPct val="75000"/>
               <a:buFont typeface="Symbol" charset="2"/>
               <a:buChar char=""/>
             </a:pPr>
             <a:r>
-              <a:rPr b="0" lang="en-US" sz="2400" spc="-1" strike="noStrike">
-                <a:solidFill>
-                  <a:srgbClr val="333333"/>
-                </a:solidFill>
-                <a:latin typeface="Noto Sans"/>
+              <a:rPr b="0" lang="en-US" sz="2000" spc="-1" strike="noStrike">
+                <a:latin typeface="Arial"/>
               </a:rPr>
-              <a:t>Second Outline Level</a:t>
+              <a:t>Fourth Outline Level</a:t>
             </a:r>
-            <a:endParaRPr b="0" lang="en-US" sz="2400" spc="-1" strike="noStrike">
-              <a:solidFill>
-                <a:srgbClr val="333333"/>
-              </a:solidFill>
-              <a:latin typeface="Noto Sans"/>
-            </a:endParaRPr>
-          </a:p>
-          <a:p>
-            <a:pPr lvl="2" marL="1296000" indent="-288000">
-              <a:spcAft>
-                <a:spcPts val="1120"/>
-              </a:spcAft>
+            <a:endParaRPr b="0" lang="en-US" sz="2000" spc="-1" strike="noStrike">
+              <a:latin typeface="Arial"/>
+            </a:endParaRPr>
+          </a:p>
+          <a:p>
+            <a:pPr lvl="4" marL="2160000" indent="-216000">
+              <a:spcBef>
+                <a:spcPts val="283"/>
+              </a:spcBef>
               <a:buClr>
-                <a:srgbClr val="ffffff"/>
+                <a:srgbClr val="000000"/>
               </a:buClr>
               <a:buSzPct val="45000"/>
               <a:buFont typeface="Wingdings" charset="2"/>
               <a:buChar char=""/>
             </a:pPr>
             <a:r>
-              <a:rPr b="0" lang="en-US" sz="2400" spc="-1" strike="noStrike">
-                <a:solidFill>
-                  <a:srgbClr val="333333"/>
-                </a:solidFill>
-                <a:latin typeface="Noto Sans"/>
+              <a:rPr b="0" lang="en-US" sz="2000" spc="-1" strike="noStrike">
+                <a:latin typeface="Arial"/>
               </a:rPr>
-              <a:t>Third Outline Level</a:t>
+              <a:t>Fifth Outline Level</a:t>
             </a:r>
-            <a:endParaRPr b="0" lang="en-US" sz="2400" spc="-1" strike="noStrike">
-              <a:solidFill>
-                <a:srgbClr val="333333"/>
-              </a:solidFill>
-              <a:latin typeface="Noto Sans"/>
-            </a:endParaRPr>
-          </a:p>
-          <a:p>
-            <a:pPr lvl="3" marL="1728000" indent="-216000">
-              <a:spcAft>
-                <a:spcPts val="743"/>
-              </a:spcAft>
+            <a:endParaRPr b="0" lang="en-US" sz="2000" spc="-1" strike="noStrike">
+              <a:latin typeface="Arial"/>
+            </a:endParaRPr>
+          </a:p>
+          <a:p>
+            <a:pPr lvl="5" marL="2592000" indent="-216000">
+              <a:spcBef>
+                <a:spcPts val="283"/>
+              </a:spcBef>
               <a:buClr>
-                <a:srgbClr val="ffffff"/>
-              </a:buClr>
-              <a:buSzPct val="75000"/>
-              <a:buFont typeface="Symbol" charset="2"/>
-              <a:buChar char=""/>
-            </a:pPr>
-            <a:r>
-              <a:rPr b="0" lang="en-US" sz="2400" spc="-1" strike="noStrike">
-                <a:solidFill>
-                  <a:srgbClr val="333333"/>
-                </a:solidFill>
-                <a:latin typeface="Noto Sans"/>
-              </a:rPr>
-              <a:t>Fourth Outline Level</a:t>
-            </a:r>
-            <a:endParaRPr b="0" lang="en-US" sz="2400" spc="-1" strike="noStrike">
-              <a:solidFill>
-                <a:srgbClr val="333333"/>
-              </a:solidFill>
-              <a:latin typeface="Noto Sans"/>
-            </a:endParaRPr>
-          </a:p>
-          <a:p>
-            <a:pPr lvl="4" marL="2160000" indent="-216000">
-              <a:spcAft>
-                <a:spcPts val="366"/>
-              </a:spcAft>
-              <a:buClr>
-                <a:srgbClr val="ffffff"/>
+                <a:srgbClr val="000000"/>
               </a:buClr>
               <a:buSzPct val="45000"/>
               <a:buFont typeface="Wingdings" charset="2"/>
               <a:buChar char=""/>
             </a:pPr>
             <a:r>
-              <a:rPr b="0" lang="en-US" sz="2400" spc="-1" strike="noStrike">
-                <a:solidFill>
-                  <a:srgbClr val="333333"/>
-                </a:solidFill>
-                <a:latin typeface="Noto Sans"/>
+              <a:rPr b="0" lang="en-US" sz="2000" spc="-1" strike="noStrike">
+                <a:latin typeface="Arial"/>
               </a:rPr>
-              <a:t>Fifth Outline Level</a:t>
+              <a:t>Sixth Outline Level</a:t>
             </a:r>
-            <a:endParaRPr b="0" lang="en-US" sz="2400" spc="-1" strike="noStrike">
-              <a:solidFill>
-                <a:srgbClr val="333333"/>
-              </a:solidFill>
-              <a:latin typeface="Noto Sans"/>
-            </a:endParaRPr>
-          </a:p>
-          <a:p>
-            <a:pPr lvl="5" marL="2592000" indent="-216000">
-              <a:spcAft>
-                <a:spcPts val="366"/>
-              </a:spcAft>
+            <a:endParaRPr b="0" lang="en-US" sz="2000" spc="-1" strike="noStrike">
+              <a:latin typeface="Arial"/>
+            </a:endParaRPr>
+          </a:p>
+          <a:p>
+            <a:pPr lvl="6" marL="3024000" indent="-216000">
+              <a:spcBef>
+                <a:spcPts val="283"/>
+              </a:spcBef>
               <a:buClr>
-                <a:srgbClr val="ffffff"/>
+                <a:srgbClr val="000000"/>
               </a:buClr>
               <a:buSzPct val="45000"/>
               <a:buFont typeface="Wingdings" charset="2"/>
               <a:buChar char=""/>
             </a:pPr>
             <a:r>
-              <a:rPr b="0" lang="en-US" sz="2400" spc="-1" strike="noStrike">
-                <a:solidFill>
-                  <a:srgbClr val="333333"/>
-                </a:solidFill>
-                <a:latin typeface="Noto Sans"/>
-              </a:rPr>
-              <a:t>Sixth Outline Level</a:t>
-            </a:r>
-            <a:endParaRPr b="0" lang="en-US" sz="2400" spc="-1" strike="noStrike">
-              <a:solidFill>
-                <a:srgbClr val="333333"/>
-              </a:solidFill>
-              <a:latin typeface="Noto Sans"/>
-            </a:endParaRPr>
-          </a:p>
-          <a:p>
-            <a:pPr lvl="6" marL="3024000" indent="-216000">
-              <a:spcAft>
-                <a:spcPts val="366"/>
-              </a:spcAft>
-              <a:buClr>
-                <a:srgbClr val="ffffff"/>
-              </a:buClr>
-              <a:buSzPct val="45000"/>
-              <a:buFont typeface="Wingdings" charset="2"/>
-              <a:buChar char=""/>
-            </a:pPr>
-            <a:r>
-              <a:rPr b="0" lang="en-US" sz="2400" spc="-1" strike="noStrike">
-                <a:solidFill>
-                  <a:srgbClr val="333333"/>
-                </a:solidFill>
-                <a:latin typeface="Noto Sans"/>
+              <a:rPr b="0" lang="en-US" sz="2000" spc="-1" strike="noStrike">
+                <a:latin typeface="Arial"/>
               </a:rPr>
               <a:t>Seventh Outline Level</a:t>
             </a:r>
-            <a:endParaRPr b="0" lang="en-US" sz="2400" spc="-1" strike="noStrike">
-              <a:solidFill>
-                <a:srgbClr val="333333"/>
-              </a:solidFill>
-              <a:latin typeface="Noto Sans"/>
-            </a:endParaRPr>
-          </a:p>
-        </p:txBody>
-      </p:sp>
-      <p:sp>
-        <p:nvSpPr>
-          <p:cNvPr id="2" name="PlaceHolder 3"/>
-          <p:cNvSpPr>
-            <a:spLocks noGrp="1"/>
-          </p:cNvSpPr>
-          <p:nvPr>
-            <p:ph type="dt"/>
-          </p:nvPr>
-        </p:nvSpPr>
-        <p:spPr>
-          <a:xfrm>
-            <a:off x="504000" y="6886440"/>
-            <a:ext cx="2348280" cy="521280"/>
-          </a:xfrm>
-          <a:prstGeom prst="rect">
-            <a:avLst/>
-          </a:prstGeom>
-        </p:spPr>
-        <p:txBody>
-          <a:bodyPr lIns="0" rIns="0" tIns="0" bIns="0">
-            <a:noAutofit/>
-          </a:bodyPr>
-          <a:p>
-            <a:r>
-              <a:rPr b="0" lang="en-US" sz="1400" spc="-1" strike="noStrike">
-                <a:latin typeface="Noto Sans"/>
-              </a:rPr>
-              <a:t>&lt;date/time&gt;</a:t>
-            </a:r>
-            <a:endParaRPr b="0" lang="en-US" sz="1400" spc="-1" strike="noStrike">
-              <a:latin typeface="Noto Sans"/>
-            </a:endParaRPr>
-          </a:p>
-        </p:txBody>
-      </p:sp>
-      <p:sp>
-        <p:nvSpPr>
-          <p:cNvPr id="3" name="PlaceHolder 4"/>
-          <p:cNvSpPr>
-            <a:spLocks noGrp="1"/>
-          </p:cNvSpPr>
-          <p:nvPr>
-            <p:ph type="ftr"/>
-          </p:nvPr>
-        </p:nvSpPr>
-        <p:spPr>
-          <a:xfrm>
-            <a:off x="3447360" y="6886440"/>
-            <a:ext cx="3195000" cy="521280"/>
-          </a:xfrm>
-          <a:prstGeom prst="rect">
-            <a:avLst/>
-          </a:prstGeom>
-        </p:spPr>
-        <p:txBody>
-          <a:bodyPr lIns="0" rIns="0" tIns="0" bIns="0">
-            <a:noAutofit/>
-          </a:bodyPr>
-          <a:p>
-            <a:pPr algn="ctr"/>
-            <a:r>
-              <a:rPr b="0" lang="en-US" sz="1400" spc="-1" strike="noStrike">
-                <a:latin typeface="Noto Sans"/>
-              </a:rPr>
-              <a:t>&lt;footer&gt;</a:t>
-            </a:r>
-            <a:endParaRPr b="0" lang="en-US" sz="1400" spc="-1" strike="noStrike">
-              <a:latin typeface="Noto Sans"/>
-            </a:endParaRPr>
-          </a:p>
-        </p:txBody>
-      </p:sp>
-      <p:sp>
-        <p:nvSpPr>
-          <p:cNvPr id="4" name="PlaceHolder 5"/>
-          <p:cNvSpPr>
-            <a:spLocks noGrp="1"/>
-          </p:cNvSpPr>
-          <p:nvPr>
-            <p:ph type="sldNum"/>
-          </p:nvPr>
-        </p:nvSpPr>
-        <p:spPr>
-          <a:xfrm>
-            <a:off x="7227360" y="6886440"/>
-            <a:ext cx="2348280" cy="521280"/>
-          </a:xfrm>
-          <a:prstGeom prst="rect">
-            <a:avLst/>
-          </a:prstGeom>
-        </p:spPr>
-        <p:txBody>
-          <a:bodyPr lIns="0" rIns="0" tIns="0" bIns="0">
-            <a:noAutofit/>
-          </a:bodyPr>
-          <a:p>
-            <a:pPr algn="r"/>
-            <a:fld id="{A3A8BEB8-5006-40B8-969C-781B782D4129}" type="slidenum">
-              <a:rPr b="0" lang="en-US" sz="1400" spc="-1" strike="noStrike">
-                <a:latin typeface="Noto Sans"/>
-              </a:rPr>
-              <a:t>&lt;number&gt;</a:t>
-            </a:fld>
-            <a:r>
-              <a:rPr b="0" lang="en-US" sz="1400" spc="-1" strike="noStrike">
-                <a:latin typeface="Noto Sans"/>
-              </a:rPr>
-              <a:t> / </a:t>
-            </a:r>
-            <a:fld id="{90A3FBB1-B39D-4533-B66E-FD66D7069A86}" type="slidecount">
-              <a:rPr b="0" lang="en-US" sz="1400" spc="-1" strike="noStrike">
-                <a:latin typeface="Noto Sans"/>
-              </a:rPr>
-              <a:t>17</a:t>
-            </a:fld>
-            <a:endParaRPr b="0" lang="en-US" sz="1400" spc="-1" strike="noStrike">
-              <a:latin typeface="Noto Sans"/>
-            </a:endParaRPr>
-          </a:p>
-        </p:txBody>
-      </p:sp>
-      <p:sp>
-        <p:nvSpPr>
-          <p:cNvPr id="5" name="CustomShape 6"/>
-          <p:cNvSpPr/>
-          <p:nvPr/>
-        </p:nvSpPr>
-        <p:spPr>
-          <a:xfrm>
-            <a:off x="0" y="4320000"/>
-            <a:ext cx="504000" cy="1080000"/>
-          </a:xfrm>
-          <a:prstGeom prst="rect">
-            <a:avLst/>
-          </a:prstGeom>
-          <a:solidFill>
-            <a:srgbClr val="ef2929"/>
-          </a:solidFill>
-          <a:ln>
-            <a:noFill/>
-          </a:ln>
-        </p:spPr>
-        <p:style>
-          <a:lnRef idx="0"/>
-          <a:fillRef idx="0"/>
-          <a:effectRef idx="0"/>
-          <a:fontRef idx="minor"/>
-        </p:style>
+            <a:endParaRPr b="0" lang="en-US" sz="2000" spc="-1" strike="noStrike">
+              <a:latin typeface="Arial"/>
+            </a:endParaRPr>
+          </a:p>
+        </p:txBody>
       </p:sp>
     </p:spTree>
   </p:cSld>
@@ -3403,7 +3041,35 @@
       </p:grpSpPr>
       <p:sp>
         <p:nvSpPr>
-          <p:cNvPr id="42" name="PlaceHolder 1"/>
+          <p:cNvPr id="39" name="CustomShape 1"/>
+          <p:cNvSpPr/>
+          <p:nvPr/>
+        </p:nvSpPr>
+        <p:spPr>
+          <a:xfrm>
+            <a:off x="0" y="288000"/>
+            <a:ext cx="503640" cy="1079640"/>
+          </a:xfrm>
+          <a:prstGeom prst="rect">
+            <a:avLst/>
+          </a:prstGeom>
+          <a:solidFill>
+            <a:srgbClr val="ef2929"/>
+          </a:solidFill>
+          <a:ln>
+            <a:noFill/>
+          </a:ln>
+        </p:spPr>
+        <p:style>
+          <a:lnRef idx="0"/>
+          <a:fillRef idx="0"/>
+          <a:effectRef idx="0"/>
+          <a:fontRef idx="minor"/>
+        </p:style>
+      </p:sp>
+      <p:sp>
+        <p:nvSpPr>
+          <p:cNvPr id="40" name="PlaceHolder 2"/>
           <p:cNvSpPr>
             <a:spLocks noGrp="1"/>
           </p:cNvSpPr>
@@ -3414,7 +3080,7 @@
         <p:spPr>
           <a:xfrm>
             <a:off x="720000" y="300960"/>
-            <a:ext cx="8855640" cy="1262520"/>
+            <a:ext cx="8855280" cy="1262160"/>
           </a:xfrm>
           <a:prstGeom prst="rect">
             <a:avLst/>
@@ -3426,26 +3092,20 @@
           </a:bodyPr>
           <a:p>
             <a:r>
-              <a:rPr b="1" lang="en-US" sz="4400" spc="-1" strike="noStrike">
-                <a:solidFill>
-                  <a:srgbClr val="333333"/>
-                </a:solidFill>
-                <a:latin typeface="Noto Sans"/>
+              <a:rPr b="0" lang="en-US" sz="1800" spc="-1" strike="noStrike">
+                <a:latin typeface="Arial"/>
               </a:rPr>
               <a:t>Click to edit the title text format</a:t>
             </a:r>
-            <a:endParaRPr b="1" lang="en-US" sz="4400" spc="-1" strike="noStrike">
-              <a:solidFill>
-                <a:srgbClr val="333333"/>
-              </a:solidFill>
-              <a:latin typeface="Noto Sans"/>
-            </a:endParaRPr>
-          </a:p>
-        </p:txBody>
-      </p:sp>
-      <p:sp>
-        <p:nvSpPr>
-          <p:cNvPr id="43" name="PlaceHolder 2"/>
+            <a:endParaRPr b="0" lang="en-US" sz="1800" spc="-1" strike="noStrike">
+              <a:latin typeface="Arial"/>
+            </a:endParaRPr>
+          </a:p>
+        </p:txBody>
+      </p:sp>
+      <p:sp>
+        <p:nvSpPr>
+          <p:cNvPr id="41" name="PlaceHolder 3"/>
           <p:cNvSpPr>
             <a:spLocks noGrp="1"/>
           </p:cNvSpPr>
@@ -3456,7 +3116,7 @@
         <p:spPr>
           <a:xfrm>
             <a:off x="720000" y="2160000"/>
-            <a:ext cx="8640000" cy="4384800"/>
+            <a:ext cx="8639640" cy="4384440"/>
           </a:xfrm>
           <a:prstGeom prst="rect">
             <a:avLst/>
@@ -3468,351 +3128,159 @@
           </a:bodyPr>
           <a:p>
             <a:pPr marL="432000" indent="-324000">
-              <a:spcAft>
-                <a:spcPts val="1414"/>
-              </a:spcAft>
+              <a:spcBef>
+                <a:spcPts val="1417"/>
+              </a:spcBef>
               <a:buClr>
-                <a:srgbClr val="ef2929"/>
+                <a:srgbClr val="000000"/>
               </a:buClr>
               <a:buSzPct val="45000"/>
               <a:buFont typeface="Wingdings" charset="2"/>
               <a:buChar char=""/>
             </a:pPr>
             <a:r>
-              <a:rPr b="0" lang="en-US" sz="2800" spc="-1" strike="noStrike">
-                <a:solidFill>
-                  <a:srgbClr val="333333"/>
-                </a:solidFill>
-                <a:latin typeface="Noto Sans"/>
+              <a:rPr b="0" lang="en-US" sz="1800" spc="-1" strike="noStrike">
+                <a:latin typeface="Arial"/>
               </a:rPr>
               <a:t>Click to edit the outline text format</a:t>
             </a:r>
-            <a:endParaRPr b="0" lang="en-US" sz="2800" spc="-1" strike="noStrike">
-              <a:solidFill>
-                <a:srgbClr val="333333"/>
-              </a:solidFill>
-              <a:latin typeface="Noto Sans"/>
+            <a:endParaRPr b="0" lang="en-US" sz="1800" spc="-1" strike="noStrike">
+              <a:latin typeface="Arial"/>
             </a:endParaRPr>
           </a:p>
           <a:p>
             <a:pPr lvl="1" marL="864000" indent="-324000">
-              <a:spcAft>
+              <a:spcBef>
                 <a:spcPts val="1134"/>
-              </a:spcAft>
+              </a:spcBef>
               <a:buClr>
-                <a:srgbClr val="ef2929"/>
+                <a:srgbClr val="000000"/>
               </a:buClr>
               <a:buSzPct val="75000"/>
               <a:buFont typeface="Symbol" charset="2"/>
               <a:buChar char=""/>
             </a:pPr>
             <a:r>
-              <a:rPr b="0" lang="en-US" sz="2800" spc="-1" strike="noStrike">
-                <a:solidFill>
-                  <a:srgbClr val="333333"/>
-                </a:solidFill>
-                <a:latin typeface="Noto Sans"/>
+              <a:rPr b="0" lang="en-US" sz="1800" spc="-1" strike="noStrike">
+                <a:latin typeface="Arial"/>
               </a:rPr>
               <a:t>Second Outline Level</a:t>
             </a:r>
-            <a:endParaRPr b="0" lang="en-US" sz="2800" spc="-1" strike="noStrike">
-              <a:solidFill>
-                <a:srgbClr val="333333"/>
-              </a:solidFill>
-              <a:latin typeface="Noto Sans"/>
+            <a:endParaRPr b="0" lang="en-US" sz="1800" spc="-1" strike="noStrike">
+              <a:latin typeface="Arial"/>
             </a:endParaRPr>
           </a:p>
           <a:p>
             <a:pPr lvl="2" marL="1296000" indent="-288000">
-              <a:spcAft>
-                <a:spcPts val="845"/>
-              </a:spcAft>
+              <a:spcBef>
+                <a:spcPts val="850"/>
+              </a:spcBef>
               <a:buClr>
-                <a:srgbClr val="ef2929"/>
+                <a:srgbClr val="000000"/>
               </a:buClr>
               <a:buSzPct val="45000"/>
               <a:buFont typeface="Wingdings" charset="2"/>
               <a:buChar char=""/>
             </a:pPr>
             <a:r>
-              <a:rPr b="0" lang="en-US" sz="2800" spc="-1" strike="noStrike">
-                <a:solidFill>
-                  <a:srgbClr val="333333"/>
-                </a:solidFill>
-                <a:latin typeface="Noto Sans"/>
+              <a:rPr b="0" lang="en-US" sz="1800" spc="-1" strike="noStrike">
+                <a:latin typeface="Arial"/>
               </a:rPr>
               <a:t>Third Outline Level</a:t>
             </a:r>
-            <a:endParaRPr b="0" lang="en-US" sz="2800" spc="-1" strike="noStrike">
-              <a:solidFill>
-                <a:srgbClr val="333333"/>
-              </a:solidFill>
-              <a:latin typeface="Noto Sans"/>
+            <a:endParaRPr b="0" lang="en-US" sz="1800" spc="-1" strike="noStrike">
+              <a:latin typeface="Arial"/>
             </a:endParaRPr>
           </a:p>
           <a:p>
             <a:pPr lvl="3" marL="1728000" indent="-216000">
-              <a:spcAft>
+              <a:spcBef>
                 <a:spcPts val="567"/>
-              </a:spcAft>
+              </a:spcBef>
               <a:buClr>
-                <a:srgbClr val="ef2929"/>
+                <a:srgbClr val="000000"/>
               </a:buClr>
               <a:buSzPct val="75000"/>
               <a:buFont typeface="Symbol" charset="2"/>
               <a:buChar char=""/>
             </a:pPr>
             <a:r>
-              <a:rPr b="0" lang="en-US" sz="2800" spc="-1" strike="noStrike">
-                <a:solidFill>
-                  <a:srgbClr val="333333"/>
-                </a:solidFill>
-                <a:latin typeface="Noto Sans"/>
+              <a:rPr b="0" lang="en-US" sz="1800" spc="-1" strike="noStrike">
+                <a:latin typeface="Arial"/>
               </a:rPr>
               <a:t>Fourth Outline Level</a:t>
             </a:r>
-            <a:endParaRPr b="0" lang="en-US" sz="2800" spc="-1" strike="noStrike">
-              <a:solidFill>
-                <a:srgbClr val="333333"/>
-              </a:solidFill>
-              <a:latin typeface="Noto Sans"/>
+            <a:endParaRPr b="0" lang="en-US" sz="1800" spc="-1" strike="noStrike">
+              <a:latin typeface="Arial"/>
             </a:endParaRPr>
           </a:p>
           <a:p>
             <a:pPr lvl="4" marL="2160000" indent="-216000">
-              <a:spcAft>
+              <a:spcBef>
                 <a:spcPts val="283"/>
-              </a:spcAft>
+              </a:spcBef>
               <a:buClr>
-                <a:srgbClr val="ef2929"/>
+                <a:srgbClr val="000000"/>
               </a:buClr>
               <a:buSzPct val="45000"/>
               <a:buFont typeface="Wingdings" charset="2"/>
               <a:buChar char=""/>
             </a:pPr>
             <a:r>
-              <a:rPr b="0" lang="en-US" sz="2800" spc="-1" strike="noStrike">
-                <a:solidFill>
-                  <a:srgbClr val="333333"/>
-                </a:solidFill>
-                <a:latin typeface="Noto Sans"/>
+              <a:rPr b="0" lang="en-US" sz="1800" spc="-1" strike="noStrike">
+                <a:latin typeface="Arial"/>
               </a:rPr>
               <a:t>Fifth Outline Level</a:t>
             </a:r>
-            <a:endParaRPr b="0" lang="en-US" sz="2800" spc="-1" strike="noStrike">
-              <a:solidFill>
-                <a:srgbClr val="333333"/>
-              </a:solidFill>
-              <a:latin typeface="Noto Sans"/>
+            <a:endParaRPr b="0" lang="en-US" sz="1800" spc="-1" strike="noStrike">
+              <a:latin typeface="Arial"/>
             </a:endParaRPr>
           </a:p>
           <a:p>
             <a:pPr lvl="5" marL="2592000" indent="-216000">
-              <a:spcAft>
+              <a:spcBef>
                 <a:spcPts val="283"/>
-              </a:spcAft>
+              </a:spcBef>
               <a:buClr>
-                <a:srgbClr val="ef2929"/>
+                <a:srgbClr val="000000"/>
               </a:buClr>
               <a:buSzPct val="45000"/>
               <a:buFont typeface="Wingdings" charset="2"/>
               <a:buChar char=""/>
             </a:pPr>
             <a:r>
-              <a:rPr b="0" lang="en-US" sz="2800" spc="-1" strike="noStrike">
-                <a:solidFill>
-                  <a:srgbClr val="333333"/>
-                </a:solidFill>
-                <a:latin typeface="Noto Sans"/>
+              <a:rPr b="0" lang="en-US" sz="1800" spc="-1" strike="noStrike">
+                <a:latin typeface="Arial"/>
               </a:rPr>
               <a:t>Sixth Outline Level</a:t>
             </a:r>
-            <a:endParaRPr b="0" lang="en-US" sz="2800" spc="-1" strike="noStrike">
-              <a:solidFill>
-                <a:srgbClr val="333333"/>
-              </a:solidFill>
-              <a:latin typeface="Noto Sans"/>
+            <a:endParaRPr b="0" lang="en-US" sz="1800" spc="-1" strike="noStrike">
+              <a:latin typeface="Arial"/>
             </a:endParaRPr>
           </a:p>
           <a:p>
             <a:pPr lvl="6" marL="3024000" indent="-216000">
-              <a:spcAft>
+              <a:spcBef>
                 <a:spcPts val="283"/>
-              </a:spcAft>
+              </a:spcBef>
               <a:buClr>
-                <a:srgbClr val="ef2929"/>
+                <a:srgbClr val="000000"/>
               </a:buClr>
               <a:buSzPct val="45000"/>
               <a:buFont typeface="Wingdings" charset="2"/>
               <a:buChar char=""/>
             </a:pPr>
             <a:r>
-              <a:rPr b="0" lang="en-US" sz="2800" spc="-1" strike="noStrike">
-                <a:solidFill>
-                  <a:srgbClr val="333333"/>
-                </a:solidFill>
-                <a:latin typeface="Noto Sans"/>
+              <a:rPr b="0" lang="en-US" sz="1800" spc="-1" strike="noStrike">
+                <a:latin typeface="Arial"/>
               </a:rPr>
               <a:t>Seventh Outline Level</a:t>
             </a:r>
-            <a:endParaRPr b="0" lang="en-US" sz="2800" spc="-1" strike="noStrike">
-              <a:solidFill>
-                <a:srgbClr val="333333"/>
-              </a:solidFill>
-              <a:latin typeface="Noto Sans"/>
-            </a:endParaRPr>
-          </a:p>
-        </p:txBody>
-      </p:sp>
-      <p:sp>
-        <p:nvSpPr>
-          <p:cNvPr id="44" name="PlaceHolder 3"/>
-          <p:cNvSpPr>
-            <a:spLocks noGrp="1"/>
-          </p:cNvSpPr>
-          <p:nvPr>
-            <p:ph type="dt"/>
-          </p:nvPr>
-        </p:nvSpPr>
-        <p:spPr>
-          <a:xfrm>
-            <a:off x="504000" y="6886800"/>
-            <a:ext cx="2348280" cy="521280"/>
-          </a:xfrm>
-          <a:prstGeom prst="rect">
-            <a:avLst/>
-          </a:prstGeom>
-        </p:spPr>
-        <p:txBody>
-          <a:bodyPr lIns="0" rIns="0" tIns="0" bIns="0">
-            <a:noAutofit/>
-          </a:bodyPr>
-          <a:p>
-            <a:r>
-              <a:rPr b="0" lang="en-US" sz="1400" spc="-1" strike="noStrike">
-                <a:latin typeface="Noto Sans"/>
-              </a:rPr>
-              <a:t>&lt;date/time&gt;</a:t>
-            </a:r>
-            <a:endParaRPr b="0" lang="en-US" sz="1400" spc="-1" strike="noStrike">
-              <a:latin typeface="Noto Sans"/>
-            </a:endParaRPr>
-          </a:p>
-        </p:txBody>
-      </p:sp>
-      <p:sp>
-        <p:nvSpPr>
-          <p:cNvPr id="45" name="PlaceHolder 4"/>
-          <p:cNvSpPr>
-            <a:spLocks noGrp="1"/>
-          </p:cNvSpPr>
-          <p:nvPr>
-            <p:ph type="ftr"/>
-          </p:nvPr>
-        </p:nvSpPr>
-        <p:spPr>
-          <a:xfrm>
-            <a:off x="3447360" y="6886800"/>
-            <a:ext cx="3195000" cy="521280"/>
-          </a:xfrm>
-          <a:prstGeom prst="rect">
-            <a:avLst/>
-          </a:prstGeom>
-        </p:spPr>
-        <p:txBody>
-          <a:bodyPr lIns="0" rIns="0" tIns="0" bIns="0">
-            <a:noAutofit/>
-          </a:bodyPr>
-          <a:p>
-            <a:pPr algn="ctr"/>
-            <a:r>
-              <a:rPr b="0" lang="en-US" sz="1400" spc="-1" strike="noStrike">
-                <a:latin typeface="Noto Sans"/>
-              </a:rPr>
-              <a:t>&lt;footer&gt;</a:t>
-            </a:r>
-            <a:endParaRPr b="0" lang="en-US" sz="1400" spc="-1" strike="noStrike">
-              <a:latin typeface="Noto Sans"/>
-            </a:endParaRPr>
-          </a:p>
-        </p:txBody>
-      </p:sp>
-      <p:sp>
-        <p:nvSpPr>
-          <p:cNvPr id="46" name="PlaceHolder 5"/>
-          <p:cNvSpPr>
-            <a:spLocks noGrp="1"/>
-          </p:cNvSpPr>
-          <p:nvPr>
-            <p:ph type="sldNum"/>
-          </p:nvPr>
-        </p:nvSpPr>
-        <p:spPr>
-          <a:xfrm>
-            <a:off x="7227360" y="6886800"/>
-            <a:ext cx="2348280" cy="521280"/>
-          </a:xfrm>
-          <a:prstGeom prst="rect">
-            <a:avLst/>
-          </a:prstGeom>
-        </p:spPr>
-        <p:txBody>
-          <a:bodyPr lIns="0" rIns="0" tIns="0" bIns="0">
-            <a:noAutofit/>
-          </a:bodyPr>
-          <a:p>
-            <a:pPr algn="r"/>
-            <a:fld id="{9206989E-97F0-41E2-9AA5-F41530B8115B}" type="slidenum">
-              <a:rPr b="0" lang="en-US" sz="1400" spc="-1" strike="noStrike">
-                <a:latin typeface="Noto Sans"/>
-              </a:rPr>
-              <a:t>&lt;number&gt;</a:t>
-            </a:fld>
-            <a:r>
-              <a:rPr b="0" lang="en-US" sz="1400" spc="-1" strike="noStrike">
-                <a:latin typeface="Noto Sans"/>
-              </a:rPr>
-              <a:t> / </a:t>
-            </a:r>
-            <a:fld id="{E534F95F-11A1-4E28-BE50-CF97959A4005}" type="slidecount">
-              <a:rPr b="0" lang="en-US" sz="1400" spc="-1" strike="noStrike">
-                <a:latin typeface="Noto Sans"/>
-              </a:rPr>
-              <a:t>17</a:t>
-            </a:fld>
-            <a:endParaRPr b="0" lang="en-US" sz="1400" spc="-1" strike="noStrike">
-              <a:latin typeface="Noto Sans"/>
-            </a:endParaRPr>
-          </a:p>
-        </p:txBody>
-      </p:sp>
-      <p:sp>
-        <p:nvSpPr>
-          <p:cNvPr id="47" name="CustomShape 6"/>
-          <p:cNvSpPr/>
-          <p:nvPr/>
-        </p:nvSpPr>
-        <p:spPr>
-          <a:xfrm>
-            <a:off x="0" y="288000"/>
-            <a:ext cx="504000" cy="1080000"/>
-          </a:xfrm>
-          <a:prstGeom prst="rect">
-            <a:avLst/>
-          </a:prstGeom>
-          <a:solidFill>
-            <a:srgbClr val="ef2929"/>
-          </a:solidFill>
-          <a:ln>
-            <a:noFill/>
-          </a:ln>
-        </p:spPr>
-        <p:style>
-          <a:lnRef idx="0"/>
-          <a:fillRef idx="0"/>
-          <a:effectRef idx="0"/>
-          <a:fontRef idx="minor"/>
-        </p:style>
+            <a:endParaRPr b="0" lang="en-US" sz="1800" spc="-1" strike="noStrike">
+              <a:latin typeface="Arial"/>
+            </a:endParaRPr>
+          </a:p>
+        </p:txBody>
       </p:sp>
     </p:spTree>
   </p:cSld>
@@ -3853,14 +3321,14 @@
       </p:grpSpPr>
       <p:sp>
         <p:nvSpPr>
-          <p:cNvPr id="84" name="TextShape 1"/>
-          <p:cNvSpPr txBox="1"/>
+          <p:cNvPr id="78" name="CustomShape 1"/>
+          <p:cNvSpPr/>
           <p:nvPr/>
         </p:nvSpPr>
         <p:spPr>
           <a:xfrm>
             <a:off x="792000" y="3993480"/>
-            <a:ext cx="8568000" cy="1661400"/>
+            <a:ext cx="8567640" cy="1661040"/>
           </a:xfrm>
           <a:prstGeom prst="rect">
             <a:avLst/>
@@ -3870,11 +3338,22 @@
             <a:noFill/>
           </a:ln>
         </p:spPr>
+        <p:style>
+          <a:lnRef idx="0"/>
+          <a:fillRef idx="0"/>
+          <a:effectRef idx="0"/>
+          <a:fontRef idx="minor"/>
+        </p:style>
         <p:txBody>
           <a:bodyPr lIns="0" rIns="0" tIns="0" bIns="0" anchor="ctr">
             <a:normAutofit/>
           </a:bodyPr>
           <a:p>
+            <a:pPr>
+              <a:lnSpc>
+                <a:spcPct val="100000"/>
+              </a:lnSpc>
+            </a:pPr>
             <a:r>
               <a:rPr b="1" lang="en-US" sz="4800" spc="-1" strike="noStrike">
                 <a:solidFill>
@@ -3884,25 +3363,22 @@
               </a:rPr>
               <a:t>Alpha Epsilon Gomoku</a:t>
             </a:r>
-            <a:endParaRPr b="1" lang="en-US" sz="4800" spc="-1" strike="noStrike">
-              <a:solidFill>
-                <a:srgbClr val="333333"/>
-              </a:solidFill>
-              <a:latin typeface="Noto Sans"/>
-            </a:endParaRPr>
-          </a:p>
-        </p:txBody>
-      </p:sp>
-      <p:sp>
-        <p:nvSpPr>
-          <p:cNvPr id="85" name="TextShape 2"/>
-          <p:cNvSpPr txBox="1"/>
+            <a:endParaRPr b="0" lang="en-US" sz="4800" spc="-1" strike="noStrike">
+              <a:latin typeface="Arial"/>
+            </a:endParaRPr>
+          </a:p>
+        </p:txBody>
+      </p:sp>
+      <p:sp>
+        <p:nvSpPr>
+          <p:cNvPr id="79" name="CustomShape 2"/>
+          <p:cNvSpPr/>
           <p:nvPr/>
         </p:nvSpPr>
         <p:spPr>
           <a:xfrm>
             <a:off x="792000" y="5904000"/>
-            <a:ext cx="8568000" cy="982440"/>
+            <a:ext cx="8567640" cy="982080"/>
           </a:xfrm>
           <a:prstGeom prst="rect">
             <a:avLst/>
@@ -3912,12 +3388,22 @@
             <a:noFill/>
           </a:ln>
         </p:spPr>
+        <p:style>
+          <a:lnRef idx="0"/>
+          <a:fillRef idx="0"/>
+          <a:effectRef idx="0"/>
+          <a:fontRef idx="minor"/>
+        </p:style>
         <p:txBody>
           <a:bodyPr lIns="0" rIns="0" tIns="0" bIns="0" anchor="ctr">
             <a:noAutofit/>
           </a:bodyPr>
           <a:p>
-            <a:pPr algn="ctr"/>
+            <a:pPr algn="ctr">
+              <a:lnSpc>
+                <a:spcPct val="100000"/>
+              </a:lnSpc>
+            </a:pPr>
             <a:r>
               <a:rPr b="0" lang="en-US" sz="3200" spc="-1" strike="noStrike">
                 <a:latin typeface="Noto Sans"/>
@@ -3925,11 +3411,34 @@
               <a:t>Alpha (almost) Zero on a notebook</a:t>
             </a:r>
             <a:endParaRPr b="0" lang="en-US" sz="3200" spc="-1" strike="noStrike">
-              <a:latin typeface="Noto Sans"/>
-            </a:endParaRPr>
-          </a:p>
-        </p:txBody>
-      </p:sp>
+              <a:latin typeface="Arial"/>
+            </a:endParaRPr>
+          </a:p>
+        </p:txBody>
+      </p:sp>
+      <p:pic>
+        <p:nvPicPr>
+          <p:cNvPr id="80" name="" descr=""/>
+          <p:cNvPicPr/>
+          <p:nvPr/>
+        </p:nvPicPr>
+        <p:blipFill>
+          <a:blip r:embed="rId1"/>
+          <a:stretch/>
+        </p:blipFill>
+        <p:spPr>
+          <a:xfrm>
+            <a:off x="2644200" y="1721520"/>
+            <a:ext cx="4609800" cy="1257120"/>
+          </a:xfrm>
+          <a:prstGeom prst="rect">
+            <a:avLst/>
+          </a:prstGeom>
+          <a:ln>
+            <a:noFill/>
+          </a:ln>
+        </p:spPr>
+      </p:pic>
     </p:spTree>
   </p:cSld>
   <mc:AlternateContent>
@@ -3962,14 +3471,14 @@
       </p:grpSpPr>
       <p:sp>
         <p:nvSpPr>
-          <p:cNvPr id="102" name="TextShape 1"/>
-          <p:cNvSpPr txBox="1"/>
+          <p:cNvPr id="101" name="CustomShape 1"/>
+          <p:cNvSpPr/>
           <p:nvPr/>
         </p:nvSpPr>
         <p:spPr>
           <a:xfrm>
             <a:off x="720000" y="300960"/>
-            <a:ext cx="8855640" cy="1262520"/>
+            <a:ext cx="8855280" cy="1262160"/>
           </a:xfrm>
           <a:prstGeom prst="rect">
             <a:avLst/>
@@ -3979,11 +3488,22 @@
             <a:noFill/>
           </a:ln>
         </p:spPr>
+        <p:style>
+          <a:lnRef idx="0"/>
+          <a:fillRef idx="0"/>
+          <a:effectRef idx="0"/>
+          <a:fontRef idx="minor"/>
+        </p:style>
         <p:txBody>
           <a:bodyPr lIns="0" rIns="0" tIns="0" bIns="0" anchor="ctr">
             <a:noAutofit/>
           </a:bodyPr>
           <a:p>
+            <a:pPr>
+              <a:lnSpc>
+                <a:spcPct val="100000"/>
+              </a:lnSpc>
+            </a:pPr>
             <a:r>
               <a:rPr b="1" lang="en-US" sz="4400" spc="-1" strike="noStrike">
                 <a:solidFill>
@@ -3991,27 +3511,24 @@
                 </a:solidFill>
                 <a:latin typeface="Noto Sans"/>
               </a:rPr>
-              <a:t>Training Cycle</a:t>
+              <a:t>Thinking Fast And Slow</a:t>
             </a:r>
-            <a:endParaRPr b="1" lang="en-US" sz="4400" spc="-1" strike="noStrike">
-              <a:solidFill>
-                <a:srgbClr val="333333"/>
-              </a:solidFill>
-              <a:latin typeface="Noto Sans"/>
-            </a:endParaRPr>
-          </a:p>
-        </p:txBody>
-      </p:sp>
-      <p:sp>
-        <p:nvSpPr>
-          <p:cNvPr id="103" name="TextShape 2"/>
-          <p:cNvSpPr txBox="1"/>
+            <a:endParaRPr b="0" lang="en-US" sz="4400" spc="-1" strike="noStrike">
+              <a:latin typeface="Arial"/>
+            </a:endParaRPr>
+          </a:p>
+        </p:txBody>
+      </p:sp>
+      <p:sp>
+        <p:nvSpPr>
+          <p:cNvPr id="102" name="CustomShape 2"/>
+          <p:cNvSpPr/>
           <p:nvPr/>
         </p:nvSpPr>
         <p:spPr>
           <a:xfrm>
             <a:off x="720000" y="2160000"/>
-            <a:ext cx="8640000" cy="4384800"/>
+            <a:ext cx="8639640" cy="4384440"/>
           </a:xfrm>
           <a:prstGeom prst="rect">
             <a:avLst/>
@@ -4021,12 +3538,21 @@
             <a:noFill/>
           </a:ln>
         </p:spPr>
+        <p:style>
+          <a:lnRef idx="0"/>
+          <a:fillRef idx="0"/>
+          <a:effectRef idx="0"/>
+          <a:fontRef idx="minor"/>
+        </p:style>
         <p:txBody>
           <a:bodyPr lIns="0" rIns="0" tIns="0" bIns="0">
             <a:noAutofit/>
           </a:bodyPr>
           <a:p>
-            <a:pPr marL="432000" indent="-324000">
+            <a:pPr marL="432000" indent="-323640">
+              <a:lnSpc>
+                <a:spcPct val="100000"/>
+              </a:lnSpc>
               <a:spcAft>
                 <a:spcPts val="1414"/>
               </a:spcAft>
@@ -4044,45 +3570,17 @@
                 </a:solidFill>
                 <a:latin typeface="Noto Sans"/>
               </a:rPr>
-              <a:t>Selfplay and record the UTC output</a:t>
+              <a:t>Surprising similarity with human learning and decision making</a:t>
             </a:r>
             <a:endParaRPr b="0" lang="en-US" sz="2800" spc="-1" strike="noStrike">
-              <a:solidFill>
-                <a:srgbClr val="333333"/>
-              </a:solidFill>
-              <a:latin typeface="Noto Sans"/>
-            </a:endParaRPr>
-          </a:p>
-          <a:p>
-            <a:pPr lvl="1" marL="864000" indent="-324000">
-              <a:spcAft>
-                <a:spcPts val="1134"/>
-              </a:spcAft>
-              <a:buClr>
-                <a:srgbClr val="ef2929"/>
-              </a:buClr>
-              <a:buSzPct val="75000"/>
-              <a:buFont typeface="Symbol" charset="2"/>
-              <a:buChar char=""/>
-            </a:pPr>
-            <a:r>
-              <a:rPr b="0" lang="en-US" sz="2800" spc="-1" strike="noStrike">
-                <a:solidFill>
-                  <a:srgbClr val="333333"/>
-                </a:solidFill>
-                <a:latin typeface="Noto Sans"/>
-              </a:rPr>
-              <a:t>UTC output draws knowledge from the ‘future’</a:t>
-            </a:r>
-            <a:endParaRPr b="0" lang="en-US" sz="2800" spc="-1" strike="noStrike">
-              <a:solidFill>
-                <a:srgbClr val="333333"/>
-              </a:solidFill>
-              <a:latin typeface="Noto Sans"/>
-            </a:endParaRPr>
-          </a:p>
-          <a:p>
-            <a:pPr marL="432000" indent="-324000">
+              <a:latin typeface="Arial"/>
+            </a:endParaRPr>
+          </a:p>
+          <a:p>
+            <a:pPr marL="432000" indent="-323640">
+              <a:lnSpc>
+                <a:spcPct val="100000"/>
+              </a:lnSpc>
               <a:spcAft>
                 <a:spcPts val="1414"/>
               </a:spcAft>
@@ -4100,17 +3598,17 @@
                 </a:solidFill>
                 <a:latin typeface="Noto Sans"/>
               </a:rPr>
-              <a:t>Feed the UTC output into the ANN</a:t>
+              <a:t>Researchers now dare to compare human and artificial intelligence</a:t>
             </a:r>
             <a:endParaRPr b="0" lang="en-US" sz="2800" spc="-1" strike="noStrike">
-              <a:solidFill>
-                <a:srgbClr val="333333"/>
-              </a:solidFill>
-              <a:latin typeface="Noto Sans"/>
-            </a:endParaRPr>
-          </a:p>
-          <a:p>
-            <a:pPr marL="432000" indent="-324000">
+              <a:latin typeface="Arial"/>
+            </a:endParaRPr>
+          </a:p>
+          <a:p>
+            <a:pPr marL="432000" indent="-323640">
+              <a:lnSpc>
+                <a:spcPct val="100000"/>
+              </a:lnSpc>
               <a:spcAft>
                 <a:spcPts val="1414"/>
               </a:spcAft>
@@ -4128,69 +3626,10 @@
                 </a:solidFill>
                 <a:latin typeface="Noto Sans"/>
               </a:rPr>
-              <a:t>ANN generalizes (surprisingly well!)</a:t>
+              <a:t> </a:t>
             </a:r>
             <a:endParaRPr b="0" lang="en-US" sz="2800" spc="-1" strike="noStrike">
-              <a:solidFill>
-                <a:srgbClr val="333333"/>
-              </a:solidFill>
-              <a:latin typeface="Noto Sans"/>
-            </a:endParaRPr>
-          </a:p>
-          <a:p>
-            <a:pPr marL="432000" indent="-324000">
-              <a:spcAft>
-                <a:spcPts val="1414"/>
-              </a:spcAft>
-              <a:buClr>
-                <a:srgbClr val="ef2929"/>
-              </a:buClr>
-              <a:buSzPct val="45000"/>
-              <a:buFont typeface="Wingdings" charset="2"/>
-              <a:buChar char=""/>
-            </a:pPr>
-            <a:r>
-              <a:rPr b="0" lang="en-US" sz="2800" spc="-1" strike="noStrike">
-                <a:solidFill>
-                  <a:srgbClr val="333333"/>
-                </a:solidFill>
-                <a:latin typeface="Noto Sans"/>
-              </a:rPr>
-              <a:t>Better advice next time helps focus explorations</a:t>
-            </a:r>
-            <a:endParaRPr b="0" lang="en-US" sz="2800" spc="-1" strike="noStrike">
-              <a:solidFill>
-                <a:srgbClr val="333333"/>
-              </a:solidFill>
-              <a:latin typeface="Noto Sans"/>
-            </a:endParaRPr>
-          </a:p>
-          <a:p>
-            <a:pPr marL="432000" indent="-324000">
-              <a:spcAft>
-                <a:spcPts val="1414"/>
-              </a:spcAft>
-              <a:buClr>
-                <a:srgbClr val="ef2929"/>
-              </a:buClr>
-              <a:buSzPct val="45000"/>
-              <a:buFont typeface="Wingdings" charset="2"/>
-              <a:buChar char=""/>
-            </a:pPr>
-            <a:r>
-              <a:rPr b="0" lang="en-US" sz="2800" spc="-1" strike="noStrike">
-                <a:solidFill>
-                  <a:srgbClr val="333333"/>
-                </a:solidFill>
-                <a:latin typeface="Noto Sans"/>
-              </a:rPr>
-              <a:t>Arena: Let the better advice win</a:t>
-            </a:r>
-            <a:endParaRPr b="0" lang="en-US" sz="2800" spc="-1" strike="noStrike">
-              <a:solidFill>
-                <a:srgbClr val="333333"/>
-              </a:solidFill>
-              <a:latin typeface="Noto Sans"/>
+              <a:latin typeface="Arial"/>
             </a:endParaRPr>
           </a:p>
         </p:txBody>
@@ -4227,14 +3666,14 @@
       </p:grpSpPr>
       <p:sp>
         <p:nvSpPr>
-          <p:cNvPr id="104" name="TextShape 1"/>
-          <p:cNvSpPr txBox="1"/>
+          <p:cNvPr id="103" name="CustomShape 1"/>
+          <p:cNvSpPr/>
           <p:nvPr/>
         </p:nvSpPr>
         <p:spPr>
           <a:xfrm>
             <a:off x="720000" y="300960"/>
-            <a:ext cx="8855640" cy="1262520"/>
+            <a:ext cx="8855280" cy="1262160"/>
           </a:xfrm>
           <a:prstGeom prst="rect">
             <a:avLst/>
@@ -4244,11 +3683,22 @@
             <a:noFill/>
           </a:ln>
         </p:spPr>
+        <p:style>
+          <a:lnRef idx="0"/>
+          <a:fillRef idx="0"/>
+          <a:effectRef idx="0"/>
+          <a:fontRef idx="minor"/>
+        </p:style>
         <p:txBody>
           <a:bodyPr lIns="0" rIns="0" tIns="0" bIns="0" anchor="ctr">
             <a:noAutofit/>
           </a:bodyPr>
           <a:p>
+            <a:pPr>
+              <a:lnSpc>
+                <a:spcPct val="100000"/>
+              </a:lnSpc>
+            </a:pPr>
             <a:r>
               <a:rPr b="1" lang="en-US" sz="4400" spc="-1" strike="noStrike">
                 <a:solidFill>
@@ -4256,27 +3706,24 @@
                 </a:solidFill>
                 <a:latin typeface="Noto Sans"/>
               </a:rPr>
-              <a:t>Thoughts on ANN&amp;PAGS</a:t>
+              <a:t>Training Cycle</a:t>
             </a:r>
-            <a:endParaRPr b="1" lang="en-US" sz="4400" spc="-1" strike="noStrike">
-              <a:solidFill>
-                <a:srgbClr val="333333"/>
-              </a:solidFill>
-              <a:latin typeface="Noto Sans"/>
-            </a:endParaRPr>
-          </a:p>
-        </p:txBody>
-      </p:sp>
-      <p:sp>
-        <p:nvSpPr>
-          <p:cNvPr id="105" name="TextShape 2"/>
-          <p:cNvSpPr txBox="1"/>
+            <a:endParaRPr b="0" lang="en-US" sz="4400" spc="-1" strike="noStrike">
+              <a:latin typeface="Arial"/>
+            </a:endParaRPr>
+          </a:p>
+        </p:txBody>
+      </p:sp>
+      <p:sp>
+        <p:nvSpPr>
+          <p:cNvPr id="104" name="CustomShape 2"/>
+          <p:cNvSpPr/>
           <p:nvPr/>
         </p:nvSpPr>
         <p:spPr>
           <a:xfrm>
             <a:off x="720000" y="2160000"/>
-            <a:ext cx="8640000" cy="4384800"/>
+            <a:ext cx="8639640" cy="4384440"/>
           </a:xfrm>
           <a:prstGeom prst="rect">
             <a:avLst/>
@@ -4286,16 +3733,182 @@
             <a:noFill/>
           </a:ln>
         </p:spPr>
+        <p:style>
+          <a:lnRef idx="0"/>
+          <a:fillRef idx="0"/>
+          <a:effectRef idx="0"/>
+          <a:fontRef idx="minor"/>
+        </p:style>
         <p:txBody>
           <a:bodyPr lIns="0" rIns="0" tIns="0" bIns="0">
             <a:noAutofit/>
           </a:bodyPr>
           <a:p>
+            <a:pPr marL="432000" indent="-323640">
+              <a:lnSpc>
+                <a:spcPct val="100000"/>
+              </a:lnSpc>
+              <a:spcAft>
+                <a:spcPts val="1414"/>
+              </a:spcAft>
+              <a:buClr>
+                <a:srgbClr val="ef2929"/>
+              </a:buClr>
+              <a:buSzPct val="45000"/>
+              <a:buFont typeface="Wingdings" charset="2"/>
+              <a:buChar char=""/>
+            </a:pPr>
+            <a:r>
+              <a:rPr b="0" lang="en-US" sz="2800" spc="-1" strike="noStrike">
+                <a:solidFill>
+                  <a:srgbClr val="333333"/>
+                </a:solidFill>
+                <a:latin typeface="Noto Sans"/>
+              </a:rPr>
+              <a:t>Selfplay and record the UTC output</a:t>
+            </a:r>
             <a:endParaRPr b="0" lang="en-US" sz="2800" spc="-1" strike="noStrike">
-              <a:solidFill>
-                <a:srgbClr val="333333"/>
-              </a:solidFill>
-              <a:latin typeface="Noto Sans"/>
+              <a:latin typeface="Arial"/>
+            </a:endParaRPr>
+          </a:p>
+          <a:p>
+            <a:pPr lvl="1" marL="864000" indent="-323640">
+              <a:lnSpc>
+                <a:spcPct val="100000"/>
+              </a:lnSpc>
+              <a:spcAft>
+                <a:spcPts val="1134"/>
+              </a:spcAft>
+              <a:buClr>
+                <a:srgbClr val="ef2929"/>
+              </a:buClr>
+              <a:buSzPct val="75000"/>
+              <a:buFont typeface="Symbol"/>
+              <a:buChar char=""/>
+            </a:pPr>
+            <a:r>
+              <a:rPr b="0" lang="en-US" sz="2800" spc="-1" strike="noStrike">
+                <a:solidFill>
+                  <a:srgbClr val="333333"/>
+                </a:solidFill>
+                <a:latin typeface="Noto Sans"/>
+              </a:rPr>
+              <a:t>UTC output draws knowledge from the ‘future’</a:t>
+            </a:r>
+            <a:endParaRPr b="0" lang="en-US" sz="2800" spc="-1" strike="noStrike">
+              <a:latin typeface="Arial"/>
+            </a:endParaRPr>
+          </a:p>
+          <a:p>
+            <a:pPr marL="432000" indent="-323640">
+              <a:lnSpc>
+                <a:spcPct val="100000"/>
+              </a:lnSpc>
+              <a:spcAft>
+                <a:spcPts val="1414"/>
+              </a:spcAft>
+              <a:buClr>
+                <a:srgbClr val="ef2929"/>
+              </a:buClr>
+              <a:buSzPct val="45000"/>
+              <a:buFont typeface="Wingdings" charset="2"/>
+              <a:buChar char=""/>
+            </a:pPr>
+            <a:r>
+              <a:rPr b="0" lang="en-US" sz="2800" spc="-1" strike="noStrike">
+                <a:solidFill>
+                  <a:srgbClr val="333333"/>
+                </a:solidFill>
+                <a:latin typeface="Noto Sans"/>
+              </a:rPr>
+              <a:t>Feed the UTC output into the ANN</a:t>
+            </a:r>
+            <a:endParaRPr b="0" lang="en-US" sz="2800" spc="-1" strike="noStrike">
+              <a:latin typeface="Arial"/>
+            </a:endParaRPr>
+          </a:p>
+          <a:p>
+            <a:pPr marL="432000" indent="-323640">
+              <a:lnSpc>
+                <a:spcPct val="100000"/>
+              </a:lnSpc>
+              <a:spcAft>
+                <a:spcPts val="1414"/>
+              </a:spcAft>
+              <a:buClr>
+                <a:srgbClr val="ef2929"/>
+              </a:buClr>
+              <a:buSzPct val="45000"/>
+              <a:buFont typeface="Wingdings" charset="2"/>
+              <a:buChar char=""/>
+            </a:pPr>
+            <a:r>
+              <a:rPr b="0" lang="en-US" sz="2800" spc="-1" strike="noStrike">
+                <a:solidFill>
+                  <a:srgbClr val="333333"/>
+                </a:solidFill>
+                <a:latin typeface="Noto Sans"/>
+              </a:rPr>
+              <a:t>ANN generalizes (surprisingly well!)</a:t>
+            </a:r>
+            <a:endParaRPr b="0" lang="en-US" sz="2800" spc="-1" strike="noStrike">
+              <a:latin typeface="Arial"/>
+            </a:endParaRPr>
+          </a:p>
+          <a:p>
+            <a:pPr marL="432000" indent="-323640">
+              <a:lnSpc>
+                <a:spcPct val="100000"/>
+              </a:lnSpc>
+              <a:spcAft>
+                <a:spcPts val="1414"/>
+              </a:spcAft>
+              <a:buClr>
+                <a:srgbClr val="ef2929"/>
+              </a:buClr>
+              <a:buSzPct val="45000"/>
+              <a:buFont typeface="Wingdings" charset="2"/>
+              <a:buChar char=""/>
+            </a:pPr>
+            <a:r>
+              <a:rPr b="0" lang="en-US" sz="2800" spc="-1" strike="noStrike">
+                <a:solidFill>
+                  <a:srgbClr val="333333"/>
+                </a:solidFill>
+                <a:latin typeface="Noto Sans"/>
+              </a:rPr>
+              <a:t>Better advice next time helps focus explorations</a:t>
+            </a:r>
+            <a:endParaRPr b="0" lang="en-US" sz="2800" spc="-1" strike="noStrike">
+              <a:latin typeface="Arial"/>
+            </a:endParaRPr>
+          </a:p>
+          <a:p>
+            <a:pPr marL="432000" indent="-323640">
+              <a:lnSpc>
+                <a:spcPct val="100000"/>
+              </a:lnSpc>
+              <a:spcAft>
+                <a:spcPts val="1414"/>
+              </a:spcAft>
+              <a:buClr>
+                <a:srgbClr val="ef2929"/>
+              </a:buClr>
+              <a:buSzPct val="45000"/>
+              <a:buFont typeface="Wingdings" charset="2"/>
+              <a:buChar char=""/>
+            </a:pPr>
+            <a:r>
+              <a:rPr b="0" lang="en-US" sz="2800" spc="-1" strike="noStrike">
+                <a:solidFill>
+                  <a:srgbClr val="333333"/>
+                </a:solidFill>
+                <a:latin typeface="Noto Sans"/>
+              </a:rPr>
+              <a:t>Arena: Let the better advice win</a:t>
+            </a:r>
+            <a:endParaRPr b="0" lang="en-US" sz="2800" spc="-1" strike="noStrike">
+              <a:latin typeface="Arial"/>
             </a:endParaRPr>
           </a:p>
         </p:txBody>
@@ -4332,14 +3945,14 @@
       </p:grpSpPr>
       <p:sp>
         <p:nvSpPr>
-          <p:cNvPr id="106" name="TextShape 1"/>
-          <p:cNvSpPr txBox="1"/>
+          <p:cNvPr id="105" name="CustomShape 1"/>
+          <p:cNvSpPr/>
           <p:nvPr/>
         </p:nvSpPr>
         <p:spPr>
           <a:xfrm>
             <a:off x="720000" y="300960"/>
-            <a:ext cx="8855640" cy="1262520"/>
+            <a:ext cx="8855280" cy="1262160"/>
           </a:xfrm>
           <a:prstGeom prst="rect">
             <a:avLst/>
@@ -4349,30 +3962,47 @@
             <a:noFill/>
           </a:ln>
         </p:spPr>
+        <p:style>
+          <a:lnRef idx="0"/>
+          <a:fillRef idx="0"/>
+          <a:effectRef idx="0"/>
+          <a:fontRef idx="minor"/>
+        </p:style>
         <p:txBody>
           <a:bodyPr lIns="0" rIns="0" tIns="0" bIns="0" anchor="ctr">
             <a:noAutofit/>
           </a:bodyPr>
           <a:p>
-            <a:endParaRPr b="1" lang="en-US" sz="4400" spc="-1" strike="noStrike">
-              <a:solidFill>
-                <a:srgbClr val="333333"/>
-              </a:solidFill>
-              <a:latin typeface="Noto Sans"/>
-            </a:endParaRPr>
-          </a:p>
-        </p:txBody>
-      </p:sp>
-      <p:sp>
-        <p:nvSpPr>
-          <p:cNvPr id="107" name="TextShape 2"/>
-          <p:cNvSpPr txBox="1"/>
+            <a:pPr>
+              <a:lnSpc>
+                <a:spcPct val="100000"/>
+              </a:lnSpc>
+            </a:pPr>
+            <a:r>
+              <a:rPr b="1" lang="en-US" sz="4400" spc="-1" strike="noStrike">
+                <a:solidFill>
+                  <a:srgbClr val="333333"/>
+                </a:solidFill>
+                <a:latin typeface="Noto Sans"/>
+              </a:rPr>
+              <a:t>Thoughts on ANN&amp;PAGS</a:t>
+            </a:r>
+            <a:endParaRPr b="0" lang="en-US" sz="4400" spc="-1" strike="noStrike">
+              <a:latin typeface="Arial"/>
+            </a:endParaRPr>
+          </a:p>
+        </p:txBody>
+      </p:sp>
+      <p:sp>
+        <p:nvSpPr>
+          <p:cNvPr id="106" name="CustomShape 2"/>
+          <p:cNvSpPr/>
           <p:nvPr/>
         </p:nvSpPr>
         <p:spPr>
           <a:xfrm>
             <a:off x="720000" y="2160000"/>
-            <a:ext cx="8640000" cy="4384800"/>
+            <a:ext cx="8639640" cy="4384440"/>
           </a:xfrm>
           <a:prstGeom prst="rect">
             <a:avLst/>
@@ -4382,19 +4012,12 @@
             <a:noFill/>
           </a:ln>
         </p:spPr>
-        <p:txBody>
-          <a:bodyPr lIns="0" rIns="0" tIns="0" bIns="0">
-            <a:noAutofit/>
-          </a:bodyPr>
-          <a:p>
-            <a:endParaRPr b="0" lang="en-US" sz="2800" spc="-1" strike="noStrike">
-              <a:solidFill>
-                <a:srgbClr val="333333"/>
-              </a:solidFill>
-              <a:latin typeface="Noto Sans"/>
-            </a:endParaRPr>
-          </a:p>
-        </p:txBody>
+        <p:style>
+          <a:lnRef idx="0"/>
+          <a:fillRef idx="0"/>
+          <a:effectRef idx="0"/>
+          <a:fontRef idx="minor"/>
+        </p:style>
       </p:sp>
     </p:spTree>
   </p:cSld>
@@ -4428,14 +4051,14 @@
       </p:grpSpPr>
       <p:sp>
         <p:nvSpPr>
-          <p:cNvPr id="108" name="TextShape 1"/>
-          <p:cNvSpPr txBox="1"/>
+          <p:cNvPr id="107" name="CustomShape 1"/>
+          <p:cNvSpPr/>
           <p:nvPr/>
         </p:nvSpPr>
         <p:spPr>
           <a:xfrm>
             <a:off x="720000" y="300960"/>
-            <a:ext cx="8855640" cy="1262520"/>
+            <a:ext cx="8855280" cy="1262160"/>
           </a:xfrm>
           <a:prstGeom prst="rect">
             <a:avLst/>
@@ -4445,30 +4068,23 @@
             <a:noFill/>
           </a:ln>
         </p:spPr>
-        <p:txBody>
-          <a:bodyPr lIns="0" rIns="0" tIns="0" bIns="0" anchor="ctr">
-            <a:noAutofit/>
-          </a:bodyPr>
-          <a:p>
-            <a:endParaRPr b="1" lang="en-US" sz="4400" spc="-1" strike="noStrike">
-              <a:solidFill>
-                <a:srgbClr val="333333"/>
-              </a:solidFill>
-              <a:latin typeface="Noto Sans"/>
-            </a:endParaRPr>
-          </a:p>
-        </p:txBody>
-      </p:sp>
-      <p:sp>
-        <p:nvSpPr>
-          <p:cNvPr id="109" name="TextShape 2"/>
-          <p:cNvSpPr txBox="1"/>
+        <p:style>
+          <a:lnRef idx="0"/>
+          <a:fillRef idx="0"/>
+          <a:effectRef idx="0"/>
+          <a:fontRef idx="minor"/>
+        </p:style>
+      </p:sp>
+      <p:sp>
+        <p:nvSpPr>
+          <p:cNvPr id="108" name="CustomShape 2"/>
+          <p:cNvSpPr/>
           <p:nvPr/>
         </p:nvSpPr>
         <p:spPr>
           <a:xfrm>
             <a:off x="720000" y="2160000"/>
-            <a:ext cx="8640000" cy="4384800"/>
+            <a:ext cx="8639640" cy="4384440"/>
           </a:xfrm>
           <a:prstGeom prst="rect">
             <a:avLst/>
@@ -4478,19 +4094,12 @@
             <a:noFill/>
           </a:ln>
         </p:spPr>
-        <p:txBody>
-          <a:bodyPr lIns="0" rIns="0" tIns="0" bIns="0">
-            <a:noAutofit/>
-          </a:bodyPr>
-          <a:p>
-            <a:endParaRPr b="0" lang="en-US" sz="2800" spc="-1" strike="noStrike">
-              <a:solidFill>
-                <a:srgbClr val="333333"/>
-              </a:solidFill>
-              <a:latin typeface="Noto Sans"/>
-            </a:endParaRPr>
-          </a:p>
-        </p:txBody>
+        <p:style>
+          <a:lnRef idx="0"/>
+          <a:fillRef idx="0"/>
+          <a:effectRef idx="0"/>
+          <a:fontRef idx="minor"/>
+        </p:style>
       </p:sp>
     </p:spTree>
   </p:cSld>
@@ -4524,14 +4133,14 @@
       </p:grpSpPr>
       <p:sp>
         <p:nvSpPr>
-          <p:cNvPr id="110" name="TextShape 1"/>
-          <p:cNvSpPr txBox="1"/>
+          <p:cNvPr id="109" name="CustomShape 1"/>
+          <p:cNvSpPr/>
           <p:nvPr/>
         </p:nvSpPr>
         <p:spPr>
           <a:xfrm>
             <a:off x="720000" y="300960"/>
-            <a:ext cx="8855640" cy="1262520"/>
+            <a:ext cx="8855280" cy="1262160"/>
           </a:xfrm>
           <a:prstGeom prst="rect">
             <a:avLst/>
@@ -4541,30 +4150,23 @@
             <a:noFill/>
           </a:ln>
         </p:spPr>
-        <p:txBody>
-          <a:bodyPr lIns="0" rIns="0" tIns="0" bIns="0" anchor="ctr">
-            <a:noAutofit/>
-          </a:bodyPr>
-          <a:p>
-            <a:endParaRPr b="1" lang="en-US" sz="4400" spc="-1" strike="noStrike">
-              <a:solidFill>
-                <a:srgbClr val="333333"/>
-              </a:solidFill>
-              <a:latin typeface="Noto Sans"/>
-            </a:endParaRPr>
-          </a:p>
-        </p:txBody>
-      </p:sp>
-      <p:sp>
-        <p:nvSpPr>
-          <p:cNvPr id="111" name="TextShape 2"/>
-          <p:cNvSpPr txBox="1"/>
+        <p:style>
+          <a:lnRef idx="0"/>
+          <a:fillRef idx="0"/>
+          <a:effectRef idx="0"/>
+          <a:fontRef idx="minor"/>
+        </p:style>
+      </p:sp>
+      <p:sp>
+        <p:nvSpPr>
+          <p:cNvPr id="110" name="CustomShape 2"/>
+          <p:cNvSpPr/>
           <p:nvPr/>
         </p:nvSpPr>
         <p:spPr>
           <a:xfrm>
             <a:off x="720000" y="2160000"/>
-            <a:ext cx="8640000" cy="4384800"/>
+            <a:ext cx="8639640" cy="4384440"/>
           </a:xfrm>
           <a:prstGeom prst="rect">
             <a:avLst/>
@@ -4574,19 +4176,12 @@
             <a:noFill/>
           </a:ln>
         </p:spPr>
-        <p:txBody>
-          <a:bodyPr lIns="0" rIns="0" tIns="0" bIns="0">
-            <a:noAutofit/>
-          </a:bodyPr>
-          <a:p>
-            <a:endParaRPr b="0" lang="en-US" sz="2800" spc="-1" strike="noStrike">
-              <a:solidFill>
-                <a:srgbClr val="333333"/>
-              </a:solidFill>
-              <a:latin typeface="Noto Sans"/>
-            </a:endParaRPr>
-          </a:p>
-        </p:txBody>
+        <p:style>
+          <a:lnRef idx="0"/>
+          <a:fillRef idx="0"/>
+          <a:effectRef idx="0"/>
+          <a:fontRef idx="minor"/>
+        </p:style>
       </p:sp>
     </p:spTree>
   </p:cSld>
@@ -4620,14 +4215,14 @@
       </p:grpSpPr>
       <p:sp>
         <p:nvSpPr>
-          <p:cNvPr id="112" name="TextShape 1"/>
-          <p:cNvSpPr txBox="1"/>
+          <p:cNvPr id="111" name="CustomShape 1"/>
+          <p:cNvSpPr/>
           <p:nvPr/>
         </p:nvSpPr>
         <p:spPr>
           <a:xfrm>
             <a:off x="720000" y="300960"/>
-            <a:ext cx="8855640" cy="1262520"/>
+            <a:ext cx="8855280" cy="1262160"/>
           </a:xfrm>
           <a:prstGeom prst="rect">
             <a:avLst/>
@@ -4637,30 +4232,23 @@
             <a:noFill/>
           </a:ln>
         </p:spPr>
-        <p:txBody>
-          <a:bodyPr lIns="0" rIns="0" tIns="0" bIns="0" anchor="ctr">
-            <a:noAutofit/>
-          </a:bodyPr>
-          <a:p>
-            <a:endParaRPr b="1" lang="en-US" sz="4400" spc="-1" strike="noStrike">
-              <a:solidFill>
-                <a:srgbClr val="333333"/>
-              </a:solidFill>
-              <a:latin typeface="Noto Sans"/>
-            </a:endParaRPr>
-          </a:p>
-        </p:txBody>
-      </p:sp>
-      <p:sp>
-        <p:nvSpPr>
-          <p:cNvPr id="113" name="TextShape 2"/>
-          <p:cNvSpPr txBox="1"/>
+        <p:style>
+          <a:lnRef idx="0"/>
+          <a:fillRef idx="0"/>
+          <a:effectRef idx="0"/>
+          <a:fontRef idx="minor"/>
+        </p:style>
+      </p:sp>
+      <p:sp>
+        <p:nvSpPr>
+          <p:cNvPr id="112" name="CustomShape 2"/>
+          <p:cNvSpPr/>
           <p:nvPr/>
         </p:nvSpPr>
         <p:spPr>
           <a:xfrm>
             <a:off x="720000" y="2160000"/>
-            <a:ext cx="8640000" cy="4384800"/>
+            <a:ext cx="8639640" cy="4384440"/>
           </a:xfrm>
           <a:prstGeom prst="rect">
             <a:avLst/>
@@ -4670,19 +4258,12 @@
             <a:noFill/>
           </a:ln>
         </p:spPr>
-        <p:txBody>
-          <a:bodyPr lIns="0" rIns="0" tIns="0" bIns="0">
-            <a:noAutofit/>
-          </a:bodyPr>
-          <a:p>
-            <a:endParaRPr b="0" lang="en-US" sz="2800" spc="-1" strike="noStrike">
-              <a:solidFill>
-                <a:srgbClr val="333333"/>
-              </a:solidFill>
-              <a:latin typeface="Noto Sans"/>
-            </a:endParaRPr>
-          </a:p>
-        </p:txBody>
+        <p:style>
+          <a:lnRef idx="0"/>
+          <a:fillRef idx="0"/>
+          <a:effectRef idx="0"/>
+          <a:fontRef idx="minor"/>
+        </p:style>
       </p:sp>
     </p:spTree>
   </p:cSld>
@@ -4716,14 +4297,14 @@
       </p:grpSpPr>
       <p:sp>
         <p:nvSpPr>
-          <p:cNvPr id="114" name="TextShape 1"/>
-          <p:cNvSpPr txBox="1"/>
+          <p:cNvPr id="113" name="CustomShape 1"/>
+          <p:cNvSpPr/>
           <p:nvPr/>
         </p:nvSpPr>
         <p:spPr>
           <a:xfrm>
             <a:off x="720000" y="300960"/>
-            <a:ext cx="8855640" cy="1262520"/>
+            <a:ext cx="8855280" cy="1262160"/>
           </a:xfrm>
           <a:prstGeom prst="rect">
             <a:avLst/>
@@ -4733,30 +4314,23 @@
             <a:noFill/>
           </a:ln>
         </p:spPr>
-        <p:txBody>
-          <a:bodyPr lIns="0" rIns="0" tIns="0" bIns="0" anchor="ctr">
-            <a:noAutofit/>
-          </a:bodyPr>
-          <a:p>
-            <a:endParaRPr b="1" lang="en-US" sz="4400" spc="-1" strike="noStrike">
-              <a:solidFill>
-                <a:srgbClr val="333333"/>
-              </a:solidFill>
-              <a:latin typeface="Noto Sans"/>
-            </a:endParaRPr>
-          </a:p>
-        </p:txBody>
-      </p:sp>
-      <p:sp>
-        <p:nvSpPr>
-          <p:cNvPr id="115" name="TextShape 2"/>
-          <p:cNvSpPr txBox="1"/>
+        <p:style>
+          <a:lnRef idx="0"/>
+          <a:fillRef idx="0"/>
+          <a:effectRef idx="0"/>
+          <a:fontRef idx="minor"/>
+        </p:style>
+      </p:sp>
+      <p:sp>
+        <p:nvSpPr>
+          <p:cNvPr id="114" name="CustomShape 2"/>
+          <p:cNvSpPr/>
           <p:nvPr/>
         </p:nvSpPr>
         <p:spPr>
           <a:xfrm>
             <a:off x="720000" y="2160000"/>
-            <a:ext cx="8640000" cy="4384800"/>
+            <a:ext cx="8639640" cy="4384440"/>
           </a:xfrm>
           <a:prstGeom prst="rect">
             <a:avLst/>
@@ -4766,19 +4340,12 @@
             <a:noFill/>
           </a:ln>
         </p:spPr>
-        <p:txBody>
-          <a:bodyPr lIns="0" rIns="0" tIns="0" bIns="0">
-            <a:noAutofit/>
-          </a:bodyPr>
-          <a:p>
-            <a:endParaRPr b="0" lang="en-US" sz="2800" spc="-1" strike="noStrike">
-              <a:solidFill>
-                <a:srgbClr val="333333"/>
-              </a:solidFill>
-              <a:latin typeface="Noto Sans"/>
-            </a:endParaRPr>
-          </a:p>
-        </p:txBody>
+        <p:style>
+          <a:lnRef idx="0"/>
+          <a:fillRef idx="0"/>
+          <a:effectRef idx="0"/>
+          <a:fontRef idx="minor"/>
+        </p:style>
       </p:sp>
     </p:spTree>
   </p:cSld>
@@ -4812,14 +4379,14 @@
       </p:grpSpPr>
       <p:sp>
         <p:nvSpPr>
-          <p:cNvPr id="116" name="TextShape 1"/>
-          <p:cNvSpPr txBox="1"/>
+          <p:cNvPr id="115" name="CustomShape 1"/>
+          <p:cNvSpPr/>
           <p:nvPr/>
         </p:nvSpPr>
         <p:spPr>
           <a:xfrm>
             <a:off x="720000" y="300960"/>
-            <a:ext cx="8855640" cy="1262520"/>
+            <a:ext cx="8855280" cy="1262160"/>
           </a:xfrm>
           <a:prstGeom prst="rect">
             <a:avLst/>
@@ -4829,30 +4396,23 @@
             <a:noFill/>
           </a:ln>
         </p:spPr>
-        <p:txBody>
-          <a:bodyPr lIns="0" rIns="0" tIns="0" bIns="0" anchor="ctr">
-            <a:noAutofit/>
-          </a:bodyPr>
-          <a:p>
-            <a:endParaRPr b="1" lang="en-US" sz="4400" spc="-1" strike="noStrike">
-              <a:solidFill>
-                <a:srgbClr val="333333"/>
-              </a:solidFill>
-              <a:latin typeface="Noto Sans"/>
-            </a:endParaRPr>
-          </a:p>
-        </p:txBody>
-      </p:sp>
-      <p:sp>
-        <p:nvSpPr>
-          <p:cNvPr id="117" name="TextShape 2"/>
-          <p:cNvSpPr txBox="1"/>
+        <p:style>
+          <a:lnRef idx="0"/>
+          <a:fillRef idx="0"/>
+          <a:effectRef idx="0"/>
+          <a:fontRef idx="minor"/>
+        </p:style>
+      </p:sp>
+      <p:sp>
+        <p:nvSpPr>
+          <p:cNvPr id="116" name="CustomShape 2"/>
+          <p:cNvSpPr/>
           <p:nvPr/>
         </p:nvSpPr>
         <p:spPr>
           <a:xfrm>
             <a:off x="720000" y="2160000"/>
-            <a:ext cx="8640000" cy="4384800"/>
+            <a:ext cx="8639640" cy="4384440"/>
           </a:xfrm>
           <a:prstGeom prst="rect">
             <a:avLst/>
@@ -4862,19 +4422,94 @@
             <a:noFill/>
           </a:ln>
         </p:spPr>
-        <p:txBody>
-          <a:bodyPr lIns="0" rIns="0" tIns="0" bIns="0">
-            <a:noAutofit/>
-          </a:bodyPr>
-          <a:p>
-            <a:endParaRPr b="0" lang="en-US" sz="2800" spc="-1" strike="noStrike">
-              <a:solidFill>
-                <a:srgbClr val="333333"/>
-              </a:solidFill>
-              <a:latin typeface="Noto Sans"/>
-            </a:endParaRPr>
-          </a:p>
-        </p:txBody>
+        <p:style>
+          <a:lnRef idx="0"/>
+          <a:fillRef idx="0"/>
+          <a:effectRef idx="0"/>
+          <a:fontRef idx="minor"/>
+        </p:style>
+      </p:sp>
+    </p:spTree>
+  </p:cSld>
+  <mc:AlternateContent>
+    <mc:Choice Requires="p14">
+      <p:transition spd="slow" p14:dur="2000"/>
+    </mc:Choice>
+    <mc:Fallback>
+      <p:transition spd="slow"/>
+    </mc:Fallback>
+  </mc:AlternateContent>
+</p:sld>
+</file>
+
+<file path=ppt/slides/slide18.xml><?xml version="1.0" encoding="utf-8"?>
+<p:sld xmlns:a="http://schemas.openxmlformats.org/drawingml/2006/main" xmlns:p="http://schemas.openxmlformats.org/presentationml/2006/main" xmlns:r="http://schemas.openxmlformats.org/officeDocument/2006/relationships" xmlns:p14="http://schemas.microsoft.com/office/powerpoint/2010/main" xmlns:p15="http://schemas.microsoft.com/office/powerpoint/2012/main" xmlns:mc="http://schemas.openxmlformats.org/markup-compatibility/2006">
+  <p:cSld>
+    <p:spTree>
+      <p:nvGrpSpPr>
+        <p:cNvPr id="1" name=""/>
+        <p:cNvGrpSpPr/>
+        <p:nvPr/>
+      </p:nvGrpSpPr>
+      <p:grpSpPr>
+        <a:xfrm>
+          <a:off x="0" y="0"/>
+          <a:ext cx="0" cy="0"/>
+          <a:chOff x="0" y="0"/>
+          <a:chExt cx="0" cy="0"/>
+        </a:xfrm>
+      </p:grpSpPr>
+      <p:sp>
+        <p:nvSpPr>
+          <p:cNvPr id="117" name="CustomShape 1"/>
+          <p:cNvSpPr/>
+          <p:nvPr/>
+        </p:nvSpPr>
+        <p:spPr>
+          <a:xfrm>
+            <a:off x="720000" y="300960"/>
+            <a:ext cx="8855280" cy="1262160"/>
+          </a:xfrm>
+          <a:prstGeom prst="rect">
+            <a:avLst/>
+          </a:prstGeom>
+          <a:noFill/>
+          <a:ln>
+            <a:noFill/>
+          </a:ln>
+        </p:spPr>
+        <p:style>
+          <a:lnRef idx="0"/>
+          <a:fillRef idx="0"/>
+          <a:effectRef idx="0"/>
+          <a:fontRef idx="minor"/>
+        </p:style>
+      </p:sp>
+      <p:sp>
+        <p:nvSpPr>
+          <p:cNvPr id="118" name="CustomShape 2"/>
+          <p:cNvSpPr/>
+          <p:nvPr/>
+        </p:nvSpPr>
+        <p:spPr>
+          <a:xfrm>
+            <a:off x="720000" y="2160000"/>
+            <a:ext cx="8639640" cy="4384440"/>
+          </a:xfrm>
+          <a:prstGeom prst="rect">
+            <a:avLst/>
+          </a:prstGeom>
+          <a:noFill/>
+          <a:ln>
+            <a:noFill/>
+          </a:ln>
+        </p:spPr>
+        <p:style>
+          <a:lnRef idx="0"/>
+          <a:fillRef idx="0"/>
+          <a:effectRef idx="0"/>
+          <a:fontRef idx="minor"/>
+        </p:style>
       </p:sp>
     </p:spTree>
   </p:cSld>
@@ -4908,14 +4543,14 @@
       </p:grpSpPr>
       <p:sp>
         <p:nvSpPr>
-          <p:cNvPr id="86" name="TextShape 1"/>
-          <p:cNvSpPr txBox="1"/>
+          <p:cNvPr id="81" name="CustomShape 1"/>
+          <p:cNvSpPr/>
           <p:nvPr/>
         </p:nvSpPr>
         <p:spPr>
           <a:xfrm>
             <a:off x="720000" y="300960"/>
-            <a:ext cx="8855640" cy="1262520"/>
+            <a:ext cx="8855280" cy="1262160"/>
           </a:xfrm>
           <a:prstGeom prst="rect">
             <a:avLst/>
@@ -4925,11 +4560,22 @@
             <a:noFill/>
           </a:ln>
         </p:spPr>
+        <p:style>
+          <a:lnRef idx="0"/>
+          <a:fillRef idx="0"/>
+          <a:effectRef idx="0"/>
+          <a:fontRef idx="minor"/>
+        </p:style>
         <p:txBody>
           <a:bodyPr lIns="0" rIns="0" tIns="0" bIns="0" anchor="ctr">
             <a:noAutofit/>
           </a:bodyPr>
           <a:p>
+            <a:pPr>
+              <a:lnSpc>
+                <a:spcPct val="100000"/>
+              </a:lnSpc>
+            </a:pPr>
             <a:r>
               <a:rPr b="1" lang="en-US" sz="4400" spc="-1" strike="noStrike">
                 <a:solidFill>
@@ -4939,25 +4585,22 @@
               </a:rPr>
               <a:t>Alpha Zero</a:t>
             </a:r>
-            <a:endParaRPr b="1" lang="en-US" sz="4400" spc="-1" strike="noStrike">
-              <a:solidFill>
-                <a:srgbClr val="333333"/>
-              </a:solidFill>
-              <a:latin typeface="Noto Sans"/>
-            </a:endParaRPr>
-          </a:p>
-        </p:txBody>
-      </p:sp>
-      <p:sp>
-        <p:nvSpPr>
-          <p:cNvPr id="87" name="TextShape 2"/>
-          <p:cNvSpPr txBox="1"/>
+            <a:endParaRPr b="0" lang="en-US" sz="4400" spc="-1" strike="noStrike">
+              <a:latin typeface="Arial"/>
+            </a:endParaRPr>
+          </a:p>
+        </p:txBody>
+      </p:sp>
+      <p:sp>
+        <p:nvSpPr>
+          <p:cNvPr id="82" name="CustomShape 2"/>
+          <p:cNvSpPr/>
           <p:nvPr/>
         </p:nvSpPr>
         <p:spPr>
           <a:xfrm>
             <a:off x="720000" y="2160000"/>
-            <a:ext cx="8640000" cy="4384800"/>
+            <a:ext cx="8639640" cy="4384440"/>
           </a:xfrm>
           <a:prstGeom prst="rect">
             <a:avLst/>
@@ -4967,19 +4610,12 @@
             <a:noFill/>
           </a:ln>
         </p:spPr>
-        <p:txBody>
-          <a:bodyPr lIns="0" rIns="0" tIns="0" bIns="0">
-            <a:noAutofit/>
-          </a:bodyPr>
-          <a:p>
-            <a:endParaRPr b="0" lang="en-US" sz="2800" spc="-1" strike="noStrike">
-              <a:solidFill>
-                <a:srgbClr val="333333"/>
-              </a:solidFill>
-              <a:latin typeface="Noto Sans"/>
-            </a:endParaRPr>
-          </a:p>
-        </p:txBody>
+        <p:style>
+          <a:lnRef idx="0"/>
+          <a:fillRef idx="0"/>
+          <a:effectRef idx="0"/>
+          <a:fontRef idx="minor"/>
+        </p:style>
       </p:sp>
     </p:spTree>
   </p:cSld>
@@ -5013,14 +4649,14 @@
       </p:grpSpPr>
       <p:sp>
         <p:nvSpPr>
-          <p:cNvPr id="88" name="TextShape 1"/>
-          <p:cNvSpPr txBox="1"/>
+          <p:cNvPr id="83" name="CustomShape 1"/>
+          <p:cNvSpPr/>
           <p:nvPr/>
         </p:nvSpPr>
         <p:spPr>
           <a:xfrm>
             <a:off x="720000" y="300600"/>
-            <a:ext cx="8855640" cy="1262520"/>
+            <a:ext cx="8855280" cy="1262160"/>
           </a:xfrm>
           <a:prstGeom prst="rect">
             <a:avLst/>
@@ -5030,11 +4666,22 @@
             <a:noFill/>
           </a:ln>
         </p:spPr>
+        <p:style>
+          <a:lnRef idx="0"/>
+          <a:fillRef idx="0"/>
+          <a:effectRef idx="0"/>
+          <a:fontRef idx="minor"/>
+        </p:style>
         <p:txBody>
           <a:bodyPr lIns="0" rIns="0" tIns="0" bIns="0" anchor="ctr">
             <a:noAutofit/>
           </a:bodyPr>
           <a:p>
+            <a:pPr>
+              <a:lnSpc>
+                <a:spcPct val="100000"/>
+              </a:lnSpc>
+            </a:pPr>
             <a:r>
               <a:rPr b="1" lang="en-US" sz="3600" spc="-1" strike="noStrike">
                 <a:solidFill>
@@ -5054,25 +4701,22 @@
               </a:rPr>
               <a:t>Policy-Advised Graph Search</a:t>
             </a:r>
-            <a:endParaRPr b="1" lang="en-US" sz="3600" spc="-1" strike="noStrike">
-              <a:solidFill>
-                <a:srgbClr val="333333"/>
-              </a:solidFill>
-              <a:latin typeface="Noto Sans"/>
-            </a:endParaRPr>
-          </a:p>
-        </p:txBody>
-      </p:sp>
-      <p:sp>
-        <p:nvSpPr>
-          <p:cNvPr id="89" name="TextShape 2"/>
-          <p:cNvSpPr txBox="1"/>
+            <a:endParaRPr b="0" lang="en-US" sz="3600" spc="-1" strike="noStrike">
+              <a:latin typeface="Arial"/>
+            </a:endParaRPr>
+          </a:p>
+        </p:txBody>
+      </p:sp>
+      <p:sp>
+        <p:nvSpPr>
+          <p:cNvPr id="84" name="CustomShape 2"/>
+          <p:cNvSpPr/>
           <p:nvPr/>
         </p:nvSpPr>
         <p:spPr>
           <a:xfrm>
             <a:off x="720000" y="2160000"/>
-            <a:ext cx="8640000" cy="4384800"/>
+            <a:ext cx="8639640" cy="4384440"/>
           </a:xfrm>
           <a:prstGeom prst="rect">
             <a:avLst/>
@@ -5082,12 +4726,21 @@
             <a:noFill/>
           </a:ln>
         </p:spPr>
+        <p:style>
+          <a:lnRef idx="0"/>
+          <a:fillRef idx="0"/>
+          <a:effectRef idx="0"/>
+          <a:fontRef idx="minor"/>
+        </p:style>
         <p:txBody>
           <a:bodyPr lIns="0" rIns="0" tIns="0" bIns="0">
             <a:noAutofit/>
           </a:bodyPr>
           <a:p>
-            <a:pPr marL="432000" indent="-324000">
+            <a:pPr marL="432000" indent="-323640">
+              <a:lnSpc>
+                <a:spcPct val="100000"/>
+              </a:lnSpc>
               <a:spcAft>
                 <a:spcPts val="1414"/>
               </a:spcAft>
@@ -5108,14 +4761,14 @@
               <a:t>Monte Carlo Rollouts replaced by value advice.</a:t>
             </a:r>
             <a:endParaRPr b="0" lang="en-US" sz="2800" spc="-1" strike="noStrike">
-              <a:solidFill>
-                <a:srgbClr val="333333"/>
-              </a:solidFill>
-              <a:latin typeface="Noto Sans"/>
-            </a:endParaRPr>
-          </a:p>
-          <a:p>
-            <a:pPr marL="432000" indent="-324000">
+              <a:latin typeface="Arial"/>
+            </a:endParaRPr>
+          </a:p>
+          <a:p>
+            <a:pPr marL="432000" indent="-323640">
+              <a:lnSpc>
+                <a:spcPct val="100000"/>
+              </a:lnSpc>
               <a:spcAft>
                 <a:spcPts val="1414"/>
               </a:spcAft>
@@ -5136,14 +4789,14 @@
               <a:t>Initial candidate selection (important!) by policy advice</a:t>
             </a:r>
             <a:endParaRPr b="0" lang="en-US" sz="2800" spc="-1" strike="noStrike">
-              <a:solidFill>
-                <a:srgbClr val="333333"/>
-              </a:solidFill>
-              <a:latin typeface="Noto Sans"/>
-            </a:endParaRPr>
-          </a:p>
-          <a:p>
-            <a:pPr marL="432000" indent="-324000">
+              <a:latin typeface="Arial"/>
+            </a:endParaRPr>
+          </a:p>
+          <a:p>
+            <a:pPr marL="432000" indent="-323640">
+              <a:lnSpc>
+                <a:spcPct val="100000"/>
+              </a:lnSpc>
               <a:spcAft>
                 <a:spcPts val="1414"/>
               </a:spcAft>
@@ -5164,10 +4817,7 @@
               <a:t>Graph Search using upper confidence bound: UTC</a:t>
             </a:r>
             <a:endParaRPr b="0" lang="en-US" sz="2800" spc="-1" strike="noStrike">
-              <a:solidFill>
-                <a:srgbClr val="333333"/>
-              </a:solidFill>
-              <a:latin typeface="Noto Sans"/>
+              <a:latin typeface="Arial"/>
             </a:endParaRPr>
           </a:p>
         </p:txBody>
@@ -5204,14 +4854,14 @@
       </p:grpSpPr>
       <p:sp>
         <p:nvSpPr>
-          <p:cNvPr id="90" name="TextShape 1"/>
-          <p:cNvSpPr txBox="1"/>
+          <p:cNvPr id="85" name="CustomShape 1"/>
+          <p:cNvSpPr/>
           <p:nvPr/>
         </p:nvSpPr>
         <p:spPr>
           <a:xfrm>
             <a:off x="720000" y="300960"/>
-            <a:ext cx="8855640" cy="1262520"/>
+            <a:ext cx="8855280" cy="1262160"/>
           </a:xfrm>
           <a:prstGeom prst="rect">
             <a:avLst/>
@@ -5221,11 +4871,22 @@
             <a:noFill/>
           </a:ln>
         </p:spPr>
+        <p:style>
+          <a:lnRef idx="0"/>
+          <a:fillRef idx="0"/>
+          <a:effectRef idx="0"/>
+          <a:fontRef idx="minor"/>
+        </p:style>
         <p:txBody>
           <a:bodyPr lIns="0" rIns="0" tIns="0" bIns="0" anchor="ctr">
             <a:noAutofit/>
           </a:bodyPr>
           <a:p>
+            <a:pPr>
+              <a:lnSpc>
+                <a:spcPct val="100000"/>
+              </a:lnSpc>
+            </a:pPr>
             <a:r>
               <a:rPr b="1" lang="en-US" sz="4400" spc="-1" strike="noStrike">
                 <a:solidFill>
@@ -5235,25 +4896,22 @@
               </a:rPr>
               <a:t>Translational Equivariance</a:t>
             </a:r>
-            <a:endParaRPr b="1" lang="en-US" sz="4400" spc="-1" strike="noStrike">
-              <a:solidFill>
-                <a:srgbClr val="333333"/>
-              </a:solidFill>
-              <a:latin typeface="Noto Sans"/>
-            </a:endParaRPr>
-          </a:p>
-        </p:txBody>
-      </p:sp>
-      <p:sp>
-        <p:nvSpPr>
-          <p:cNvPr id="91" name="TextShape 2"/>
-          <p:cNvSpPr txBox="1"/>
+            <a:endParaRPr b="0" lang="en-US" sz="4400" spc="-1" strike="noStrike">
+              <a:latin typeface="Arial"/>
+            </a:endParaRPr>
+          </a:p>
+        </p:txBody>
+      </p:sp>
+      <p:sp>
+        <p:nvSpPr>
+          <p:cNvPr id="86" name="CustomShape 2"/>
+          <p:cNvSpPr/>
           <p:nvPr/>
         </p:nvSpPr>
         <p:spPr>
           <a:xfrm>
             <a:off x="720000" y="2160000"/>
-            <a:ext cx="8640000" cy="4384800"/>
+            <a:ext cx="8639640" cy="4384440"/>
           </a:xfrm>
           <a:prstGeom prst="rect">
             <a:avLst/>
@@ -5263,19 +4921,12 @@
             <a:noFill/>
           </a:ln>
         </p:spPr>
-        <p:txBody>
-          <a:bodyPr lIns="0" rIns="0" tIns="0" bIns="0">
-            <a:noAutofit/>
-          </a:bodyPr>
-          <a:p>
-            <a:endParaRPr b="0" lang="en-US" sz="2800" spc="-1" strike="noStrike">
-              <a:solidFill>
-                <a:srgbClr val="333333"/>
-              </a:solidFill>
-              <a:latin typeface="Noto Sans"/>
-            </a:endParaRPr>
-          </a:p>
-        </p:txBody>
+        <p:style>
+          <a:lnRef idx="0"/>
+          <a:fillRef idx="0"/>
+          <a:effectRef idx="0"/>
+          <a:fontRef idx="minor"/>
+        </p:style>
       </p:sp>
     </p:spTree>
   </p:cSld>
@@ -5309,14 +4960,14 @@
       </p:grpSpPr>
       <p:sp>
         <p:nvSpPr>
-          <p:cNvPr id="92" name="TextShape 1"/>
-          <p:cNvSpPr txBox="1"/>
+          <p:cNvPr id="87" name="CustomShape 1"/>
+          <p:cNvSpPr/>
           <p:nvPr/>
         </p:nvSpPr>
         <p:spPr>
           <a:xfrm>
             <a:off x="720000" y="300960"/>
-            <a:ext cx="8855640" cy="1262520"/>
+            <a:ext cx="8855280" cy="1262160"/>
           </a:xfrm>
           <a:prstGeom prst="rect">
             <a:avLst/>
@@ -5326,11 +4977,22 @@
             <a:noFill/>
           </a:ln>
         </p:spPr>
+        <p:style>
+          <a:lnRef idx="0"/>
+          <a:fillRef idx="0"/>
+          <a:effectRef idx="0"/>
+          <a:fontRef idx="minor"/>
+        </p:style>
         <p:txBody>
           <a:bodyPr lIns="0" rIns="0" tIns="0" bIns="0" anchor="ctr">
             <a:noAutofit/>
           </a:bodyPr>
           <a:p>
+            <a:pPr>
+              <a:lnSpc>
+                <a:spcPct val="100000"/>
+              </a:lnSpc>
+            </a:pPr>
             <a:r>
               <a:rPr b="1" lang="en-US" sz="4400" spc="-1" strike="noStrike">
                 <a:solidFill>
@@ -5340,25 +5002,22 @@
               </a:rPr>
               <a:t>Board Representation</a:t>
             </a:r>
-            <a:endParaRPr b="1" lang="en-US" sz="4400" spc="-1" strike="noStrike">
-              <a:solidFill>
-                <a:srgbClr val="333333"/>
-              </a:solidFill>
-              <a:latin typeface="Noto Sans"/>
-            </a:endParaRPr>
-          </a:p>
-        </p:txBody>
-      </p:sp>
-      <p:sp>
-        <p:nvSpPr>
-          <p:cNvPr id="93" name="TextShape 2"/>
-          <p:cNvSpPr txBox="1"/>
+            <a:endParaRPr b="0" lang="en-US" sz="4400" spc="-1" strike="noStrike">
+              <a:latin typeface="Arial"/>
+            </a:endParaRPr>
+          </a:p>
+        </p:txBody>
+      </p:sp>
+      <p:sp>
+        <p:nvSpPr>
+          <p:cNvPr id="88" name="CustomShape 2"/>
+          <p:cNvSpPr/>
           <p:nvPr/>
         </p:nvSpPr>
         <p:spPr>
           <a:xfrm>
             <a:off x="720000" y="2160000"/>
-            <a:ext cx="8640000" cy="4384800"/>
+            <a:ext cx="8639640" cy="4384440"/>
           </a:xfrm>
           <a:prstGeom prst="rect">
             <a:avLst/>
@@ -5368,19 +5027,12 @@
             <a:noFill/>
           </a:ln>
         </p:spPr>
-        <p:txBody>
-          <a:bodyPr lIns="0" rIns="0" tIns="0" bIns="0">
-            <a:noAutofit/>
-          </a:bodyPr>
-          <a:p>
-            <a:endParaRPr b="0" lang="en-US" sz="2800" spc="-1" strike="noStrike">
-              <a:solidFill>
-                <a:srgbClr val="333333"/>
-              </a:solidFill>
-              <a:latin typeface="Noto Sans"/>
-            </a:endParaRPr>
-          </a:p>
-        </p:txBody>
+        <p:style>
+          <a:lnRef idx="0"/>
+          <a:fillRef idx="0"/>
+          <a:effectRef idx="0"/>
+          <a:fontRef idx="minor"/>
+        </p:style>
       </p:sp>
     </p:spTree>
   </p:cSld>
@@ -5414,14 +5066,14 @@
       </p:grpSpPr>
       <p:sp>
         <p:nvSpPr>
-          <p:cNvPr id="94" name="TextShape 1"/>
-          <p:cNvSpPr txBox="1"/>
+          <p:cNvPr id="89" name="CustomShape 1"/>
+          <p:cNvSpPr/>
           <p:nvPr/>
         </p:nvSpPr>
         <p:spPr>
           <a:xfrm>
             <a:off x="720000" y="300960"/>
-            <a:ext cx="8855640" cy="1262520"/>
+            <a:ext cx="8855280" cy="1262160"/>
           </a:xfrm>
           <a:prstGeom prst="rect">
             <a:avLst/>
@@ -5431,11 +5083,22 @@
             <a:noFill/>
           </a:ln>
         </p:spPr>
+        <p:style>
+          <a:lnRef idx="0"/>
+          <a:fillRef idx="0"/>
+          <a:effectRef idx="0"/>
+          <a:fontRef idx="minor"/>
+        </p:style>
         <p:txBody>
           <a:bodyPr lIns="0" rIns="0" tIns="0" bIns="0" anchor="ctr">
             <a:noAutofit/>
           </a:bodyPr>
           <a:p>
+            <a:pPr>
+              <a:lnSpc>
+                <a:spcPct val="100000"/>
+              </a:lnSpc>
+            </a:pPr>
             <a:r>
               <a:rPr b="1" lang="en-US" sz="4400" spc="-1" strike="noStrike">
                 <a:solidFill>
@@ -5445,25 +5108,22 @@
               </a:rPr>
               <a:t>Symmetries/Equivariance</a:t>
             </a:r>
-            <a:endParaRPr b="1" lang="en-US" sz="4400" spc="-1" strike="noStrike">
-              <a:solidFill>
-                <a:srgbClr val="333333"/>
-              </a:solidFill>
-              <a:latin typeface="Noto Sans"/>
-            </a:endParaRPr>
-          </a:p>
-        </p:txBody>
-      </p:sp>
-      <p:sp>
-        <p:nvSpPr>
-          <p:cNvPr id="95" name="TextShape 2"/>
-          <p:cNvSpPr txBox="1"/>
+            <a:endParaRPr b="0" lang="en-US" sz="4400" spc="-1" strike="noStrike">
+              <a:latin typeface="Arial"/>
+            </a:endParaRPr>
+          </a:p>
+        </p:txBody>
+      </p:sp>
+      <p:sp>
+        <p:nvSpPr>
+          <p:cNvPr id="90" name="CustomShape 2"/>
+          <p:cNvSpPr/>
           <p:nvPr/>
         </p:nvSpPr>
         <p:spPr>
           <a:xfrm>
             <a:off x="720000" y="2160000"/>
-            <a:ext cx="8640000" cy="4384800"/>
+            <a:ext cx="8639640" cy="4384440"/>
           </a:xfrm>
           <a:prstGeom prst="rect">
             <a:avLst/>
@@ -5473,12 +5133,21 @@
             <a:noFill/>
           </a:ln>
         </p:spPr>
+        <p:style>
+          <a:lnRef idx="0"/>
+          <a:fillRef idx="0"/>
+          <a:effectRef idx="0"/>
+          <a:fontRef idx="minor"/>
+        </p:style>
         <p:txBody>
           <a:bodyPr lIns="0" rIns="0" tIns="0" bIns="0">
             <a:noAutofit/>
           </a:bodyPr>
           <a:p>
-            <a:pPr marL="432000" indent="-324000">
+            <a:pPr marL="432000" indent="-323640">
+              <a:lnSpc>
+                <a:spcPct val="100000"/>
+              </a:lnSpc>
               <a:spcAft>
                 <a:spcPts val="1414"/>
               </a:spcAft>
@@ -5499,14 +5168,14 @@
               <a:t>Symmetries provide inexpensive source of additional training data</a:t>
             </a:r>
             <a:endParaRPr b="0" lang="en-US" sz="2800" spc="-1" strike="noStrike">
-              <a:solidFill>
-                <a:srgbClr val="333333"/>
-              </a:solidFill>
-              <a:latin typeface="Noto Sans"/>
-            </a:endParaRPr>
-          </a:p>
-          <a:p>
-            <a:pPr marL="432000" indent="-324000">
+              <a:latin typeface="Arial"/>
+            </a:endParaRPr>
+          </a:p>
+          <a:p>
+            <a:pPr marL="432000" indent="-323640">
+              <a:lnSpc>
+                <a:spcPct val="100000"/>
+              </a:lnSpc>
               <a:spcAft>
                 <a:spcPts val="1414"/>
               </a:spcAft>
@@ -5527,14 +5196,14 @@
               <a:t>Rotation multiples of 90°</a:t>
             </a:r>
             <a:endParaRPr b="0" lang="en-US" sz="2800" spc="-1" strike="noStrike">
-              <a:solidFill>
-                <a:srgbClr val="333333"/>
-              </a:solidFill>
-              <a:latin typeface="Noto Sans"/>
-            </a:endParaRPr>
-          </a:p>
-          <a:p>
-            <a:pPr marL="432000" indent="-324000">
+              <a:latin typeface="Arial"/>
+            </a:endParaRPr>
+          </a:p>
+          <a:p>
+            <a:pPr marL="432000" indent="-323640">
+              <a:lnSpc>
+                <a:spcPct val="100000"/>
+              </a:lnSpc>
               <a:spcAft>
                 <a:spcPts val="1414"/>
               </a:spcAft>
@@ -5555,14 +5224,14 @@
               <a:t>Reflection</a:t>
             </a:r>
             <a:endParaRPr b="0" lang="en-US" sz="2800" spc="-1" strike="noStrike">
-              <a:solidFill>
-                <a:srgbClr val="333333"/>
-              </a:solidFill>
-              <a:latin typeface="Noto Sans"/>
-            </a:endParaRPr>
-          </a:p>
-          <a:p>
-            <a:pPr marL="432000" indent="-324000">
+              <a:latin typeface="Arial"/>
+            </a:endParaRPr>
+          </a:p>
+          <a:p>
+            <a:pPr marL="432000" indent="-323640">
+              <a:lnSpc>
+                <a:spcPct val="100000"/>
+              </a:lnSpc>
               <a:spcAft>
                 <a:spcPts val="1414"/>
               </a:spcAft>
@@ -5583,14 +5252,14 @@
               <a:t>Translations!!</a:t>
             </a:r>
             <a:endParaRPr b="0" lang="en-US" sz="2800" spc="-1" strike="noStrike">
-              <a:solidFill>
-                <a:srgbClr val="333333"/>
-              </a:solidFill>
-              <a:latin typeface="Noto Sans"/>
-            </a:endParaRPr>
-          </a:p>
-          <a:p>
-            <a:pPr marL="432000" indent="-324000">
+              <a:latin typeface="Arial"/>
+            </a:endParaRPr>
+          </a:p>
+          <a:p>
+            <a:pPr marL="432000" indent="-323640">
+              <a:lnSpc>
+                <a:spcPct val="100000"/>
+              </a:lnSpc>
               <a:spcAft>
                 <a:spcPts val="1414"/>
               </a:spcAft>
@@ -5611,10 +5280,7 @@
               <a:t>Black and White</a:t>
             </a:r>
             <a:endParaRPr b="0" lang="en-US" sz="2800" spc="-1" strike="noStrike">
-              <a:solidFill>
-                <a:srgbClr val="333333"/>
-              </a:solidFill>
-              <a:latin typeface="Noto Sans"/>
+              <a:latin typeface="Arial"/>
             </a:endParaRPr>
           </a:p>
         </p:txBody>
@@ -5651,14 +5317,14 @@
       </p:grpSpPr>
       <p:sp>
         <p:nvSpPr>
-          <p:cNvPr id="96" name="TextShape 1"/>
-          <p:cNvSpPr txBox="1"/>
+          <p:cNvPr id="91" name="CustomShape 1"/>
+          <p:cNvSpPr/>
           <p:nvPr/>
         </p:nvSpPr>
         <p:spPr>
           <a:xfrm>
             <a:off x="720000" y="300960"/>
-            <a:ext cx="8855640" cy="1262520"/>
+            <a:ext cx="8855280" cy="1262160"/>
           </a:xfrm>
           <a:prstGeom prst="rect">
             <a:avLst/>
@@ -5668,11 +5334,22 @@
             <a:noFill/>
           </a:ln>
         </p:spPr>
+        <p:style>
+          <a:lnRef idx="0"/>
+          <a:fillRef idx="0"/>
+          <a:effectRef idx="0"/>
+          <a:fontRef idx="minor"/>
+        </p:style>
         <p:txBody>
           <a:bodyPr lIns="0" rIns="0" tIns="0" bIns="0" anchor="ctr">
             <a:noAutofit/>
           </a:bodyPr>
           <a:p>
+            <a:pPr>
+              <a:lnSpc>
+                <a:spcPct val="100000"/>
+              </a:lnSpc>
+            </a:pPr>
             <a:r>
               <a:rPr b="1" lang="en-US" sz="4400" spc="-1" strike="noStrike">
                 <a:solidFill>
@@ -5682,25 +5359,22 @@
               </a:rPr>
               <a:t>Upper Confidence Bound</a:t>
             </a:r>
-            <a:endParaRPr b="1" lang="en-US" sz="4400" spc="-1" strike="noStrike">
-              <a:solidFill>
-                <a:srgbClr val="333333"/>
-              </a:solidFill>
-              <a:latin typeface="Noto Sans"/>
-            </a:endParaRPr>
-          </a:p>
-        </p:txBody>
-      </p:sp>
-      <p:sp>
-        <p:nvSpPr>
-          <p:cNvPr id="97" name="TextShape 2"/>
-          <p:cNvSpPr txBox="1"/>
+            <a:endParaRPr b="0" lang="en-US" sz="4400" spc="-1" strike="noStrike">
+              <a:latin typeface="Arial"/>
+            </a:endParaRPr>
+          </a:p>
+        </p:txBody>
+      </p:sp>
+      <p:sp>
+        <p:nvSpPr>
+          <p:cNvPr id="92" name="CustomShape 2"/>
+          <p:cNvSpPr/>
           <p:nvPr/>
         </p:nvSpPr>
         <p:spPr>
           <a:xfrm>
             <a:off x="720000" y="2160000"/>
-            <a:ext cx="8640000" cy="4384800"/>
+            <a:ext cx="8639640" cy="4384440"/>
           </a:xfrm>
           <a:prstGeom prst="rect">
             <a:avLst/>
@@ -5710,68 +5384,178 @@
             <a:noFill/>
           </a:ln>
         </p:spPr>
+        <p:style>
+          <a:lnRef idx="0"/>
+          <a:fillRef idx="0"/>
+          <a:effectRef idx="0"/>
+          <a:fontRef idx="minor"/>
+        </p:style>
         <p:txBody>
           <a:bodyPr lIns="0" rIns="0" tIns="0" bIns="0">
             <a:noAutofit/>
           </a:bodyPr>
           <a:p>
-            <a:pPr marL="432000" indent="-324000">
+            <a:pPr lvl="1" marL="432000" indent="-216000">
+              <a:lnSpc>
+                <a:spcPct val="100000"/>
+              </a:lnSpc>
               <a:spcAft>
                 <a:spcPts val="1414"/>
               </a:spcAft>
               <a:buClr>
-                <a:srgbClr val="ef2929"/>
+                <a:srgbClr val="000000"/>
               </a:buClr>
               <a:buSzPct val="45000"/>
               <a:buFont typeface="Wingdings" charset="2"/>
               <a:buChar char=""/>
             </a:pPr>
-            <a:r>
-              <a:rPr b="0" lang="en-US" sz="2800" spc="-1" strike="noStrike">
-                <a:solidFill>
-                  <a:srgbClr val="333333"/>
-                </a:solidFill>
-                <a:latin typeface="Noto Sans"/>
-              </a:rPr>
-              <a:t>Formula!</a:t>
-            </a:r>
-            <a:endParaRPr b="0" lang="en-US" sz="2800" spc="-1" strike="noStrike">
-              <a:solidFill>
-                <a:srgbClr val="333333"/>
-              </a:solidFill>
-              <a:latin typeface="Noto Sans"/>
-            </a:endParaRPr>
-          </a:p>
-          <a:p>
-            <a:pPr marL="432000" indent="-324000">
+            <a:endParaRPr b="0" lang="en-US" sz="1800" spc="-1" strike="noStrike">
+              <a:latin typeface="Arial"/>
+            </a:endParaRPr>
+          </a:p>
+          <a:p>
+            <a:pPr lvl="1" marL="432000" indent="-216000">
+              <a:lnSpc>
+                <a:spcPct val="100000"/>
+              </a:lnSpc>
               <a:spcAft>
                 <a:spcPts val="1414"/>
               </a:spcAft>
               <a:buClr>
-                <a:srgbClr val="ef2929"/>
+                <a:srgbClr val="000000"/>
               </a:buClr>
               <a:buSzPct val="45000"/>
               <a:buFont typeface="Wingdings" charset="2"/>
               <a:buChar char=""/>
             </a:pPr>
-            <a:r>
-              <a:rPr b="0" lang="en-US" sz="2800" spc="-1" strike="noStrike">
-                <a:solidFill>
-                  <a:srgbClr val="333333"/>
-                </a:solidFill>
-                <a:latin typeface="Noto Sans"/>
-              </a:rPr>
-              <a:t>Notebook</a:t>
-            </a:r>
-            <a:endParaRPr b="0" lang="en-US" sz="2800" spc="-1" strike="noStrike">
-              <a:solidFill>
-                <a:srgbClr val="333333"/>
-              </a:solidFill>
-              <a:latin typeface="Noto Sans"/>
-            </a:endParaRPr>
-          </a:p>
-        </p:txBody>
-      </p:sp>
+            <a:endParaRPr b="0" lang="en-US" sz="1800" spc="-1" strike="noStrike">
+              <a:latin typeface="Arial"/>
+            </a:endParaRPr>
+          </a:p>
+          <a:p>
+            <a:pPr lvl="1" marL="432000" indent="-216000">
+              <a:lnSpc>
+                <a:spcPct val="100000"/>
+              </a:lnSpc>
+              <a:spcAft>
+                <a:spcPts val="1414"/>
+              </a:spcAft>
+              <a:buClr>
+                <a:srgbClr val="000000"/>
+              </a:buClr>
+              <a:buSzPct val="45000"/>
+              <a:buFont typeface="Wingdings" charset="2"/>
+              <a:buChar char=""/>
+            </a:pPr>
+            <a:endParaRPr b="0" lang="en-US" sz="1800" spc="-1" strike="noStrike">
+              <a:latin typeface="Arial"/>
+            </a:endParaRPr>
+          </a:p>
+          <a:p>
+            <a:pPr lvl="1" marL="432000" indent="-216000">
+              <a:lnSpc>
+                <a:spcPct val="100000"/>
+              </a:lnSpc>
+              <a:spcAft>
+                <a:spcPts val="1414"/>
+              </a:spcAft>
+              <a:buClr>
+                <a:srgbClr val="000000"/>
+              </a:buClr>
+              <a:buSzPct val="45000"/>
+              <a:buFont typeface="Wingdings" charset="2"/>
+              <a:buChar char=""/>
+            </a:pPr>
+            <a:endParaRPr b="0" lang="en-US" sz="1800" spc="-1" strike="noStrike">
+              <a:latin typeface="Arial"/>
+            </a:endParaRPr>
+          </a:p>
+          <a:p>
+            <a:pPr lvl="1" marL="432000" indent="-216000">
+              <a:lnSpc>
+                <a:spcPct val="100000"/>
+              </a:lnSpc>
+              <a:spcAft>
+                <a:spcPts val="1414"/>
+              </a:spcAft>
+              <a:buClr>
+                <a:srgbClr val="000000"/>
+              </a:buClr>
+              <a:buSzPct val="45000"/>
+              <a:buFont typeface="Wingdings" charset="2"/>
+              <a:buChar char=""/>
+            </a:pPr>
+            <a:endParaRPr b="0" lang="en-US" sz="1800" spc="-1" strike="noStrike">
+              <a:latin typeface="Arial"/>
+            </a:endParaRPr>
+          </a:p>
+          <a:p>
+            <a:pPr lvl="1" marL="432000" indent="-216000">
+              <a:lnSpc>
+                <a:spcPct val="100000"/>
+              </a:lnSpc>
+              <a:spcAft>
+                <a:spcPts val="1414"/>
+              </a:spcAft>
+              <a:buClr>
+                <a:srgbClr val="000000"/>
+              </a:buClr>
+              <a:buSzPct val="45000"/>
+              <a:buFont typeface="Wingdings" charset="2"/>
+              <a:buChar char=""/>
+            </a:pPr>
+            <a:endParaRPr b="0" lang="en-US" sz="1800" spc="-1" strike="noStrike">
+              <a:latin typeface="Arial"/>
+            </a:endParaRPr>
+          </a:p>
+        </p:txBody>
+      </p:sp>
+      <p:pic>
+        <p:nvPicPr>
+          <p:cNvPr id="93" name="" descr=""/>
+          <p:cNvPicPr/>
+          <p:nvPr/>
+        </p:nvPicPr>
+        <p:blipFill>
+          <a:blip r:embed="rId1"/>
+          <a:stretch/>
+        </p:blipFill>
+        <p:spPr>
+          <a:xfrm>
+            <a:off x="876960" y="1828800"/>
+            <a:ext cx="7809840" cy="1689120"/>
+          </a:xfrm>
+          <a:prstGeom prst="rect">
+            <a:avLst/>
+          </a:prstGeom>
+          <a:ln>
+            <a:noFill/>
+          </a:ln>
+        </p:spPr>
+      </p:pic>
+      <p:pic>
+        <p:nvPicPr>
+          <p:cNvPr id="94" name="" descr=""/>
+          <p:cNvPicPr/>
+          <p:nvPr/>
+        </p:nvPicPr>
+        <p:blipFill>
+          <a:blip r:embed="rId2"/>
+          <a:stretch/>
+        </p:blipFill>
+        <p:spPr>
+          <a:xfrm>
+            <a:off x="966600" y="3477240"/>
+            <a:ext cx="7292520" cy="4020840"/>
+          </a:xfrm>
+          <a:prstGeom prst="rect">
+            <a:avLst/>
+          </a:prstGeom>
+          <a:ln>
+            <a:noFill/>
+          </a:ln>
+        </p:spPr>
+      </p:pic>
     </p:spTree>
   </p:cSld>
   <mc:AlternateContent>
@@ -5804,14 +5588,14 @@
       </p:grpSpPr>
       <p:sp>
         <p:nvSpPr>
-          <p:cNvPr id="98" name="TextShape 1"/>
+          <p:cNvPr id="95" name="TextShape 1"/>
           <p:cNvSpPr txBox="1"/>
           <p:nvPr/>
         </p:nvSpPr>
         <p:spPr>
           <a:xfrm>
             <a:off x="720000" y="300960"/>
-            <a:ext cx="8855640" cy="1262520"/>
+            <a:ext cx="8855280" cy="1262160"/>
           </a:xfrm>
           <a:prstGeom prst="rect">
             <a:avLst/>
@@ -5826,34 +5610,29 @@
             <a:noAutofit/>
           </a:bodyPr>
           <a:p>
+            <a:pPr algn="ctr"/>
             <a:r>
-              <a:rPr b="1" lang="en-US" sz="4400" spc="-1" strike="noStrike">
-                <a:solidFill>
-                  <a:srgbClr val="333333"/>
-                </a:solidFill>
-                <a:latin typeface="Noto Sans"/>
+              <a:rPr b="0" lang="en-US" sz="4400" spc="-1" strike="noStrike">
+                <a:latin typeface="Arial"/>
               </a:rPr>
-              <a:t>The Neural Network</a:t>
+              <a:t>PAGS with UCT in action</a:t>
             </a:r>
-            <a:endParaRPr b="1" lang="en-US" sz="4400" spc="-1" strike="noStrike">
-              <a:solidFill>
-                <a:srgbClr val="333333"/>
-              </a:solidFill>
-              <a:latin typeface="Noto Sans"/>
-            </a:endParaRPr>
-          </a:p>
-        </p:txBody>
-      </p:sp>
-      <p:sp>
-        <p:nvSpPr>
-          <p:cNvPr id="99" name="TextShape 2"/>
-          <p:cNvSpPr txBox="1"/>
+            <a:endParaRPr b="0" lang="en-US" sz="4400" spc="-1" strike="noStrike">
+              <a:latin typeface="Arial"/>
+            </a:endParaRPr>
+          </a:p>
+        </p:txBody>
+      </p:sp>
+      <p:sp>
+        <p:nvSpPr>
+          <p:cNvPr id="96" name="CustomShape 2"/>
+          <p:cNvSpPr/>
           <p:nvPr/>
         </p:nvSpPr>
         <p:spPr>
           <a:xfrm>
             <a:off x="720000" y="2160000"/>
-            <a:ext cx="8640000" cy="4384800"/>
+            <a:ext cx="8639640" cy="4384440"/>
           </a:xfrm>
           <a:prstGeom prst="rect">
             <a:avLst/>
@@ -5863,12 +5642,21 @@
             <a:noFill/>
           </a:ln>
         </p:spPr>
+        <p:style>
+          <a:lnRef idx="0"/>
+          <a:fillRef idx="0"/>
+          <a:effectRef idx="0"/>
+          <a:fontRef idx="minor"/>
+        </p:style>
         <p:txBody>
           <a:bodyPr lIns="0" rIns="0" tIns="0" bIns="0">
             <a:noAutofit/>
           </a:bodyPr>
           <a:p>
-            <a:pPr marL="432000" indent="-324000">
+            <a:pPr marL="432000" indent="-323640">
+              <a:lnSpc>
+                <a:spcPct val="100000"/>
+              </a:lnSpc>
               <a:spcAft>
                 <a:spcPts val="1414"/>
               </a:spcAft>
@@ -5886,17 +5674,17 @@
                 </a:solidFill>
                 <a:latin typeface="Noto Sans"/>
               </a:rPr>
-              <a:t>Policy and value head in one network</a:t>
+              <a:t>See: MCTS_Explore_Exploit.ipynb</a:t>
             </a:r>
             <a:endParaRPr b="0" lang="en-US" sz="2800" spc="-1" strike="noStrike">
-              <a:solidFill>
-                <a:srgbClr val="333333"/>
-              </a:solidFill>
-              <a:latin typeface="Noto Sans"/>
-            </a:endParaRPr>
-          </a:p>
-          <a:p>
-            <a:pPr marL="432000" indent="-324000">
+              <a:latin typeface="Arial"/>
+            </a:endParaRPr>
+          </a:p>
+          <a:p>
+            <a:pPr marL="432000" indent="-323640">
+              <a:lnSpc>
+                <a:spcPct val="100000"/>
+              </a:lnSpc>
               <a:spcAft>
                 <a:spcPts val="1414"/>
               </a:spcAft>
@@ -5914,129 +5702,60 @@
                 </a:solidFill>
                 <a:latin typeface="Noto Sans"/>
               </a:rPr>
-              <a:t>Purely convolutional, apart from value head</a:t>
+              <a:t>UCT Simulation teaches the ANN to focus</a:t>
             </a:r>
             <a:endParaRPr b="0" lang="en-US" sz="2800" spc="-1" strike="noStrike">
-              <a:solidFill>
-                <a:srgbClr val="333333"/>
-              </a:solidFill>
-              <a:latin typeface="Noto Sans"/>
-            </a:endParaRPr>
-          </a:p>
-          <a:p>
-            <a:pPr marL="432000" indent="-324000">
-              <a:spcAft>
-                <a:spcPts val="1414"/>
-              </a:spcAft>
-              <a:buClr>
-                <a:srgbClr val="ef2929"/>
-              </a:buClr>
-              <a:buSzPct val="45000"/>
-              <a:buFont typeface="Wingdings" charset="2"/>
-              <a:buChar char=""/>
-            </a:pPr>
-            <a:r>
-              <a:rPr b="0" lang="en-US" sz="2800" spc="-1" strike="noStrike">
-                <a:solidFill>
-                  <a:srgbClr val="333333"/>
-                </a:solidFill>
-                <a:latin typeface="Noto Sans"/>
-              </a:rPr>
-              <a:t>Based on Resnet with skip connections</a:t>
-            </a:r>
-            <a:endParaRPr b="0" lang="en-US" sz="2800" spc="-1" strike="noStrike">
-              <a:solidFill>
-                <a:srgbClr val="333333"/>
-              </a:solidFill>
-              <a:latin typeface="Noto Sans"/>
-            </a:endParaRPr>
-          </a:p>
-          <a:p>
-            <a:pPr marL="432000" indent="-324000">
-              <a:spcAft>
-                <a:spcPts val="1414"/>
-              </a:spcAft>
-              <a:buClr>
-                <a:srgbClr val="ef2929"/>
-              </a:buClr>
-              <a:buSzPct val="45000"/>
-              <a:buFont typeface="Wingdings" charset="2"/>
-              <a:buChar char=""/>
-            </a:pPr>
-            <a:r>
-              <a:rPr b="0" lang="en-US" sz="2800" spc="-1" strike="noStrike">
-                <a:solidFill>
-                  <a:srgbClr val="333333"/>
-                </a:solidFill>
-                <a:latin typeface="Noto Sans"/>
-              </a:rPr>
-              <a:t>Up to 40 blocks</a:t>
-            </a:r>
-            <a:endParaRPr b="0" lang="en-US" sz="2800" spc="-1" strike="noStrike">
-              <a:solidFill>
-                <a:srgbClr val="333333"/>
-              </a:solidFill>
-              <a:latin typeface="Noto Sans"/>
-            </a:endParaRPr>
-          </a:p>
-          <a:p>
-            <a:pPr marL="432000" indent="-324000">
-              <a:spcAft>
-                <a:spcPts val="1414"/>
-              </a:spcAft>
-              <a:buClr>
-                <a:srgbClr val="ef2929"/>
-              </a:buClr>
-              <a:buSzPct val="45000"/>
-              <a:buFont typeface="Wingdings" charset="2"/>
-              <a:buChar char=""/>
-            </a:pPr>
-            <a:r>
-              <a:rPr b="0" lang="en-US" sz="2800" spc="-1" strike="noStrike">
-                <a:solidFill>
-                  <a:srgbClr val="333333"/>
-                </a:solidFill>
-                <a:latin typeface="Noto Sans"/>
-              </a:rPr>
-              <a:t>Feature head</a:t>
-            </a:r>
-            <a:endParaRPr b="0" lang="en-US" sz="2800" spc="-1" strike="noStrike">
-              <a:solidFill>
-                <a:srgbClr val="333333"/>
-              </a:solidFill>
-              <a:latin typeface="Noto Sans"/>
-            </a:endParaRPr>
-          </a:p>
-          <a:p>
-            <a:pPr marL="432000" indent="-324000">
-              <a:spcAft>
-                <a:spcPts val="1414"/>
-              </a:spcAft>
-              <a:buClr>
-                <a:srgbClr val="ef2929"/>
-              </a:buClr>
-              <a:buSzPct val="45000"/>
-              <a:buFont typeface="Wingdings" charset="2"/>
-              <a:buChar char=""/>
-            </a:pPr>
-            <a:r>
-              <a:rPr b="0" lang="en-US" sz="2800" spc="-1" strike="noStrike">
-                <a:solidFill>
-                  <a:srgbClr val="333333"/>
-                </a:solidFill>
-                <a:latin typeface="Noto Sans"/>
-              </a:rPr>
-              <a:t>Reentering input</a:t>
-            </a:r>
-            <a:endParaRPr b="0" lang="en-US" sz="2800" spc="-1" strike="noStrike">
-              <a:solidFill>
-                <a:srgbClr val="333333"/>
-              </a:solidFill>
-              <a:latin typeface="Noto Sans"/>
-            </a:endParaRPr>
-          </a:p>
-        </p:txBody>
-      </p:sp>
+              <a:latin typeface="Arial"/>
+            </a:endParaRPr>
+          </a:p>
+        </p:txBody>
+      </p:sp>
+      <p:pic>
+        <p:nvPicPr>
+          <p:cNvPr id="97" name="" descr=""/>
+          <p:cNvPicPr/>
+          <p:nvPr/>
+        </p:nvPicPr>
+        <p:blipFill>
+          <a:blip r:embed="rId1"/>
+          <a:stretch/>
+        </p:blipFill>
+        <p:spPr>
+          <a:xfrm>
+            <a:off x="811440" y="3627360"/>
+            <a:ext cx="3303360" cy="3006000"/>
+          </a:xfrm>
+          <a:prstGeom prst="rect">
+            <a:avLst/>
+          </a:prstGeom>
+          <a:ln>
+            <a:noFill/>
+          </a:ln>
+        </p:spPr>
+      </p:pic>
+      <p:pic>
+        <p:nvPicPr>
+          <p:cNvPr id="98" name="" descr=""/>
+          <p:cNvPicPr/>
+          <p:nvPr/>
+        </p:nvPicPr>
+        <p:blipFill>
+          <a:blip r:embed="rId2"/>
+          <a:stretch/>
+        </p:blipFill>
+        <p:spPr>
+          <a:xfrm>
+            <a:off x="4846320" y="3632400"/>
+            <a:ext cx="3347640" cy="3017520"/>
+          </a:xfrm>
+          <a:prstGeom prst="rect">
+            <a:avLst/>
+          </a:prstGeom>
+          <a:ln>
+            <a:noFill/>
+          </a:ln>
+        </p:spPr>
+      </p:pic>
     </p:spTree>
   </p:cSld>
   <mc:AlternateContent>
@@ -6069,14 +5788,14 @@
       </p:grpSpPr>
       <p:sp>
         <p:nvSpPr>
-          <p:cNvPr id="100" name="TextShape 1"/>
-          <p:cNvSpPr txBox="1"/>
+          <p:cNvPr id="99" name="CustomShape 1"/>
+          <p:cNvSpPr/>
           <p:nvPr/>
         </p:nvSpPr>
         <p:spPr>
           <a:xfrm>
             <a:off x="720000" y="300960"/>
-            <a:ext cx="8855640" cy="1262520"/>
+            <a:ext cx="8855280" cy="1262160"/>
           </a:xfrm>
           <a:prstGeom prst="rect">
             <a:avLst/>
@@ -6086,11 +5805,22 @@
             <a:noFill/>
           </a:ln>
         </p:spPr>
+        <p:style>
+          <a:lnRef idx="0"/>
+          <a:fillRef idx="0"/>
+          <a:effectRef idx="0"/>
+          <a:fontRef idx="minor"/>
+        </p:style>
         <p:txBody>
           <a:bodyPr lIns="0" rIns="0" tIns="0" bIns="0" anchor="ctr">
             <a:noAutofit/>
           </a:bodyPr>
           <a:p>
+            <a:pPr>
+              <a:lnSpc>
+                <a:spcPct val="100000"/>
+              </a:lnSpc>
+            </a:pPr>
             <a:r>
               <a:rPr b="1" lang="en-US" sz="4400" spc="-1" strike="noStrike">
                 <a:solidFill>
@@ -6098,27 +5828,24 @@
                 </a:solidFill>
                 <a:latin typeface="Noto Sans"/>
               </a:rPr>
-              <a:t>Thinking Fast And Slow</a:t>
+              <a:t>The Neural Network</a:t>
             </a:r>
-            <a:endParaRPr b="1" lang="en-US" sz="4400" spc="-1" strike="noStrike">
-              <a:solidFill>
-                <a:srgbClr val="333333"/>
-              </a:solidFill>
-              <a:latin typeface="Noto Sans"/>
-            </a:endParaRPr>
-          </a:p>
-        </p:txBody>
-      </p:sp>
-      <p:sp>
-        <p:nvSpPr>
-          <p:cNvPr id="101" name="TextShape 2"/>
-          <p:cNvSpPr txBox="1"/>
+            <a:endParaRPr b="0" lang="en-US" sz="4400" spc="-1" strike="noStrike">
+              <a:latin typeface="Arial"/>
+            </a:endParaRPr>
+          </a:p>
+        </p:txBody>
+      </p:sp>
+      <p:sp>
+        <p:nvSpPr>
+          <p:cNvPr id="100" name="CustomShape 2"/>
+          <p:cNvSpPr/>
           <p:nvPr/>
         </p:nvSpPr>
         <p:spPr>
           <a:xfrm>
             <a:off x="720000" y="2160000"/>
-            <a:ext cx="8640000" cy="4384800"/>
+            <a:ext cx="8639640" cy="4384440"/>
           </a:xfrm>
           <a:prstGeom prst="rect">
             <a:avLst/>
@@ -6128,12 +5855,21 @@
             <a:noFill/>
           </a:ln>
         </p:spPr>
+        <p:style>
+          <a:lnRef idx="0"/>
+          <a:fillRef idx="0"/>
+          <a:effectRef idx="0"/>
+          <a:fontRef idx="minor"/>
+        </p:style>
         <p:txBody>
           <a:bodyPr lIns="0" rIns="0" tIns="0" bIns="0">
             <a:noAutofit/>
           </a:bodyPr>
           <a:p>
-            <a:pPr marL="432000" indent="-324000">
+            <a:pPr marL="432000" indent="-323640">
+              <a:lnSpc>
+                <a:spcPct val="100000"/>
+              </a:lnSpc>
               <a:spcAft>
                 <a:spcPts val="1414"/>
               </a:spcAft>
@@ -6151,17 +5887,17 @@
                 </a:solidFill>
                 <a:latin typeface="Noto Sans"/>
               </a:rPr>
-              <a:t>Surprising similarity with human learning and decision making</a:t>
+              <a:t>Policy and value head in one network</a:t>
             </a:r>
             <a:endParaRPr b="0" lang="en-US" sz="2800" spc="-1" strike="noStrike">
-              <a:solidFill>
-                <a:srgbClr val="333333"/>
-              </a:solidFill>
-              <a:latin typeface="Noto Sans"/>
-            </a:endParaRPr>
-          </a:p>
-          <a:p>
-            <a:pPr marL="432000" indent="-324000">
+              <a:latin typeface="Arial"/>
+            </a:endParaRPr>
+          </a:p>
+          <a:p>
+            <a:pPr marL="432000" indent="-323640">
+              <a:lnSpc>
+                <a:spcPct val="100000"/>
+              </a:lnSpc>
               <a:spcAft>
                 <a:spcPts val="1414"/>
               </a:spcAft>
@@ -6179,17 +5915,17 @@
                 </a:solidFill>
                 <a:latin typeface="Noto Sans"/>
               </a:rPr>
-              <a:t>Researchers now dare to compare human and artificial intelligence</a:t>
+              <a:t>Purely convolutional, apart from value head</a:t>
             </a:r>
             <a:endParaRPr b="0" lang="en-US" sz="2800" spc="-1" strike="noStrike">
-              <a:solidFill>
-                <a:srgbClr val="333333"/>
-              </a:solidFill>
-              <a:latin typeface="Noto Sans"/>
-            </a:endParaRPr>
-          </a:p>
-          <a:p>
-            <a:pPr marL="432000" indent="-324000">
+              <a:latin typeface="Arial"/>
+            </a:endParaRPr>
+          </a:p>
+          <a:p>
+            <a:pPr marL="432000" indent="-323640">
+              <a:lnSpc>
+                <a:spcPct val="100000"/>
+              </a:lnSpc>
               <a:spcAft>
                 <a:spcPts val="1414"/>
               </a:spcAft>
@@ -6207,13 +5943,94 @@
                 </a:solidFill>
                 <a:latin typeface="Noto Sans"/>
               </a:rPr>
-              <a:t> </a:t>
+              <a:t>Based on Resnet with skip connections</a:t>
             </a:r>
             <a:endParaRPr b="0" lang="en-US" sz="2800" spc="-1" strike="noStrike">
-              <a:solidFill>
-                <a:srgbClr val="333333"/>
-              </a:solidFill>
-              <a:latin typeface="Noto Sans"/>
+              <a:latin typeface="Arial"/>
+            </a:endParaRPr>
+          </a:p>
+          <a:p>
+            <a:pPr marL="432000" indent="-323640">
+              <a:lnSpc>
+                <a:spcPct val="100000"/>
+              </a:lnSpc>
+              <a:spcAft>
+                <a:spcPts val="1414"/>
+              </a:spcAft>
+              <a:buClr>
+                <a:srgbClr val="ef2929"/>
+              </a:buClr>
+              <a:buSzPct val="45000"/>
+              <a:buFont typeface="Wingdings" charset="2"/>
+              <a:buChar char=""/>
+            </a:pPr>
+            <a:r>
+              <a:rPr b="0" lang="en-US" sz="2800" spc="-1" strike="noStrike">
+                <a:solidFill>
+                  <a:srgbClr val="333333"/>
+                </a:solidFill>
+                <a:latin typeface="Noto Sans"/>
+              </a:rPr>
+              <a:t>Up to 40 blocks</a:t>
+            </a:r>
+            <a:endParaRPr b="0" lang="en-US" sz="2800" spc="-1" strike="noStrike">
+              <a:latin typeface="Arial"/>
+            </a:endParaRPr>
+          </a:p>
+          <a:p>
+            <a:pPr marL="432000" indent="-323640">
+              <a:lnSpc>
+                <a:spcPct val="100000"/>
+              </a:lnSpc>
+              <a:spcAft>
+                <a:spcPts val="1414"/>
+              </a:spcAft>
+              <a:buClr>
+                <a:srgbClr val="ef2929"/>
+              </a:buClr>
+              <a:buSzPct val="45000"/>
+              <a:buFont typeface="Wingdings" charset="2"/>
+              <a:buChar char=""/>
+            </a:pPr>
+            <a:r>
+              <a:rPr b="0" lang="en-US" sz="2800" spc="-1" strike="noStrike">
+                <a:solidFill>
+                  <a:srgbClr val="333333"/>
+                </a:solidFill>
+                <a:latin typeface="Noto Sans"/>
+              </a:rPr>
+              <a:t>Feature head</a:t>
+            </a:r>
+            <a:endParaRPr b="0" lang="en-US" sz="2800" spc="-1" strike="noStrike">
+              <a:latin typeface="Arial"/>
+            </a:endParaRPr>
+          </a:p>
+          <a:p>
+            <a:pPr marL="432000" indent="-323640">
+              <a:lnSpc>
+                <a:spcPct val="100000"/>
+              </a:lnSpc>
+              <a:spcAft>
+                <a:spcPts val="1414"/>
+              </a:spcAft>
+              <a:buClr>
+                <a:srgbClr val="ef2929"/>
+              </a:buClr>
+              <a:buSzPct val="45000"/>
+              <a:buFont typeface="Wingdings" charset="2"/>
+              <a:buChar char=""/>
+            </a:pPr>
+            <a:r>
+              <a:rPr b="0" lang="en-US" sz="2800" spc="-1" strike="noStrike">
+                <a:solidFill>
+                  <a:srgbClr val="333333"/>
+                </a:solidFill>
+                <a:latin typeface="Noto Sans"/>
+              </a:rPr>
+              <a:t>Reentering input</a:t>
+            </a:r>
+            <a:endParaRPr b="0" lang="en-US" sz="2800" spc="-1" strike="noStrike">
+              <a:latin typeface="Arial"/>
             </a:endParaRPr>
           </a:p>
         </p:txBody>
